--- a/0 발표용 파워포인트/0508 1차발표/0508 project06 - 파워포인트 - 기범.pptx
+++ b/0 발표용 파워포인트/0508 1차발표/0508 project06 - 파워포인트 - 기범.pptx
@@ -5,10 +5,16 @@
     <p:sldMasterId id="2147483648" r:id="rId1"/>
   </p:sldMasterIdLst>
   <p:notesMasterIdLst>
-    <p:notesMasterId r:id="rId3"/>
+    <p:notesMasterId r:id="rId9"/>
   </p:notesMasterIdLst>
   <p:sldIdLst>
     <p:sldId id="256" r:id="rId2"/>
+    <p:sldId id="257" r:id="rId3"/>
+    <p:sldId id="258" r:id="rId4"/>
+    <p:sldId id="259" r:id="rId5"/>
+    <p:sldId id="260" r:id="rId6"/>
+    <p:sldId id="261" r:id="rId7"/>
+    <p:sldId id="262" r:id="rId8"/>
   </p:sldIdLst>
   <p:sldSz cx="12192000" cy="6858000"/>
   <p:notesSz cx="6858000" cy="9144000"/>
@@ -209,7 +215,7 @@
             <a:fld id="{EFE7F2A0-C7D9-4DBD-AE3B-C1A712DCE501}" type="datetimeFigureOut">
               <a:rPr lang="ko-KR" altLang="en-US" smtClean="0"/>
               <a:pPr/>
-              <a:t>2020-05-04</a:t>
+              <a:t>2020-05-07</a:t>
             </a:fld>
             <a:endParaRPr lang="ko-KR" altLang="en-US"/>
           </a:p>
@@ -610,7 +616,7 @@
             <a:fld id="{272C3D53-FEDF-49EC-8F65-FFFC138B637E}" type="datetimeFigureOut">
               <a:rPr lang="ko-KR" altLang="en-US" smtClean="0"/>
               <a:pPr/>
-              <a:t>2020-05-04</a:t>
+              <a:t>2020-05-07</a:t>
             </a:fld>
             <a:endParaRPr lang="ko-KR" altLang="en-US"/>
           </a:p>
@@ -782,7 +788,7 @@
             <a:fld id="{272C3D53-FEDF-49EC-8F65-FFFC138B637E}" type="datetimeFigureOut">
               <a:rPr lang="ko-KR" altLang="en-US" smtClean="0"/>
               <a:pPr/>
-              <a:t>2020-05-04</a:t>
+              <a:t>2020-05-07</a:t>
             </a:fld>
             <a:endParaRPr lang="ko-KR" altLang="en-US"/>
           </a:p>
@@ -964,7 +970,7 @@
             <a:fld id="{272C3D53-FEDF-49EC-8F65-FFFC138B637E}" type="datetimeFigureOut">
               <a:rPr lang="ko-KR" altLang="en-US" smtClean="0"/>
               <a:pPr/>
-              <a:t>2020-05-04</a:t>
+              <a:t>2020-05-07</a:t>
             </a:fld>
             <a:endParaRPr lang="ko-KR" altLang="en-US"/>
           </a:p>
@@ -1136,7 +1142,7 @@
             <a:fld id="{272C3D53-FEDF-49EC-8F65-FFFC138B637E}" type="datetimeFigureOut">
               <a:rPr lang="ko-KR" altLang="en-US" smtClean="0"/>
               <a:pPr/>
-              <a:t>2020-05-04</a:t>
+              <a:t>2020-05-07</a:t>
             </a:fld>
             <a:endParaRPr lang="ko-KR" altLang="en-US"/>
           </a:p>
@@ -1384,7 +1390,7 @@
             <a:fld id="{272C3D53-FEDF-49EC-8F65-FFFC138B637E}" type="datetimeFigureOut">
               <a:rPr lang="ko-KR" altLang="en-US" smtClean="0"/>
               <a:pPr/>
-              <a:t>2020-05-04</a:t>
+              <a:t>2020-05-07</a:t>
             </a:fld>
             <a:endParaRPr lang="ko-KR" altLang="en-US"/>
           </a:p>
@@ -1618,7 +1624,7 @@
             <a:fld id="{272C3D53-FEDF-49EC-8F65-FFFC138B637E}" type="datetimeFigureOut">
               <a:rPr lang="ko-KR" altLang="en-US" smtClean="0"/>
               <a:pPr/>
-              <a:t>2020-05-04</a:t>
+              <a:t>2020-05-07</a:t>
             </a:fld>
             <a:endParaRPr lang="ko-KR" altLang="en-US"/>
           </a:p>
@@ -1987,7 +1993,7 @@
             <a:fld id="{272C3D53-FEDF-49EC-8F65-FFFC138B637E}" type="datetimeFigureOut">
               <a:rPr lang="ko-KR" altLang="en-US" smtClean="0"/>
               <a:pPr/>
-              <a:t>2020-05-04</a:t>
+              <a:t>2020-05-07</a:t>
             </a:fld>
             <a:endParaRPr lang="ko-KR" altLang="en-US"/>
           </a:p>
@@ -2107,7 +2113,7 @@
             <a:fld id="{272C3D53-FEDF-49EC-8F65-FFFC138B637E}" type="datetimeFigureOut">
               <a:rPr lang="ko-KR" altLang="en-US" smtClean="0"/>
               <a:pPr/>
-              <a:t>2020-05-04</a:t>
+              <a:t>2020-05-07</a:t>
             </a:fld>
             <a:endParaRPr lang="ko-KR" altLang="en-US"/>
           </a:p>
@@ -2204,7 +2210,7 @@
             <a:fld id="{272C3D53-FEDF-49EC-8F65-FFFC138B637E}" type="datetimeFigureOut">
               <a:rPr lang="ko-KR" altLang="en-US" smtClean="0"/>
               <a:pPr/>
-              <a:t>2020-05-04</a:t>
+              <a:t>2020-05-07</a:t>
             </a:fld>
             <a:endParaRPr lang="ko-KR" altLang="en-US"/>
           </a:p>
@@ -2483,7 +2489,7 @@
             <a:fld id="{272C3D53-FEDF-49EC-8F65-FFFC138B637E}" type="datetimeFigureOut">
               <a:rPr lang="ko-KR" altLang="en-US" smtClean="0"/>
               <a:pPr/>
-              <a:t>2020-05-04</a:t>
+              <a:t>2020-05-07</a:t>
             </a:fld>
             <a:endParaRPr lang="ko-KR" altLang="en-US"/>
           </a:p>
@@ -2738,7 +2744,7 @@
             <a:fld id="{272C3D53-FEDF-49EC-8F65-FFFC138B637E}" type="datetimeFigureOut">
               <a:rPr lang="ko-KR" altLang="en-US" smtClean="0"/>
               <a:pPr/>
-              <a:t>2020-05-04</a:t>
+              <a:t>2020-05-07</a:t>
             </a:fld>
             <a:endParaRPr lang="ko-KR" altLang="en-US"/>
           </a:p>
@@ -2804,9 +2810,12 @@
 <p:sldMaster xmlns:a="http://schemas.openxmlformats.org/drawingml/2006/main" xmlns:r="http://schemas.openxmlformats.org/officeDocument/2006/relationships" xmlns:p="http://schemas.openxmlformats.org/presentationml/2006/main">
   <p:cSld>
     <p:bg>
-      <p:bgRef idx="1001">
-        <a:schemeClr val="bg1"/>
-      </p:bgRef>
+      <p:bgPr>
+        <a:solidFill>
+          <a:srgbClr val="FF9E00"/>
+        </a:solidFill>
+        <a:effectLst/>
+      </p:bgPr>
     </p:bg>
     <p:spTree>
       <p:nvGrpSpPr>
@@ -2953,7 +2962,7 @@
             <a:fld id="{272C3D53-FEDF-49EC-8F65-FFFC138B637E}" type="datetimeFigureOut">
               <a:rPr lang="ko-KR" altLang="en-US" smtClean="0"/>
               <a:pPr/>
-              <a:t>2020-05-04</a:t>
+              <a:t>2020-05-07</a:t>
             </a:fld>
             <a:endParaRPr lang="ko-KR" altLang="en-US"/>
           </a:p>
@@ -3437,6 +3446,9215 @@
     <p:extLst>
       <p:ext uri="{BB962C8B-B14F-4D97-AF65-F5344CB8AC3E}">
         <p14:creationId xmlns:p14="http://schemas.microsoft.com/office/powerpoint/2010/main" val="465175567"/>
+      </p:ext>
+    </p:extLst>
+  </p:cSld>
+  <p:clrMapOvr>
+    <a:masterClrMapping/>
+  </p:clrMapOvr>
+  <p:timing>
+    <p:tnLst>
+      <p:par>
+        <p:cTn id="1" dur="indefinite" restart="never" nodeType="tmRoot"/>
+      </p:par>
+    </p:tnLst>
+  </p:timing>
+</p:sld>
+</file>
+
+<file path=ppt/slides/slide2.xml><?xml version="1.0" encoding="utf-8"?>
+<p:sld xmlns:a="http://schemas.openxmlformats.org/drawingml/2006/main" xmlns:r="http://schemas.openxmlformats.org/officeDocument/2006/relationships" xmlns:p="http://schemas.openxmlformats.org/presentationml/2006/main">
+  <p:cSld>
+    <p:spTree>
+      <p:nvGrpSpPr>
+        <p:cNvPr id="1" name=""/>
+        <p:cNvGrpSpPr/>
+        <p:nvPr/>
+      </p:nvGrpSpPr>
+      <p:grpSpPr>
+        <a:xfrm>
+          <a:off x="0" y="0"/>
+          <a:ext cx="0" cy="0"/>
+          <a:chOff x="0" y="0"/>
+          <a:chExt cx="0" cy="0"/>
+        </a:xfrm>
+      </p:grpSpPr>
+      <p:sp>
+        <p:nvSpPr>
+          <p:cNvPr id="18" name="직사각형 17"/>
+          <p:cNvSpPr/>
+          <p:nvPr/>
+        </p:nvSpPr>
+        <p:spPr>
+          <a:xfrm rot="21409477">
+            <a:off x="832974" y="128931"/>
+            <a:ext cx="9282799" cy="6218171"/>
+          </a:xfrm>
+          <a:prstGeom prst="rect">
+            <a:avLst/>
+          </a:prstGeom>
+          <a:solidFill>
+            <a:schemeClr val="bg1">
+              <a:lumMod val="95000"/>
+            </a:schemeClr>
+          </a:solidFill>
+          <a:ln>
+            <a:noFill/>
+          </a:ln>
+        </p:spPr>
+        <p:style>
+          <a:lnRef idx="2">
+            <a:schemeClr val="accent1">
+              <a:shade val="50000"/>
+            </a:schemeClr>
+          </a:lnRef>
+          <a:fillRef idx="1">
+            <a:schemeClr val="accent1"/>
+          </a:fillRef>
+          <a:effectRef idx="0">
+            <a:schemeClr val="accent1"/>
+          </a:effectRef>
+          <a:fontRef idx="minor">
+            <a:schemeClr val="lt1"/>
+          </a:fontRef>
+        </p:style>
+        <p:txBody>
+          <a:bodyPr lIns="91440" tIns="45720" rIns="91440" bIns="45720" rtlCol="0" anchor="ctr"/>
+          <a:lstStyle/>
+          <a:p>
+            <a:pPr algn="ctr"/>
+            <a:endParaRPr lang="ko-KR" altLang="en-US" sz="2400"/>
+          </a:p>
+        </p:txBody>
+      </p:sp>
+      <p:sp>
+        <p:nvSpPr>
+          <p:cNvPr id="5" name="직사각형 4"/>
+          <p:cNvSpPr/>
+          <p:nvPr/>
+        </p:nvSpPr>
+        <p:spPr>
+          <a:xfrm>
+            <a:off x="526742" y="260649"/>
+            <a:ext cx="11425909" cy="6392929"/>
+          </a:xfrm>
+          <a:prstGeom prst="rect">
+            <a:avLst/>
+          </a:prstGeom>
+          <a:gradFill flip="none" rotWithShape="1">
+            <a:gsLst>
+              <a:gs pos="100000">
+                <a:schemeClr val="bg1">
+                  <a:shade val="67500"/>
+                  <a:satMod val="115000"/>
+                </a:schemeClr>
+              </a:gs>
+              <a:gs pos="64000">
+                <a:schemeClr val="bg1">
+                  <a:shade val="100000"/>
+                  <a:satMod val="115000"/>
+                </a:schemeClr>
+              </a:gs>
+            </a:gsLst>
+            <a:lin ang="10800000" scaled="1"/>
+            <a:tileRect/>
+          </a:gradFill>
+          <a:ln>
+            <a:noFill/>
+          </a:ln>
+          <a:effectLst>
+            <a:outerShdw blurRad="228600" dist="76200" dir="16200000" rotWithShape="0">
+              <a:prstClr val="black">
+                <a:alpha val="40000"/>
+              </a:prstClr>
+            </a:outerShdw>
+          </a:effectLst>
+        </p:spPr>
+        <p:style>
+          <a:lnRef idx="2">
+            <a:schemeClr val="accent1">
+              <a:shade val="50000"/>
+            </a:schemeClr>
+          </a:lnRef>
+          <a:fillRef idx="1">
+            <a:schemeClr val="accent1"/>
+          </a:fillRef>
+          <a:effectRef idx="0">
+            <a:schemeClr val="accent1"/>
+          </a:effectRef>
+          <a:fontRef idx="minor">
+            <a:schemeClr val="lt1"/>
+          </a:fontRef>
+        </p:style>
+        <p:txBody>
+          <a:bodyPr lIns="91440" tIns="45720" rIns="91440" bIns="45720" rtlCol="0" anchor="ctr"/>
+          <a:lstStyle/>
+          <a:p>
+            <a:pPr algn="ctr"/>
+            <a:endParaRPr lang="ko-KR" altLang="en-US" sz="2400"/>
+          </a:p>
+        </p:txBody>
+      </p:sp>
+      <p:grpSp>
+        <p:nvGrpSpPr>
+          <p:cNvPr id="2" name="그룹 1"/>
+          <p:cNvGrpSpPr/>
+          <p:nvPr/>
+        </p:nvGrpSpPr>
+        <p:grpSpPr>
+          <a:xfrm>
+            <a:off x="143104" y="68627"/>
+            <a:ext cx="768321" cy="6704028"/>
+            <a:chOff x="586490" y="739768"/>
+            <a:chExt cx="1017302" cy="5420168"/>
+          </a:xfrm>
+        </p:grpSpPr>
+        <p:sp>
+          <p:nvSpPr>
+            <p:cNvPr id="39" name="자유형 38"/>
+            <p:cNvSpPr/>
+            <p:nvPr/>
+          </p:nvSpPr>
+          <p:spPr>
+            <a:xfrm rot="10800000">
+              <a:off x="586490" y="1041378"/>
+              <a:ext cx="1017302" cy="4991063"/>
+            </a:xfrm>
+            <a:custGeom>
+              <a:avLst/>
+              <a:gdLst>
+                <a:gd name="connsiteX0" fmla="*/ 194310 w 388620"/>
+                <a:gd name="connsiteY0" fmla="*/ 0 h 2927235"/>
+                <a:gd name="connsiteX1" fmla="*/ 388620 w 388620"/>
+                <a:gd name="connsiteY1" fmla="*/ 194310 h 2927235"/>
+                <a:gd name="connsiteX2" fmla="*/ 388620 w 388620"/>
+                <a:gd name="connsiteY2" fmla="*/ 2927235 h 2927235"/>
+                <a:gd name="connsiteX3" fmla="*/ 379599 w 388620"/>
+                <a:gd name="connsiteY3" fmla="*/ 2898175 h 2927235"/>
+                <a:gd name="connsiteX4" fmla="*/ 194310 w 388620"/>
+                <a:gd name="connsiteY4" fmla="*/ 2775357 h 2927235"/>
+                <a:gd name="connsiteX5" fmla="*/ 9021 w 388620"/>
+                <a:gd name="connsiteY5" fmla="*/ 2898175 h 2927235"/>
+                <a:gd name="connsiteX6" fmla="*/ 0 w 388620"/>
+                <a:gd name="connsiteY6" fmla="*/ 2927235 h 2927235"/>
+                <a:gd name="connsiteX7" fmla="*/ 0 w 388620"/>
+                <a:gd name="connsiteY7" fmla="*/ 194310 h 2927235"/>
+                <a:gd name="connsiteX8" fmla="*/ 194310 w 388620"/>
+                <a:gd name="connsiteY8" fmla="*/ 0 h 2927235"/>
+              </a:gdLst>
+              <a:ahLst/>
+              <a:cxnLst>
+                <a:cxn ang="0">
+                  <a:pos x="connsiteX0" y="connsiteY0"/>
+                </a:cxn>
+                <a:cxn ang="0">
+                  <a:pos x="connsiteX1" y="connsiteY1"/>
+                </a:cxn>
+                <a:cxn ang="0">
+                  <a:pos x="connsiteX2" y="connsiteY2"/>
+                </a:cxn>
+                <a:cxn ang="0">
+                  <a:pos x="connsiteX3" y="connsiteY3"/>
+                </a:cxn>
+                <a:cxn ang="0">
+                  <a:pos x="connsiteX4" y="connsiteY4"/>
+                </a:cxn>
+                <a:cxn ang="0">
+                  <a:pos x="connsiteX5" y="connsiteY5"/>
+                </a:cxn>
+                <a:cxn ang="0">
+                  <a:pos x="connsiteX6" y="connsiteY6"/>
+                </a:cxn>
+                <a:cxn ang="0">
+                  <a:pos x="connsiteX7" y="connsiteY7"/>
+                </a:cxn>
+                <a:cxn ang="0">
+                  <a:pos x="connsiteX8" y="connsiteY8"/>
+                </a:cxn>
+              </a:cxnLst>
+              <a:rect l="l" t="t" r="r" b="b"/>
+              <a:pathLst>
+                <a:path w="388620" h="2927235">
+                  <a:moveTo>
+                    <a:pt x="194310" y="0"/>
+                  </a:moveTo>
+                  <a:cubicBezTo>
+                    <a:pt x="301624" y="0"/>
+                    <a:pt x="388620" y="86996"/>
+                    <a:pt x="388620" y="194310"/>
+                  </a:cubicBezTo>
+                  <a:lnTo>
+                    <a:pt x="388620" y="2927235"/>
+                  </a:lnTo>
+                  <a:lnTo>
+                    <a:pt x="379599" y="2898175"/>
+                  </a:lnTo>
+                  <a:cubicBezTo>
+                    <a:pt x="349072" y="2826000"/>
+                    <a:pt x="277605" y="2775357"/>
+                    <a:pt x="194310" y="2775357"/>
+                  </a:cubicBezTo>
+                  <a:cubicBezTo>
+                    <a:pt x="111015" y="2775357"/>
+                    <a:pt x="39548" y="2826000"/>
+                    <a:pt x="9021" y="2898175"/>
+                  </a:cubicBezTo>
+                  <a:lnTo>
+                    <a:pt x="0" y="2927235"/>
+                  </a:lnTo>
+                  <a:lnTo>
+                    <a:pt x="0" y="194310"/>
+                  </a:lnTo>
+                  <a:cubicBezTo>
+                    <a:pt x="0" y="86996"/>
+                    <a:pt x="86996" y="0"/>
+                    <a:pt x="194310" y="0"/>
+                  </a:cubicBezTo>
+                  <a:close/>
+                </a:path>
+              </a:pathLst>
+            </a:custGeom>
+            <a:gradFill flip="none" rotWithShape="1">
+              <a:gsLst>
+                <a:gs pos="0">
+                  <a:schemeClr val="bg1">
+                    <a:shade val="67500"/>
+                    <a:satMod val="115000"/>
+                  </a:schemeClr>
+                </a:gs>
+                <a:gs pos="100000">
+                  <a:schemeClr val="bg1">
+                    <a:shade val="100000"/>
+                    <a:satMod val="115000"/>
+                  </a:schemeClr>
+                </a:gs>
+              </a:gsLst>
+              <a:lin ang="10800000" scaled="1"/>
+              <a:tileRect/>
+            </a:gradFill>
+            <a:ln>
+              <a:noFill/>
+            </a:ln>
+            <a:effectLst>
+              <a:outerShdw blurRad="88900" dist="139700" dir="5400000" sx="98000" sy="98000" algn="t" rotWithShape="0">
+                <a:prstClr val="black">
+                  <a:alpha val="40000"/>
+                </a:prstClr>
+              </a:outerShdw>
+            </a:effectLst>
+          </p:spPr>
+          <p:style>
+            <a:lnRef idx="2">
+              <a:schemeClr val="accent1">
+                <a:shade val="50000"/>
+              </a:schemeClr>
+            </a:lnRef>
+            <a:fillRef idx="1">
+              <a:schemeClr val="accent1"/>
+            </a:fillRef>
+            <a:effectRef idx="0">
+              <a:schemeClr val="accent1"/>
+            </a:effectRef>
+            <a:fontRef idx="minor">
+              <a:schemeClr val="lt1"/>
+            </a:fontRef>
+          </p:style>
+          <p:txBody>
+            <a:bodyPr rtlCol="0" anchor="ctr"/>
+            <a:lstStyle/>
+            <a:p>
+              <a:pPr algn="ctr"/>
+              <a:endParaRPr lang="ko-KR" altLang="en-US" sz="2400"/>
+            </a:p>
+          </p:txBody>
+        </p:sp>
+        <p:sp>
+          <p:nvSpPr>
+            <p:cNvPr id="40" name="자유형 39"/>
+            <p:cNvSpPr/>
+            <p:nvPr/>
+          </p:nvSpPr>
+          <p:spPr>
+            <a:xfrm rot="10800000">
+              <a:off x="754421" y="2816677"/>
+              <a:ext cx="681439" cy="3343259"/>
+            </a:xfrm>
+            <a:custGeom>
+              <a:avLst/>
+              <a:gdLst>
+                <a:gd name="connsiteX0" fmla="*/ 194310 w 388620"/>
+                <a:gd name="connsiteY0" fmla="*/ 0 h 2927235"/>
+                <a:gd name="connsiteX1" fmla="*/ 388620 w 388620"/>
+                <a:gd name="connsiteY1" fmla="*/ 194310 h 2927235"/>
+                <a:gd name="connsiteX2" fmla="*/ 388620 w 388620"/>
+                <a:gd name="connsiteY2" fmla="*/ 2927235 h 2927235"/>
+                <a:gd name="connsiteX3" fmla="*/ 379599 w 388620"/>
+                <a:gd name="connsiteY3" fmla="*/ 2898175 h 2927235"/>
+                <a:gd name="connsiteX4" fmla="*/ 194310 w 388620"/>
+                <a:gd name="connsiteY4" fmla="*/ 2775357 h 2927235"/>
+                <a:gd name="connsiteX5" fmla="*/ 9021 w 388620"/>
+                <a:gd name="connsiteY5" fmla="*/ 2898175 h 2927235"/>
+                <a:gd name="connsiteX6" fmla="*/ 0 w 388620"/>
+                <a:gd name="connsiteY6" fmla="*/ 2927235 h 2927235"/>
+                <a:gd name="connsiteX7" fmla="*/ 0 w 388620"/>
+                <a:gd name="connsiteY7" fmla="*/ 194310 h 2927235"/>
+                <a:gd name="connsiteX8" fmla="*/ 194310 w 388620"/>
+                <a:gd name="connsiteY8" fmla="*/ 0 h 2927235"/>
+              </a:gdLst>
+              <a:ahLst/>
+              <a:cxnLst>
+                <a:cxn ang="0">
+                  <a:pos x="connsiteX0" y="connsiteY0"/>
+                </a:cxn>
+                <a:cxn ang="0">
+                  <a:pos x="connsiteX1" y="connsiteY1"/>
+                </a:cxn>
+                <a:cxn ang="0">
+                  <a:pos x="connsiteX2" y="connsiteY2"/>
+                </a:cxn>
+                <a:cxn ang="0">
+                  <a:pos x="connsiteX3" y="connsiteY3"/>
+                </a:cxn>
+                <a:cxn ang="0">
+                  <a:pos x="connsiteX4" y="connsiteY4"/>
+                </a:cxn>
+                <a:cxn ang="0">
+                  <a:pos x="connsiteX5" y="connsiteY5"/>
+                </a:cxn>
+                <a:cxn ang="0">
+                  <a:pos x="connsiteX6" y="connsiteY6"/>
+                </a:cxn>
+                <a:cxn ang="0">
+                  <a:pos x="connsiteX7" y="connsiteY7"/>
+                </a:cxn>
+                <a:cxn ang="0">
+                  <a:pos x="connsiteX8" y="connsiteY8"/>
+                </a:cxn>
+              </a:cxnLst>
+              <a:rect l="l" t="t" r="r" b="b"/>
+              <a:pathLst>
+                <a:path w="388620" h="2927235">
+                  <a:moveTo>
+                    <a:pt x="194310" y="0"/>
+                  </a:moveTo>
+                  <a:cubicBezTo>
+                    <a:pt x="301624" y="0"/>
+                    <a:pt x="388620" y="86996"/>
+                    <a:pt x="388620" y="194310"/>
+                  </a:cubicBezTo>
+                  <a:lnTo>
+                    <a:pt x="388620" y="2927235"/>
+                  </a:lnTo>
+                  <a:lnTo>
+                    <a:pt x="379599" y="2898175"/>
+                  </a:lnTo>
+                  <a:cubicBezTo>
+                    <a:pt x="349072" y="2826000"/>
+                    <a:pt x="277605" y="2775357"/>
+                    <a:pt x="194310" y="2775357"/>
+                  </a:cubicBezTo>
+                  <a:cubicBezTo>
+                    <a:pt x="111015" y="2775357"/>
+                    <a:pt x="39548" y="2826000"/>
+                    <a:pt x="9021" y="2898175"/>
+                  </a:cubicBezTo>
+                  <a:lnTo>
+                    <a:pt x="0" y="2927235"/>
+                  </a:lnTo>
+                  <a:lnTo>
+                    <a:pt x="0" y="194310"/>
+                  </a:lnTo>
+                  <a:cubicBezTo>
+                    <a:pt x="0" y="86996"/>
+                    <a:pt x="86996" y="0"/>
+                    <a:pt x="194310" y="0"/>
+                  </a:cubicBezTo>
+                  <a:close/>
+                </a:path>
+              </a:pathLst>
+            </a:custGeom>
+            <a:gradFill flip="none" rotWithShape="1">
+              <a:gsLst>
+                <a:gs pos="0">
+                  <a:schemeClr val="bg1">
+                    <a:shade val="67500"/>
+                    <a:satMod val="115000"/>
+                  </a:schemeClr>
+                </a:gs>
+                <a:gs pos="100000">
+                  <a:schemeClr val="bg1">
+                    <a:shade val="100000"/>
+                    <a:satMod val="115000"/>
+                  </a:schemeClr>
+                </a:gs>
+              </a:gsLst>
+              <a:lin ang="10800000" scaled="1"/>
+              <a:tileRect/>
+            </a:gradFill>
+            <a:ln>
+              <a:noFill/>
+            </a:ln>
+            <a:effectLst>
+              <a:outerShdw blurRad="88900" dist="139700" dir="5400000" sx="98000" sy="98000" algn="t" rotWithShape="0">
+                <a:prstClr val="black">
+                  <a:alpha val="40000"/>
+                </a:prstClr>
+              </a:outerShdw>
+            </a:effectLst>
+          </p:spPr>
+          <p:style>
+            <a:lnRef idx="2">
+              <a:schemeClr val="accent1">
+                <a:shade val="50000"/>
+              </a:schemeClr>
+            </a:lnRef>
+            <a:fillRef idx="1">
+              <a:schemeClr val="accent1"/>
+            </a:fillRef>
+            <a:effectRef idx="0">
+              <a:schemeClr val="accent1"/>
+            </a:effectRef>
+            <a:fontRef idx="minor">
+              <a:schemeClr val="lt1"/>
+            </a:fontRef>
+          </p:style>
+          <p:txBody>
+            <a:bodyPr rtlCol="0" anchor="ctr"/>
+            <a:lstStyle/>
+            <a:p>
+              <a:pPr algn="ctr"/>
+              <a:endParaRPr lang="ko-KR" altLang="en-US" sz="2400"/>
+            </a:p>
+          </p:txBody>
+        </p:sp>
+        <p:sp>
+          <p:nvSpPr>
+            <p:cNvPr id="41" name="자유형 40"/>
+            <p:cNvSpPr/>
+            <p:nvPr/>
+          </p:nvSpPr>
+          <p:spPr>
+            <a:xfrm>
+              <a:off x="754421" y="2614644"/>
+              <a:ext cx="681439" cy="3343259"/>
+            </a:xfrm>
+            <a:custGeom>
+              <a:avLst/>
+              <a:gdLst>
+                <a:gd name="connsiteX0" fmla="*/ 194310 w 388620"/>
+                <a:gd name="connsiteY0" fmla="*/ 0 h 2927235"/>
+                <a:gd name="connsiteX1" fmla="*/ 388620 w 388620"/>
+                <a:gd name="connsiteY1" fmla="*/ 194310 h 2927235"/>
+                <a:gd name="connsiteX2" fmla="*/ 388620 w 388620"/>
+                <a:gd name="connsiteY2" fmla="*/ 2927235 h 2927235"/>
+                <a:gd name="connsiteX3" fmla="*/ 379599 w 388620"/>
+                <a:gd name="connsiteY3" fmla="*/ 2898175 h 2927235"/>
+                <a:gd name="connsiteX4" fmla="*/ 194310 w 388620"/>
+                <a:gd name="connsiteY4" fmla="*/ 2775357 h 2927235"/>
+                <a:gd name="connsiteX5" fmla="*/ 9021 w 388620"/>
+                <a:gd name="connsiteY5" fmla="*/ 2898175 h 2927235"/>
+                <a:gd name="connsiteX6" fmla="*/ 0 w 388620"/>
+                <a:gd name="connsiteY6" fmla="*/ 2927235 h 2927235"/>
+                <a:gd name="connsiteX7" fmla="*/ 0 w 388620"/>
+                <a:gd name="connsiteY7" fmla="*/ 194310 h 2927235"/>
+                <a:gd name="connsiteX8" fmla="*/ 194310 w 388620"/>
+                <a:gd name="connsiteY8" fmla="*/ 0 h 2927235"/>
+              </a:gdLst>
+              <a:ahLst/>
+              <a:cxnLst>
+                <a:cxn ang="0">
+                  <a:pos x="connsiteX0" y="connsiteY0"/>
+                </a:cxn>
+                <a:cxn ang="0">
+                  <a:pos x="connsiteX1" y="connsiteY1"/>
+                </a:cxn>
+                <a:cxn ang="0">
+                  <a:pos x="connsiteX2" y="connsiteY2"/>
+                </a:cxn>
+                <a:cxn ang="0">
+                  <a:pos x="connsiteX3" y="connsiteY3"/>
+                </a:cxn>
+                <a:cxn ang="0">
+                  <a:pos x="connsiteX4" y="connsiteY4"/>
+                </a:cxn>
+                <a:cxn ang="0">
+                  <a:pos x="connsiteX5" y="connsiteY5"/>
+                </a:cxn>
+                <a:cxn ang="0">
+                  <a:pos x="connsiteX6" y="connsiteY6"/>
+                </a:cxn>
+                <a:cxn ang="0">
+                  <a:pos x="connsiteX7" y="connsiteY7"/>
+                </a:cxn>
+                <a:cxn ang="0">
+                  <a:pos x="connsiteX8" y="connsiteY8"/>
+                </a:cxn>
+              </a:cxnLst>
+              <a:rect l="l" t="t" r="r" b="b"/>
+              <a:pathLst>
+                <a:path w="388620" h="2927235">
+                  <a:moveTo>
+                    <a:pt x="194310" y="0"/>
+                  </a:moveTo>
+                  <a:cubicBezTo>
+                    <a:pt x="301624" y="0"/>
+                    <a:pt x="388620" y="86996"/>
+                    <a:pt x="388620" y="194310"/>
+                  </a:cubicBezTo>
+                  <a:lnTo>
+                    <a:pt x="388620" y="2927235"/>
+                  </a:lnTo>
+                  <a:lnTo>
+                    <a:pt x="379599" y="2898175"/>
+                  </a:lnTo>
+                  <a:cubicBezTo>
+                    <a:pt x="349072" y="2826000"/>
+                    <a:pt x="277605" y="2775357"/>
+                    <a:pt x="194310" y="2775357"/>
+                  </a:cubicBezTo>
+                  <a:cubicBezTo>
+                    <a:pt x="111015" y="2775357"/>
+                    <a:pt x="39548" y="2826000"/>
+                    <a:pt x="9021" y="2898175"/>
+                  </a:cubicBezTo>
+                  <a:lnTo>
+                    <a:pt x="0" y="2927235"/>
+                  </a:lnTo>
+                  <a:lnTo>
+                    <a:pt x="0" y="194310"/>
+                  </a:lnTo>
+                  <a:cubicBezTo>
+                    <a:pt x="0" y="86996"/>
+                    <a:pt x="86996" y="0"/>
+                    <a:pt x="194310" y="0"/>
+                  </a:cubicBezTo>
+                  <a:close/>
+                </a:path>
+              </a:pathLst>
+            </a:custGeom>
+            <a:gradFill flip="none" rotWithShape="1">
+              <a:gsLst>
+                <a:gs pos="0">
+                  <a:schemeClr val="bg1">
+                    <a:shade val="67500"/>
+                    <a:satMod val="115000"/>
+                  </a:schemeClr>
+                </a:gs>
+                <a:gs pos="100000">
+                  <a:schemeClr val="bg1">
+                    <a:shade val="100000"/>
+                    <a:satMod val="115000"/>
+                  </a:schemeClr>
+                </a:gs>
+              </a:gsLst>
+              <a:lin ang="10800000" scaled="1"/>
+              <a:tileRect/>
+            </a:gradFill>
+            <a:ln>
+              <a:noFill/>
+            </a:ln>
+            <a:effectLst>
+              <a:outerShdw blurRad="88900" dist="139700" dir="5400000" sx="98000" sy="98000" algn="t" rotWithShape="0">
+                <a:prstClr val="black">
+                  <a:alpha val="40000"/>
+                </a:prstClr>
+              </a:outerShdw>
+            </a:effectLst>
+          </p:spPr>
+          <p:style>
+            <a:lnRef idx="2">
+              <a:schemeClr val="accent1">
+                <a:shade val="50000"/>
+              </a:schemeClr>
+            </a:lnRef>
+            <a:fillRef idx="1">
+              <a:schemeClr val="accent1"/>
+            </a:fillRef>
+            <a:effectRef idx="0">
+              <a:schemeClr val="accent1"/>
+            </a:effectRef>
+            <a:fontRef idx="minor">
+              <a:schemeClr val="lt1"/>
+            </a:fontRef>
+          </p:style>
+          <p:txBody>
+            <a:bodyPr rtlCol="0" anchor="ctr"/>
+            <a:lstStyle/>
+            <a:p>
+              <a:pPr algn="ctr"/>
+              <a:endParaRPr lang="ko-KR" altLang="en-US" sz="2400"/>
+            </a:p>
+          </p:txBody>
+        </p:sp>
+        <p:sp>
+          <p:nvSpPr>
+            <p:cNvPr id="42" name="자유형 41"/>
+            <p:cNvSpPr/>
+            <p:nvPr/>
+          </p:nvSpPr>
+          <p:spPr>
+            <a:xfrm>
+              <a:off x="586490" y="739768"/>
+              <a:ext cx="1017302" cy="4991063"/>
+            </a:xfrm>
+            <a:custGeom>
+              <a:avLst/>
+              <a:gdLst>
+                <a:gd name="connsiteX0" fmla="*/ 194310 w 388620"/>
+                <a:gd name="connsiteY0" fmla="*/ 0 h 2927235"/>
+                <a:gd name="connsiteX1" fmla="*/ 388620 w 388620"/>
+                <a:gd name="connsiteY1" fmla="*/ 194310 h 2927235"/>
+                <a:gd name="connsiteX2" fmla="*/ 388620 w 388620"/>
+                <a:gd name="connsiteY2" fmla="*/ 2927235 h 2927235"/>
+                <a:gd name="connsiteX3" fmla="*/ 379599 w 388620"/>
+                <a:gd name="connsiteY3" fmla="*/ 2898175 h 2927235"/>
+                <a:gd name="connsiteX4" fmla="*/ 194310 w 388620"/>
+                <a:gd name="connsiteY4" fmla="*/ 2775357 h 2927235"/>
+                <a:gd name="connsiteX5" fmla="*/ 9021 w 388620"/>
+                <a:gd name="connsiteY5" fmla="*/ 2898175 h 2927235"/>
+                <a:gd name="connsiteX6" fmla="*/ 0 w 388620"/>
+                <a:gd name="connsiteY6" fmla="*/ 2927235 h 2927235"/>
+                <a:gd name="connsiteX7" fmla="*/ 0 w 388620"/>
+                <a:gd name="connsiteY7" fmla="*/ 194310 h 2927235"/>
+                <a:gd name="connsiteX8" fmla="*/ 194310 w 388620"/>
+                <a:gd name="connsiteY8" fmla="*/ 0 h 2927235"/>
+              </a:gdLst>
+              <a:ahLst/>
+              <a:cxnLst>
+                <a:cxn ang="0">
+                  <a:pos x="connsiteX0" y="connsiteY0"/>
+                </a:cxn>
+                <a:cxn ang="0">
+                  <a:pos x="connsiteX1" y="connsiteY1"/>
+                </a:cxn>
+                <a:cxn ang="0">
+                  <a:pos x="connsiteX2" y="connsiteY2"/>
+                </a:cxn>
+                <a:cxn ang="0">
+                  <a:pos x="connsiteX3" y="connsiteY3"/>
+                </a:cxn>
+                <a:cxn ang="0">
+                  <a:pos x="connsiteX4" y="connsiteY4"/>
+                </a:cxn>
+                <a:cxn ang="0">
+                  <a:pos x="connsiteX5" y="connsiteY5"/>
+                </a:cxn>
+                <a:cxn ang="0">
+                  <a:pos x="connsiteX6" y="connsiteY6"/>
+                </a:cxn>
+                <a:cxn ang="0">
+                  <a:pos x="connsiteX7" y="connsiteY7"/>
+                </a:cxn>
+                <a:cxn ang="0">
+                  <a:pos x="connsiteX8" y="connsiteY8"/>
+                </a:cxn>
+              </a:cxnLst>
+              <a:rect l="l" t="t" r="r" b="b"/>
+              <a:pathLst>
+                <a:path w="388620" h="2927235">
+                  <a:moveTo>
+                    <a:pt x="194310" y="0"/>
+                  </a:moveTo>
+                  <a:cubicBezTo>
+                    <a:pt x="301624" y="0"/>
+                    <a:pt x="388620" y="86996"/>
+                    <a:pt x="388620" y="194310"/>
+                  </a:cubicBezTo>
+                  <a:lnTo>
+                    <a:pt x="388620" y="2927235"/>
+                  </a:lnTo>
+                  <a:lnTo>
+                    <a:pt x="379599" y="2898175"/>
+                  </a:lnTo>
+                  <a:cubicBezTo>
+                    <a:pt x="349072" y="2826000"/>
+                    <a:pt x="277605" y="2775357"/>
+                    <a:pt x="194310" y="2775357"/>
+                  </a:cubicBezTo>
+                  <a:cubicBezTo>
+                    <a:pt x="111015" y="2775357"/>
+                    <a:pt x="39548" y="2826000"/>
+                    <a:pt x="9021" y="2898175"/>
+                  </a:cubicBezTo>
+                  <a:lnTo>
+                    <a:pt x="0" y="2927235"/>
+                  </a:lnTo>
+                  <a:lnTo>
+                    <a:pt x="0" y="194310"/>
+                  </a:lnTo>
+                  <a:cubicBezTo>
+                    <a:pt x="0" y="86996"/>
+                    <a:pt x="86996" y="0"/>
+                    <a:pt x="194310" y="0"/>
+                  </a:cubicBezTo>
+                  <a:close/>
+                </a:path>
+              </a:pathLst>
+            </a:custGeom>
+            <a:gradFill flip="none" rotWithShape="1">
+              <a:gsLst>
+                <a:gs pos="0">
+                  <a:schemeClr val="bg1">
+                    <a:shade val="67500"/>
+                    <a:satMod val="115000"/>
+                  </a:schemeClr>
+                </a:gs>
+                <a:gs pos="100000">
+                  <a:schemeClr val="bg1">
+                    <a:shade val="100000"/>
+                    <a:satMod val="115000"/>
+                  </a:schemeClr>
+                </a:gs>
+              </a:gsLst>
+              <a:lin ang="10800000" scaled="1"/>
+              <a:tileRect/>
+            </a:gradFill>
+            <a:ln>
+              <a:noFill/>
+            </a:ln>
+            <a:effectLst>
+              <a:outerShdw blurRad="88900" dist="139700" dir="5400000" sx="98000" sy="98000" algn="t" rotWithShape="0">
+                <a:prstClr val="black">
+                  <a:alpha val="40000"/>
+                </a:prstClr>
+              </a:outerShdw>
+            </a:effectLst>
+          </p:spPr>
+          <p:style>
+            <a:lnRef idx="2">
+              <a:schemeClr val="accent1">
+                <a:shade val="50000"/>
+              </a:schemeClr>
+            </a:lnRef>
+            <a:fillRef idx="1">
+              <a:schemeClr val="accent1"/>
+            </a:fillRef>
+            <a:effectRef idx="0">
+              <a:schemeClr val="accent1"/>
+            </a:effectRef>
+            <a:fontRef idx="minor">
+              <a:schemeClr val="lt1"/>
+            </a:fontRef>
+          </p:style>
+          <p:txBody>
+            <a:bodyPr rtlCol="0" anchor="ctr"/>
+            <a:lstStyle/>
+            <a:p>
+              <a:pPr algn="ctr"/>
+              <a:endParaRPr lang="ko-KR" altLang="en-US" sz="2400"/>
+            </a:p>
+          </p:txBody>
+        </p:sp>
+      </p:grpSp>
+      <p:sp>
+        <p:nvSpPr>
+          <p:cNvPr id="43" name="직사각형 42"/>
+          <p:cNvSpPr/>
+          <p:nvPr/>
+        </p:nvSpPr>
+        <p:spPr>
+          <a:xfrm>
+            <a:off x="1121067" y="522708"/>
+            <a:ext cx="8789911" cy="646331"/>
+          </a:xfrm>
+          <a:prstGeom prst="rect">
+            <a:avLst/>
+          </a:prstGeom>
+        </p:spPr>
+        <p:txBody>
+          <a:bodyPr wrap="square" lIns="91440" tIns="45720" rIns="91440" bIns="45720">
+            <a:spAutoFit/>
+          </a:bodyPr>
+          <a:lstStyle/>
+          <a:p>
+            <a:pPr>
+              <a:lnSpc>
+                <a:spcPct val="150000"/>
+              </a:lnSpc>
+            </a:pPr>
+            <a:r>
+              <a:rPr lang="en-US" altLang="ko-KR" sz="2400" b="1" dirty="0">
+                <a:solidFill>
+                  <a:schemeClr val="tx1">
+                    <a:lumMod val="75000"/>
+                    <a:lumOff val="25000"/>
+                  </a:schemeClr>
+                </a:solidFill>
+                <a:latin typeface="+mj-ea"/>
+                <a:ea typeface="+mj-ea"/>
+              </a:rPr>
+              <a:t>[ </a:t>
+            </a:r>
+            <a:r>
+              <a:rPr lang="ko-KR" altLang="en-US" sz="2400" b="1" dirty="0">
+                <a:solidFill>
+                  <a:schemeClr val="tx1">
+                    <a:lumMod val="75000"/>
+                    <a:lumOff val="25000"/>
+                  </a:schemeClr>
+                </a:solidFill>
+                <a:latin typeface="+mj-ea"/>
+                <a:ea typeface="+mj-ea"/>
+              </a:rPr>
+              <a:t>화면설계 </a:t>
+            </a:r>
+            <a:r>
+              <a:rPr lang="en-US" altLang="ko-KR" sz="2400" b="1" dirty="0">
+                <a:solidFill>
+                  <a:schemeClr val="tx1">
+                    <a:lumMod val="75000"/>
+                    <a:lumOff val="25000"/>
+                  </a:schemeClr>
+                </a:solidFill>
+                <a:latin typeface="+mj-ea"/>
+                <a:ea typeface="+mj-ea"/>
+              </a:rPr>
+              <a:t>] </a:t>
+            </a:r>
+            <a:r>
+              <a:rPr lang="ko-KR" altLang="en-US" sz="2400" b="1" dirty="0">
+                <a:solidFill>
+                  <a:schemeClr val="tx1">
+                    <a:lumMod val="75000"/>
+                    <a:lumOff val="25000"/>
+                  </a:schemeClr>
+                </a:solidFill>
+                <a:latin typeface="+mj-ea"/>
+                <a:ea typeface="+mj-ea"/>
+              </a:rPr>
+              <a:t>사용자 </a:t>
+            </a:r>
+            <a:r>
+              <a:rPr lang="en-US" altLang="ko-KR" sz="2400" b="1" dirty="0">
+                <a:solidFill>
+                  <a:schemeClr val="tx1">
+                    <a:lumMod val="75000"/>
+                    <a:lumOff val="25000"/>
+                  </a:schemeClr>
+                </a:solidFill>
+                <a:latin typeface="+mj-ea"/>
+                <a:ea typeface="+mj-ea"/>
+              </a:rPr>
+              <a:t>- </a:t>
+            </a:r>
+            <a:r>
+              <a:rPr lang="ko-KR" altLang="en-US" sz="2400" b="1">
+                <a:solidFill>
+                  <a:schemeClr val="tx1">
+                    <a:lumMod val="75000"/>
+                    <a:lumOff val="25000"/>
+                  </a:schemeClr>
+                </a:solidFill>
+                <a:latin typeface="+mj-ea"/>
+                <a:ea typeface="+mj-ea"/>
+              </a:rPr>
+              <a:t>웹 </a:t>
+            </a:r>
+            <a:r>
+              <a:rPr lang="en-US" altLang="ko-KR" sz="2400" b="1" smtClean="0">
+                <a:solidFill>
+                  <a:schemeClr val="tx1">
+                    <a:lumMod val="75000"/>
+                    <a:lumOff val="25000"/>
+                  </a:schemeClr>
+                </a:solidFill>
+                <a:latin typeface="+mj-ea"/>
+                <a:ea typeface="+mj-ea"/>
+              </a:rPr>
+              <a:t>– </a:t>
+            </a:r>
+            <a:r>
+              <a:rPr lang="ko-KR" altLang="en-US" sz="2400" b="1" smtClean="0">
+                <a:solidFill>
+                  <a:schemeClr val="tx1">
+                    <a:lumMod val="75000"/>
+                    <a:lumOff val="25000"/>
+                  </a:schemeClr>
+                </a:solidFill>
+                <a:latin typeface="+mj-ea"/>
+                <a:ea typeface="+mj-ea"/>
+              </a:rPr>
+              <a:t>리워드 스토어 </a:t>
+            </a:r>
+            <a:r>
+              <a:rPr lang="en-US" altLang="ko-KR" sz="2400" b="1" smtClean="0">
+                <a:solidFill>
+                  <a:schemeClr val="tx1">
+                    <a:lumMod val="75000"/>
+                    <a:lumOff val="25000"/>
+                  </a:schemeClr>
+                </a:solidFill>
+                <a:latin typeface="+mj-ea"/>
+                <a:ea typeface="+mj-ea"/>
+              </a:rPr>
+              <a:t>- </a:t>
+            </a:r>
+            <a:r>
+              <a:rPr lang="ko-KR" altLang="en-US" sz="2400" b="1" smtClean="0">
+                <a:solidFill>
+                  <a:schemeClr val="tx1">
+                    <a:lumMod val="75000"/>
+                    <a:lumOff val="25000"/>
+                  </a:schemeClr>
+                </a:solidFill>
+                <a:latin typeface="+mj-ea"/>
+                <a:ea typeface="+mj-ea"/>
+              </a:rPr>
+              <a:t>상품 목록</a:t>
+            </a:r>
+            <a:endParaRPr lang="ko-KR" altLang="en-US" sz="2400" b="1" dirty="0">
+              <a:solidFill>
+                <a:schemeClr val="tx1">
+                  <a:lumMod val="75000"/>
+                  <a:lumOff val="25000"/>
+                </a:schemeClr>
+              </a:solidFill>
+              <a:latin typeface="+mj-ea"/>
+              <a:ea typeface="+mj-ea"/>
+            </a:endParaRPr>
+          </a:p>
+        </p:txBody>
+      </p:sp>
+      <p:graphicFrame>
+        <p:nvGraphicFramePr>
+          <p:cNvPr id="4" name="표 3"/>
+          <p:cNvGraphicFramePr>
+            <a:graphicFrameLocks noGrp="1"/>
+          </p:cNvGraphicFramePr>
+          <p:nvPr>
+            <p:extLst/>
+          </p:nvPr>
+        </p:nvGraphicFramePr>
+        <p:xfrm>
+          <a:off x="9168341" y="1433634"/>
+          <a:ext cx="2688299" cy="915066"/>
+        </p:xfrm>
+        <a:graphic>
+          <a:graphicData uri="http://schemas.openxmlformats.org/drawingml/2006/table">
+            <a:tbl>
+              <a:tblPr firstRow="1" bandRow="1"/>
+              <a:tblGrid>
+                <a:gridCol w="2688299"/>
+              </a:tblGrid>
+              <a:tr h="424495">
+                <a:tc>
+                  <a:txBody>
+                    <a:bodyPr/>
+                    <a:lstStyle/>
+                    <a:p>
+                      <a:pPr algn="ctr" latinLnBrk="1"/>
+                      <a:r>
+                        <a:rPr lang="ko-KR" altLang="en-US" sz="1200" b="1" dirty="0" smtClean="0">
+                          <a:solidFill>
+                            <a:schemeClr val="tx1"/>
+                          </a:solidFill>
+                          <a:latin typeface="+mj-ea"/>
+                          <a:ea typeface="+mj-ea"/>
+                        </a:rPr>
+                        <a:t>화면코드</a:t>
+                      </a:r>
+                      <a:endParaRPr lang="ko-KR" altLang="en-US" sz="1200" b="1" dirty="0">
+                        <a:solidFill>
+                          <a:schemeClr val="tx1"/>
+                        </a:solidFill>
+                        <a:latin typeface="+mj-ea"/>
+                        <a:ea typeface="+mj-ea"/>
+                      </a:endParaRPr>
+                    </a:p>
+                  </a:txBody>
+                  <a:tcPr marL="121920" marR="121920" marT="60960" marB="60960" anchor="ctr">
+                    <a:solidFill>
+                      <a:srgbClr val="FF9E00"/>
+                    </a:solidFill>
+                  </a:tcPr>
+                </a:tc>
+              </a:tr>
+              <a:tr h="490571">
+                <a:tc>
+                  <a:txBody>
+                    <a:bodyPr/>
+                    <a:lstStyle/>
+                    <a:p>
+                      <a:pPr algn="ctr" latinLnBrk="1"/>
+                      <a:r>
+                        <a:rPr lang="en-US" altLang="ko-KR" sz="1500" smtClean="0">
+                          <a:latin typeface="+mj-ea"/>
+                          <a:ea typeface="+mj-ea"/>
+                        </a:rPr>
+                        <a:t>Kb_w_user_StoreList</a:t>
+                      </a:r>
+                      <a:endParaRPr lang="ko-KR" altLang="en-US" sz="1500" dirty="0">
+                        <a:latin typeface="+mj-ea"/>
+                        <a:ea typeface="+mj-ea"/>
+                      </a:endParaRPr>
+                    </a:p>
+                  </a:txBody>
+                  <a:tcPr marL="121920" marR="121920" marT="60960" marB="60960" anchor="ctr"/>
+                </a:tc>
+              </a:tr>
+            </a:tbl>
+          </a:graphicData>
+        </a:graphic>
+      </p:graphicFrame>
+      <p:sp>
+        <p:nvSpPr>
+          <p:cNvPr id="19" name="직사각형 18"/>
+          <p:cNvSpPr/>
+          <p:nvPr/>
+        </p:nvSpPr>
+        <p:spPr>
+          <a:xfrm>
+            <a:off x="1081171" y="1433634"/>
+            <a:ext cx="7895148" cy="4875687"/>
+          </a:xfrm>
+          <a:prstGeom prst="rect">
+            <a:avLst/>
+          </a:prstGeom>
+          <a:noFill/>
+          <a:ln w="9525">
+            <a:solidFill>
+              <a:schemeClr val="tx1"/>
+            </a:solidFill>
+          </a:ln>
+        </p:spPr>
+        <p:style>
+          <a:lnRef idx="2">
+            <a:schemeClr val="accent1">
+              <a:shade val="50000"/>
+            </a:schemeClr>
+          </a:lnRef>
+          <a:fillRef idx="1">
+            <a:schemeClr val="accent1"/>
+          </a:fillRef>
+          <a:effectRef idx="0">
+            <a:schemeClr val="accent1"/>
+          </a:effectRef>
+          <a:fontRef idx="minor">
+            <a:schemeClr val="lt1"/>
+          </a:fontRef>
+        </p:style>
+        <p:txBody>
+          <a:bodyPr rtlCol="0" anchor="ctr"/>
+          <a:lstStyle/>
+          <a:p>
+            <a:pPr algn="ctr"/>
+            <a:endParaRPr lang="ko-KR" altLang="en-US" sz="2400">
+              <a:noFill/>
+            </a:endParaRPr>
+          </a:p>
+        </p:txBody>
+      </p:sp>
+      <p:graphicFrame>
+        <p:nvGraphicFramePr>
+          <p:cNvPr id="6" name="표 5"/>
+          <p:cNvGraphicFramePr>
+            <a:graphicFrameLocks noGrp="1"/>
+          </p:cNvGraphicFramePr>
+          <p:nvPr>
+            <p:extLst/>
+          </p:nvPr>
+        </p:nvGraphicFramePr>
+        <p:xfrm>
+          <a:off x="9168341" y="2479152"/>
+          <a:ext cx="2688299" cy="3570331"/>
+        </p:xfrm>
+        <a:graphic>
+          <a:graphicData uri="http://schemas.openxmlformats.org/drawingml/2006/table">
+            <a:tbl>
+              <a:tblPr firstRow="1" bandRow="1"/>
+              <a:tblGrid>
+                <a:gridCol w="280507"/>
+                <a:gridCol w="2407792"/>
+              </a:tblGrid>
+              <a:tr h="469796">
+                <a:tc>
+                  <a:txBody>
+                    <a:bodyPr/>
+                    <a:lstStyle/>
+                    <a:p>
+                      <a:pPr algn="ctr" latinLnBrk="1"/>
+                      <a:r>
+                        <a:rPr lang="en-US" altLang="ko-KR" sz="1200" b="1" dirty="0" smtClean="0">
+                          <a:latin typeface="+mj-ea"/>
+                          <a:ea typeface="+mj-ea"/>
+                        </a:rPr>
+                        <a:t>#</a:t>
+                      </a:r>
+                      <a:endParaRPr lang="ko-KR" altLang="en-US" sz="1200" b="1" dirty="0">
+                        <a:latin typeface="+mj-ea"/>
+                        <a:ea typeface="+mj-ea"/>
+                      </a:endParaRPr>
+                    </a:p>
+                  </a:txBody>
+                  <a:tcPr marL="121920" marR="121920" marT="60960" marB="60960" anchor="ctr">
+                    <a:solidFill>
+                      <a:srgbClr val="FF9E00"/>
+                    </a:solidFill>
+                  </a:tcPr>
+                </a:tc>
+                <a:tc>
+                  <a:txBody>
+                    <a:bodyPr/>
+                    <a:lstStyle/>
+                    <a:p>
+                      <a:pPr algn="ctr" latinLnBrk="1"/>
+                      <a:r>
+                        <a:rPr lang="ko-KR" altLang="en-US" sz="1200" b="1" dirty="0" smtClean="0">
+                          <a:latin typeface="+mj-ea"/>
+                          <a:ea typeface="+mj-ea"/>
+                        </a:rPr>
+                        <a:t>기능</a:t>
+                      </a:r>
+                      <a:endParaRPr lang="ko-KR" altLang="en-US" sz="1200" b="1" dirty="0">
+                        <a:latin typeface="+mj-ea"/>
+                        <a:ea typeface="+mj-ea"/>
+                      </a:endParaRPr>
+                    </a:p>
+                  </a:txBody>
+                  <a:tcPr marL="121920" marR="121920" marT="60960" marB="60960" anchor="ctr">
+                    <a:solidFill>
+                      <a:srgbClr val="FF9E00"/>
+                    </a:solidFill>
+                  </a:tcPr>
+                </a:tc>
+              </a:tr>
+              <a:tr h="620107">
+                <a:tc>
+                  <a:txBody>
+                    <a:bodyPr/>
+                    <a:lstStyle/>
+                    <a:p>
+                      <a:pPr algn="ctr" latinLnBrk="1"/>
+                      <a:r>
+                        <a:rPr lang="en-US" altLang="ko-KR" sz="1300" dirty="0" smtClean="0">
+                          <a:latin typeface="+mj-ea"/>
+                          <a:ea typeface="+mj-ea"/>
+                        </a:rPr>
+                        <a:t>1</a:t>
+                      </a:r>
+                      <a:endParaRPr lang="ko-KR" altLang="en-US" sz="1300" dirty="0">
+                        <a:latin typeface="+mj-ea"/>
+                        <a:ea typeface="+mj-ea"/>
+                      </a:endParaRPr>
+                    </a:p>
+                  </a:txBody>
+                  <a:tcPr marL="121920" marR="121920" marT="60960" marB="60960" anchor="ctr"/>
+                </a:tc>
+                <a:tc>
+                  <a:txBody>
+                    <a:bodyPr/>
+                    <a:lstStyle/>
+                    <a:p>
+                      <a:pPr algn="l" latinLnBrk="1">
+                        <a:lnSpc>
+                          <a:spcPts val="1300"/>
+                        </a:lnSpc>
+                      </a:pPr>
+                      <a:r>
+                        <a:rPr lang="ko-KR" altLang="en-US" sz="1200" b="1" smtClean="0">
+                          <a:latin typeface="+mj-ea"/>
+                          <a:ea typeface="+mj-ea"/>
+                        </a:rPr>
+                        <a:t>카테고리</a:t>
+                      </a:r>
+                      <a:endParaRPr lang="en-US" altLang="ko-KR" sz="1200" b="1" smtClean="0">
+                        <a:latin typeface="+mj-ea"/>
+                        <a:ea typeface="+mj-ea"/>
+                      </a:endParaRPr>
+                    </a:p>
+                    <a:p>
+                      <a:pPr marL="171450" indent="-171450" algn="l" latinLnBrk="1">
+                        <a:lnSpc>
+                          <a:spcPts val="1300"/>
+                        </a:lnSpc>
+                        <a:buFontTx/>
+                        <a:buChar char="-"/>
+                      </a:pPr>
+                      <a:r>
+                        <a:rPr lang="ko-KR" altLang="en-US" sz="1200" b="1" smtClean="0">
+                          <a:latin typeface="+mj-ea"/>
+                          <a:ea typeface="+mj-ea"/>
+                        </a:rPr>
+                        <a:t>카테고리 별로</a:t>
+                      </a:r>
+                      <a:r>
+                        <a:rPr lang="ko-KR" altLang="en-US" sz="1200" b="1" baseline="0" smtClean="0">
+                          <a:latin typeface="+mj-ea"/>
+                          <a:ea typeface="+mj-ea"/>
+                        </a:rPr>
+                        <a:t> 상품 목록을 보여줌</a:t>
+                      </a:r>
+                      <a:endParaRPr lang="ko-KR" altLang="en-US" sz="1200" dirty="0">
+                        <a:latin typeface="+mj-ea"/>
+                        <a:ea typeface="+mj-ea"/>
+                      </a:endParaRPr>
+                    </a:p>
+                  </a:txBody>
+                  <a:tcPr marL="121920" marR="121920" marT="60960" marB="60960"/>
+                </a:tc>
+              </a:tr>
+              <a:tr h="620107">
+                <a:tc>
+                  <a:txBody>
+                    <a:bodyPr/>
+                    <a:lstStyle/>
+                    <a:p>
+                      <a:pPr algn="ctr" latinLnBrk="1"/>
+                      <a:r>
+                        <a:rPr lang="en-US" altLang="ko-KR" sz="1300" dirty="0" smtClean="0">
+                          <a:latin typeface="+mj-ea"/>
+                          <a:ea typeface="+mj-ea"/>
+                        </a:rPr>
+                        <a:t>2</a:t>
+                      </a:r>
+                      <a:endParaRPr lang="ko-KR" altLang="en-US" sz="1300" dirty="0">
+                        <a:latin typeface="+mj-ea"/>
+                        <a:ea typeface="+mj-ea"/>
+                      </a:endParaRPr>
+                    </a:p>
+                  </a:txBody>
+                  <a:tcPr marL="121920" marR="121920" marT="60960" marB="60960" anchor="ctr"/>
+                </a:tc>
+                <a:tc>
+                  <a:txBody>
+                    <a:bodyPr/>
+                    <a:lstStyle/>
+                    <a:p>
+                      <a:pPr algn="l" latinLnBrk="1">
+                        <a:lnSpc>
+                          <a:spcPts val="1300"/>
+                        </a:lnSpc>
+                      </a:pPr>
+                      <a:r>
+                        <a:rPr lang="ko-KR" altLang="en-US" sz="1200" b="0" i="0" u="none" strike="noStrike" cap="none" smtClean="0">
+                          <a:solidFill>
+                            <a:srgbClr val="000000"/>
+                          </a:solidFill>
+                          <a:latin typeface="+mj-ea"/>
+                          <a:ea typeface="Arial"/>
+                          <a:cs typeface="Arial"/>
+                          <a:sym typeface="Arial"/>
+                        </a:rPr>
+                        <a:t>검색</a:t>
+                      </a:r>
+                      <a:endParaRPr lang="en-US" altLang="ko-KR" sz="1200" b="0" i="0" u="none" strike="noStrike" cap="none" smtClean="0">
+                        <a:solidFill>
+                          <a:srgbClr val="000000"/>
+                        </a:solidFill>
+                        <a:latin typeface="+mj-ea"/>
+                        <a:ea typeface="Arial"/>
+                        <a:cs typeface="Arial"/>
+                        <a:sym typeface="Arial"/>
+                      </a:endParaRPr>
+                    </a:p>
+                    <a:p>
+                      <a:pPr algn="l" latinLnBrk="1">
+                        <a:lnSpc>
+                          <a:spcPts val="1300"/>
+                        </a:lnSpc>
+                      </a:pPr>
+                      <a:r>
+                        <a:rPr lang="ko-KR" altLang="en-US" sz="1200" b="0" i="0" u="none" strike="noStrike" cap="none" smtClean="0">
+                          <a:solidFill>
+                            <a:srgbClr val="000000"/>
+                          </a:solidFill>
+                          <a:latin typeface="+mj-ea"/>
+                          <a:ea typeface="Arial"/>
+                          <a:cs typeface="Arial"/>
+                          <a:sym typeface="Arial"/>
+                        </a:rPr>
+                        <a:t>해당 키워드</a:t>
+                      </a:r>
+                      <a:r>
+                        <a:rPr lang="ko-KR" altLang="en-US" sz="1200" b="0" i="0" u="none" strike="noStrike" cap="none" baseline="0" smtClean="0">
+                          <a:solidFill>
+                            <a:srgbClr val="000000"/>
+                          </a:solidFill>
+                          <a:latin typeface="+mj-ea"/>
+                          <a:ea typeface="Arial"/>
+                          <a:cs typeface="Arial"/>
+                          <a:sym typeface="Arial"/>
+                        </a:rPr>
+                        <a:t>를 검색할 수 있음</a:t>
+                      </a:r>
+                      <a:endParaRPr lang="ko-KR" altLang="en-US" sz="1200" b="0" i="0" u="none" strike="noStrike" cap="none" dirty="0" smtClean="0">
+                        <a:solidFill>
+                          <a:srgbClr val="000000"/>
+                        </a:solidFill>
+                        <a:latin typeface="+mj-ea"/>
+                        <a:ea typeface="Arial"/>
+                        <a:cs typeface="Arial"/>
+                        <a:sym typeface="Arial"/>
+                      </a:endParaRPr>
+                    </a:p>
+                  </a:txBody>
+                  <a:tcPr marL="121920" marR="121920" marT="60960" marB="60960"/>
+                </a:tc>
+              </a:tr>
+              <a:tr h="620107">
+                <a:tc>
+                  <a:txBody>
+                    <a:bodyPr/>
+                    <a:lstStyle/>
+                    <a:p>
+                      <a:pPr algn="ctr" latinLnBrk="1"/>
+                      <a:r>
+                        <a:rPr lang="en-US" altLang="ko-KR" sz="1300" smtClean="0">
+                          <a:latin typeface="+mj-ea"/>
+                          <a:ea typeface="+mj-ea"/>
+                        </a:rPr>
+                        <a:t>3</a:t>
+                      </a:r>
+                      <a:endParaRPr lang="ko-KR" altLang="en-US" sz="1300" dirty="0">
+                        <a:latin typeface="+mj-ea"/>
+                        <a:ea typeface="+mj-ea"/>
+                      </a:endParaRPr>
+                    </a:p>
+                  </a:txBody>
+                  <a:tcPr marL="121920" marR="121920" marT="60960" marB="60960" anchor="ctr"/>
+                </a:tc>
+                <a:tc>
+                  <a:txBody>
+                    <a:bodyPr/>
+                    <a:lstStyle/>
+                    <a:p>
+                      <a:pPr algn="l" latinLnBrk="1">
+                        <a:lnSpc>
+                          <a:spcPts val="1300"/>
+                        </a:lnSpc>
+                      </a:pPr>
+                      <a:r>
+                        <a:rPr lang="ko-KR" altLang="en-US" sz="1200" smtClean="0">
+                          <a:latin typeface="+mj-ea"/>
+                          <a:ea typeface="+mj-ea"/>
+                        </a:rPr>
+                        <a:t>해당 상품 클릭하면 </a:t>
+                      </a:r>
+                      <a:endParaRPr lang="en-US" altLang="ko-KR" sz="1200" smtClean="0">
+                        <a:latin typeface="+mj-ea"/>
+                        <a:ea typeface="+mj-ea"/>
+                      </a:endParaRPr>
+                    </a:p>
+                    <a:p>
+                      <a:pPr algn="l" latinLnBrk="1">
+                        <a:lnSpc>
+                          <a:spcPts val="1300"/>
+                        </a:lnSpc>
+                      </a:pPr>
+                      <a:r>
+                        <a:rPr lang="ko-KR" altLang="en-US" sz="1200" smtClean="0">
+                          <a:latin typeface="+mj-ea"/>
+                          <a:ea typeface="+mj-ea"/>
+                        </a:rPr>
+                        <a:t>상세 페이지로 이동</a:t>
+                      </a:r>
+                      <a:endParaRPr lang="ko-KR" altLang="en-US" sz="1200" dirty="0">
+                        <a:latin typeface="+mj-ea"/>
+                        <a:ea typeface="+mj-ea"/>
+                      </a:endParaRPr>
+                    </a:p>
+                  </a:txBody>
+                  <a:tcPr marL="121920" marR="121920" marT="60960" marB="60960"/>
+                </a:tc>
+              </a:tr>
+              <a:tr h="620107">
+                <a:tc>
+                  <a:txBody>
+                    <a:bodyPr/>
+                    <a:lstStyle/>
+                    <a:p>
+                      <a:pPr algn="ctr" latinLnBrk="1"/>
+                      <a:r>
+                        <a:rPr lang="en-US" altLang="ko-KR" sz="1300" dirty="0" smtClean="0">
+                          <a:latin typeface="+mj-ea"/>
+                          <a:ea typeface="+mj-ea"/>
+                        </a:rPr>
+                        <a:t>4</a:t>
+                      </a:r>
+                      <a:endParaRPr lang="ko-KR" altLang="en-US" sz="1300" dirty="0">
+                        <a:latin typeface="+mj-ea"/>
+                        <a:ea typeface="+mj-ea"/>
+                      </a:endParaRPr>
+                    </a:p>
+                  </a:txBody>
+                  <a:tcPr marL="121920" marR="121920" marT="60960" marB="60960" anchor="ctr"/>
+                </a:tc>
+                <a:tc>
+                  <a:txBody>
+                    <a:bodyPr/>
+                    <a:lstStyle/>
+                    <a:p>
+                      <a:pPr algn="l" latinLnBrk="1">
+                        <a:lnSpc>
+                          <a:spcPts val="1300"/>
+                        </a:lnSpc>
+                      </a:pPr>
+                      <a:endParaRPr lang="ko-KR" altLang="en-US" sz="1200" dirty="0">
+                        <a:latin typeface="+mj-ea"/>
+                        <a:ea typeface="+mj-ea"/>
+                      </a:endParaRPr>
+                    </a:p>
+                  </a:txBody>
+                  <a:tcPr marL="121920" marR="121920" marT="60960" marB="60960"/>
+                </a:tc>
+              </a:tr>
+              <a:tr h="620107">
+                <a:tc>
+                  <a:txBody>
+                    <a:bodyPr/>
+                    <a:lstStyle/>
+                    <a:p>
+                      <a:pPr algn="ctr" latinLnBrk="1"/>
+                      <a:r>
+                        <a:rPr lang="en-US" altLang="ko-KR" sz="1300" dirty="0" smtClean="0">
+                          <a:latin typeface="+mj-ea"/>
+                          <a:ea typeface="+mj-ea"/>
+                        </a:rPr>
+                        <a:t>5</a:t>
+                      </a:r>
+                      <a:endParaRPr lang="ko-KR" altLang="en-US" sz="1300" dirty="0">
+                        <a:latin typeface="+mj-ea"/>
+                        <a:ea typeface="+mj-ea"/>
+                      </a:endParaRPr>
+                    </a:p>
+                  </a:txBody>
+                  <a:tcPr marL="121920" marR="121920" marT="60960" marB="60960" anchor="ctr"/>
+                </a:tc>
+                <a:tc>
+                  <a:txBody>
+                    <a:bodyPr/>
+                    <a:lstStyle/>
+                    <a:p>
+                      <a:pPr algn="l" latinLnBrk="1">
+                        <a:lnSpc>
+                          <a:spcPts val="1300"/>
+                        </a:lnSpc>
+                      </a:pPr>
+                      <a:endParaRPr lang="ko-KR" altLang="en-US" sz="1200" dirty="0">
+                        <a:latin typeface="+mj-ea"/>
+                        <a:ea typeface="+mj-ea"/>
+                      </a:endParaRPr>
+                    </a:p>
+                  </a:txBody>
+                  <a:tcPr marL="121920" marR="121920" marT="60960" marB="60960"/>
+                </a:tc>
+              </a:tr>
+            </a:tbl>
+          </a:graphicData>
+        </a:graphic>
+      </p:graphicFrame>
+      <p:pic>
+        <p:nvPicPr>
+          <p:cNvPr id="13" name="그림 12"/>
+          <p:cNvPicPr>
+            <a:picLocks noChangeAspect="1"/>
+          </p:cNvPicPr>
+          <p:nvPr/>
+        </p:nvPicPr>
+        <p:blipFill>
+          <a:blip r:embed="rId2"/>
+          <a:stretch>
+            <a:fillRect/>
+          </a:stretch>
+        </p:blipFill>
+        <p:spPr>
+          <a:xfrm>
+            <a:off x="1168232" y="1564841"/>
+            <a:ext cx="7572114" cy="777183"/>
+          </a:xfrm>
+          <a:prstGeom prst="rect">
+            <a:avLst/>
+          </a:prstGeom>
+        </p:spPr>
+      </p:pic>
+      <p:pic>
+        <p:nvPicPr>
+          <p:cNvPr id="14" name="그림 13"/>
+          <p:cNvPicPr>
+            <a:picLocks noChangeAspect="1"/>
+          </p:cNvPicPr>
+          <p:nvPr/>
+        </p:nvPicPr>
+        <p:blipFill>
+          <a:blip r:embed="rId3"/>
+          <a:stretch>
+            <a:fillRect/>
+          </a:stretch>
+        </p:blipFill>
+        <p:spPr>
+          <a:xfrm>
+            <a:off x="1168231" y="2387600"/>
+            <a:ext cx="7423834" cy="619125"/>
+          </a:xfrm>
+          <a:prstGeom prst="rect">
+            <a:avLst/>
+          </a:prstGeom>
+        </p:spPr>
+      </p:pic>
+      <p:pic>
+        <p:nvPicPr>
+          <p:cNvPr id="3" name="그림 2"/>
+          <p:cNvPicPr>
+            <a:picLocks noChangeAspect="1"/>
+          </p:cNvPicPr>
+          <p:nvPr/>
+        </p:nvPicPr>
+        <p:blipFill>
+          <a:blip r:embed="rId4"/>
+          <a:stretch>
+            <a:fillRect/>
+          </a:stretch>
+        </p:blipFill>
+        <p:spPr>
+          <a:xfrm>
+            <a:off x="1168231" y="3052301"/>
+            <a:ext cx="7572115" cy="3127634"/>
+          </a:xfrm>
+          <a:prstGeom prst="rect">
+            <a:avLst/>
+          </a:prstGeom>
+        </p:spPr>
+      </p:pic>
+    </p:spTree>
+    <p:extLst>
+      <p:ext uri="{BB962C8B-B14F-4D97-AF65-F5344CB8AC3E}">
+        <p14:creationId xmlns:p14="http://schemas.microsoft.com/office/powerpoint/2010/main" val="2897224803"/>
+      </p:ext>
+    </p:extLst>
+  </p:cSld>
+  <p:clrMapOvr>
+    <a:masterClrMapping/>
+  </p:clrMapOvr>
+  <p:timing>
+    <p:tnLst>
+      <p:par>
+        <p:cTn id="1" dur="indefinite" restart="never" nodeType="tmRoot"/>
+      </p:par>
+    </p:tnLst>
+  </p:timing>
+</p:sld>
+</file>
+
+<file path=ppt/slides/slide3.xml><?xml version="1.0" encoding="utf-8"?>
+<p:sld xmlns:a="http://schemas.openxmlformats.org/drawingml/2006/main" xmlns:r="http://schemas.openxmlformats.org/officeDocument/2006/relationships" xmlns:p="http://schemas.openxmlformats.org/presentationml/2006/main">
+  <p:cSld>
+    <p:spTree>
+      <p:nvGrpSpPr>
+        <p:cNvPr id="1" name=""/>
+        <p:cNvGrpSpPr/>
+        <p:nvPr/>
+      </p:nvGrpSpPr>
+      <p:grpSpPr>
+        <a:xfrm>
+          <a:off x="0" y="0"/>
+          <a:ext cx="0" cy="0"/>
+          <a:chOff x="0" y="0"/>
+          <a:chExt cx="0" cy="0"/>
+        </a:xfrm>
+      </p:grpSpPr>
+      <p:sp>
+        <p:nvSpPr>
+          <p:cNvPr id="18" name="직사각형 17"/>
+          <p:cNvSpPr/>
+          <p:nvPr/>
+        </p:nvSpPr>
+        <p:spPr>
+          <a:xfrm rot="21409477">
+            <a:off x="832974" y="128931"/>
+            <a:ext cx="9282799" cy="6218171"/>
+          </a:xfrm>
+          <a:prstGeom prst="rect">
+            <a:avLst/>
+          </a:prstGeom>
+          <a:solidFill>
+            <a:schemeClr val="bg1">
+              <a:lumMod val="95000"/>
+            </a:schemeClr>
+          </a:solidFill>
+          <a:ln>
+            <a:noFill/>
+          </a:ln>
+        </p:spPr>
+        <p:style>
+          <a:lnRef idx="2">
+            <a:schemeClr val="accent1">
+              <a:shade val="50000"/>
+            </a:schemeClr>
+          </a:lnRef>
+          <a:fillRef idx="1">
+            <a:schemeClr val="accent1"/>
+          </a:fillRef>
+          <a:effectRef idx="0">
+            <a:schemeClr val="accent1"/>
+          </a:effectRef>
+          <a:fontRef idx="minor">
+            <a:schemeClr val="lt1"/>
+          </a:fontRef>
+        </p:style>
+        <p:txBody>
+          <a:bodyPr lIns="91440" tIns="45720" rIns="91440" bIns="45720" rtlCol="0" anchor="ctr"/>
+          <a:lstStyle/>
+          <a:p>
+            <a:pPr algn="ctr"/>
+            <a:endParaRPr lang="ko-KR" altLang="en-US" sz="2400"/>
+          </a:p>
+        </p:txBody>
+      </p:sp>
+      <p:sp>
+        <p:nvSpPr>
+          <p:cNvPr id="5" name="직사각형 4"/>
+          <p:cNvSpPr/>
+          <p:nvPr/>
+        </p:nvSpPr>
+        <p:spPr>
+          <a:xfrm>
+            <a:off x="526742" y="260649"/>
+            <a:ext cx="11425909" cy="6392929"/>
+          </a:xfrm>
+          <a:prstGeom prst="rect">
+            <a:avLst/>
+          </a:prstGeom>
+          <a:gradFill flip="none" rotWithShape="1">
+            <a:gsLst>
+              <a:gs pos="100000">
+                <a:schemeClr val="bg1">
+                  <a:shade val="67500"/>
+                  <a:satMod val="115000"/>
+                </a:schemeClr>
+              </a:gs>
+              <a:gs pos="64000">
+                <a:schemeClr val="bg1">
+                  <a:shade val="100000"/>
+                  <a:satMod val="115000"/>
+                </a:schemeClr>
+              </a:gs>
+            </a:gsLst>
+            <a:lin ang="10800000" scaled="1"/>
+            <a:tileRect/>
+          </a:gradFill>
+          <a:ln>
+            <a:noFill/>
+          </a:ln>
+          <a:effectLst>
+            <a:outerShdw blurRad="228600" dist="76200" dir="16200000" rotWithShape="0">
+              <a:prstClr val="black">
+                <a:alpha val="40000"/>
+              </a:prstClr>
+            </a:outerShdw>
+          </a:effectLst>
+        </p:spPr>
+        <p:style>
+          <a:lnRef idx="2">
+            <a:schemeClr val="accent1">
+              <a:shade val="50000"/>
+            </a:schemeClr>
+          </a:lnRef>
+          <a:fillRef idx="1">
+            <a:schemeClr val="accent1"/>
+          </a:fillRef>
+          <a:effectRef idx="0">
+            <a:schemeClr val="accent1"/>
+          </a:effectRef>
+          <a:fontRef idx="minor">
+            <a:schemeClr val="lt1"/>
+          </a:fontRef>
+        </p:style>
+        <p:txBody>
+          <a:bodyPr lIns="91440" tIns="45720" rIns="91440" bIns="45720" rtlCol="0" anchor="ctr"/>
+          <a:lstStyle/>
+          <a:p>
+            <a:pPr algn="ctr"/>
+            <a:endParaRPr lang="ko-KR" altLang="en-US" sz="2400"/>
+          </a:p>
+        </p:txBody>
+      </p:sp>
+      <p:grpSp>
+        <p:nvGrpSpPr>
+          <p:cNvPr id="2" name="그룹 1"/>
+          <p:cNvGrpSpPr/>
+          <p:nvPr/>
+        </p:nvGrpSpPr>
+        <p:grpSpPr>
+          <a:xfrm>
+            <a:off x="143104" y="68627"/>
+            <a:ext cx="768321" cy="6704028"/>
+            <a:chOff x="586490" y="739768"/>
+            <a:chExt cx="1017302" cy="5420168"/>
+          </a:xfrm>
+        </p:grpSpPr>
+        <p:sp>
+          <p:nvSpPr>
+            <p:cNvPr id="39" name="자유형 38"/>
+            <p:cNvSpPr/>
+            <p:nvPr/>
+          </p:nvSpPr>
+          <p:spPr>
+            <a:xfrm rot="10800000">
+              <a:off x="586490" y="1041378"/>
+              <a:ext cx="1017302" cy="4991063"/>
+            </a:xfrm>
+            <a:custGeom>
+              <a:avLst/>
+              <a:gdLst>
+                <a:gd name="connsiteX0" fmla="*/ 194310 w 388620"/>
+                <a:gd name="connsiteY0" fmla="*/ 0 h 2927235"/>
+                <a:gd name="connsiteX1" fmla="*/ 388620 w 388620"/>
+                <a:gd name="connsiteY1" fmla="*/ 194310 h 2927235"/>
+                <a:gd name="connsiteX2" fmla="*/ 388620 w 388620"/>
+                <a:gd name="connsiteY2" fmla="*/ 2927235 h 2927235"/>
+                <a:gd name="connsiteX3" fmla="*/ 379599 w 388620"/>
+                <a:gd name="connsiteY3" fmla="*/ 2898175 h 2927235"/>
+                <a:gd name="connsiteX4" fmla="*/ 194310 w 388620"/>
+                <a:gd name="connsiteY4" fmla="*/ 2775357 h 2927235"/>
+                <a:gd name="connsiteX5" fmla="*/ 9021 w 388620"/>
+                <a:gd name="connsiteY5" fmla="*/ 2898175 h 2927235"/>
+                <a:gd name="connsiteX6" fmla="*/ 0 w 388620"/>
+                <a:gd name="connsiteY6" fmla="*/ 2927235 h 2927235"/>
+                <a:gd name="connsiteX7" fmla="*/ 0 w 388620"/>
+                <a:gd name="connsiteY7" fmla="*/ 194310 h 2927235"/>
+                <a:gd name="connsiteX8" fmla="*/ 194310 w 388620"/>
+                <a:gd name="connsiteY8" fmla="*/ 0 h 2927235"/>
+              </a:gdLst>
+              <a:ahLst/>
+              <a:cxnLst>
+                <a:cxn ang="0">
+                  <a:pos x="connsiteX0" y="connsiteY0"/>
+                </a:cxn>
+                <a:cxn ang="0">
+                  <a:pos x="connsiteX1" y="connsiteY1"/>
+                </a:cxn>
+                <a:cxn ang="0">
+                  <a:pos x="connsiteX2" y="connsiteY2"/>
+                </a:cxn>
+                <a:cxn ang="0">
+                  <a:pos x="connsiteX3" y="connsiteY3"/>
+                </a:cxn>
+                <a:cxn ang="0">
+                  <a:pos x="connsiteX4" y="connsiteY4"/>
+                </a:cxn>
+                <a:cxn ang="0">
+                  <a:pos x="connsiteX5" y="connsiteY5"/>
+                </a:cxn>
+                <a:cxn ang="0">
+                  <a:pos x="connsiteX6" y="connsiteY6"/>
+                </a:cxn>
+                <a:cxn ang="0">
+                  <a:pos x="connsiteX7" y="connsiteY7"/>
+                </a:cxn>
+                <a:cxn ang="0">
+                  <a:pos x="connsiteX8" y="connsiteY8"/>
+                </a:cxn>
+              </a:cxnLst>
+              <a:rect l="l" t="t" r="r" b="b"/>
+              <a:pathLst>
+                <a:path w="388620" h="2927235">
+                  <a:moveTo>
+                    <a:pt x="194310" y="0"/>
+                  </a:moveTo>
+                  <a:cubicBezTo>
+                    <a:pt x="301624" y="0"/>
+                    <a:pt x="388620" y="86996"/>
+                    <a:pt x="388620" y="194310"/>
+                  </a:cubicBezTo>
+                  <a:lnTo>
+                    <a:pt x="388620" y="2927235"/>
+                  </a:lnTo>
+                  <a:lnTo>
+                    <a:pt x="379599" y="2898175"/>
+                  </a:lnTo>
+                  <a:cubicBezTo>
+                    <a:pt x="349072" y="2826000"/>
+                    <a:pt x="277605" y="2775357"/>
+                    <a:pt x="194310" y="2775357"/>
+                  </a:cubicBezTo>
+                  <a:cubicBezTo>
+                    <a:pt x="111015" y="2775357"/>
+                    <a:pt x="39548" y="2826000"/>
+                    <a:pt x="9021" y="2898175"/>
+                  </a:cubicBezTo>
+                  <a:lnTo>
+                    <a:pt x="0" y="2927235"/>
+                  </a:lnTo>
+                  <a:lnTo>
+                    <a:pt x="0" y="194310"/>
+                  </a:lnTo>
+                  <a:cubicBezTo>
+                    <a:pt x="0" y="86996"/>
+                    <a:pt x="86996" y="0"/>
+                    <a:pt x="194310" y="0"/>
+                  </a:cubicBezTo>
+                  <a:close/>
+                </a:path>
+              </a:pathLst>
+            </a:custGeom>
+            <a:gradFill flip="none" rotWithShape="1">
+              <a:gsLst>
+                <a:gs pos="0">
+                  <a:schemeClr val="bg1">
+                    <a:shade val="67500"/>
+                    <a:satMod val="115000"/>
+                  </a:schemeClr>
+                </a:gs>
+                <a:gs pos="100000">
+                  <a:schemeClr val="bg1">
+                    <a:shade val="100000"/>
+                    <a:satMod val="115000"/>
+                  </a:schemeClr>
+                </a:gs>
+              </a:gsLst>
+              <a:lin ang="10800000" scaled="1"/>
+              <a:tileRect/>
+            </a:gradFill>
+            <a:ln>
+              <a:noFill/>
+            </a:ln>
+            <a:effectLst>
+              <a:outerShdw blurRad="88900" dist="139700" dir="5400000" sx="98000" sy="98000" algn="t" rotWithShape="0">
+                <a:prstClr val="black">
+                  <a:alpha val="40000"/>
+                </a:prstClr>
+              </a:outerShdw>
+            </a:effectLst>
+          </p:spPr>
+          <p:style>
+            <a:lnRef idx="2">
+              <a:schemeClr val="accent1">
+                <a:shade val="50000"/>
+              </a:schemeClr>
+            </a:lnRef>
+            <a:fillRef idx="1">
+              <a:schemeClr val="accent1"/>
+            </a:fillRef>
+            <a:effectRef idx="0">
+              <a:schemeClr val="accent1"/>
+            </a:effectRef>
+            <a:fontRef idx="minor">
+              <a:schemeClr val="lt1"/>
+            </a:fontRef>
+          </p:style>
+          <p:txBody>
+            <a:bodyPr rtlCol="0" anchor="ctr"/>
+            <a:lstStyle/>
+            <a:p>
+              <a:pPr algn="ctr"/>
+              <a:endParaRPr lang="ko-KR" altLang="en-US" sz="2400"/>
+            </a:p>
+          </p:txBody>
+        </p:sp>
+        <p:sp>
+          <p:nvSpPr>
+            <p:cNvPr id="40" name="자유형 39"/>
+            <p:cNvSpPr/>
+            <p:nvPr/>
+          </p:nvSpPr>
+          <p:spPr>
+            <a:xfrm rot="10800000">
+              <a:off x="754421" y="2816677"/>
+              <a:ext cx="681439" cy="3343259"/>
+            </a:xfrm>
+            <a:custGeom>
+              <a:avLst/>
+              <a:gdLst>
+                <a:gd name="connsiteX0" fmla="*/ 194310 w 388620"/>
+                <a:gd name="connsiteY0" fmla="*/ 0 h 2927235"/>
+                <a:gd name="connsiteX1" fmla="*/ 388620 w 388620"/>
+                <a:gd name="connsiteY1" fmla="*/ 194310 h 2927235"/>
+                <a:gd name="connsiteX2" fmla="*/ 388620 w 388620"/>
+                <a:gd name="connsiteY2" fmla="*/ 2927235 h 2927235"/>
+                <a:gd name="connsiteX3" fmla="*/ 379599 w 388620"/>
+                <a:gd name="connsiteY3" fmla="*/ 2898175 h 2927235"/>
+                <a:gd name="connsiteX4" fmla="*/ 194310 w 388620"/>
+                <a:gd name="connsiteY4" fmla="*/ 2775357 h 2927235"/>
+                <a:gd name="connsiteX5" fmla="*/ 9021 w 388620"/>
+                <a:gd name="connsiteY5" fmla="*/ 2898175 h 2927235"/>
+                <a:gd name="connsiteX6" fmla="*/ 0 w 388620"/>
+                <a:gd name="connsiteY6" fmla="*/ 2927235 h 2927235"/>
+                <a:gd name="connsiteX7" fmla="*/ 0 w 388620"/>
+                <a:gd name="connsiteY7" fmla="*/ 194310 h 2927235"/>
+                <a:gd name="connsiteX8" fmla="*/ 194310 w 388620"/>
+                <a:gd name="connsiteY8" fmla="*/ 0 h 2927235"/>
+              </a:gdLst>
+              <a:ahLst/>
+              <a:cxnLst>
+                <a:cxn ang="0">
+                  <a:pos x="connsiteX0" y="connsiteY0"/>
+                </a:cxn>
+                <a:cxn ang="0">
+                  <a:pos x="connsiteX1" y="connsiteY1"/>
+                </a:cxn>
+                <a:cxn ang="0">
+                  <a:pos x="connsiteX2" y="connsiteY2"/>
+                </a:cxn>
+                <a:cxn ang="0">
+                  <a:pos x="connsiteX3" y="connsiteY3"/>
+                </a:cxn>
+                <a:cxn ang="0">
+                  <a:pos x="connsiteX4" y="connsiteY4"/>
+                </a:cxn>
+                <a:cxn ang="0">
+                  <a:pos x="connsiteX5" y="connsiteY5"/>
+                </a:cxn>
+                <a:cxn ang="0">
+                  <a:pos x="connsiteX6" y="connsiteY6"/>
+                </a:cxn>
+                <a:cxn ang="0">
+                  <a:pos x="connsiteX7" y="connsiteY7"/>
+                </a:cxn>
+                <a:cxn ang="0">
+                  <a:pos x="connsiteX8" y="connsiteY8"/>
+                </a:cxn>
+              </a:cxnLst>
+              <a:rect l="l" t="t" r="r" b="b"/>
+              <a:pathLst>
+                <a:path w="388620" h="2927235">
+                  <a:moveTo>
+                    <a:pt x="194310" y="0"/>
+                  </a:moveTo>
+                  <a:cubicBezTo>
+                    <a:pt x="301624" y="0"/>
+                    <a:pt x="388620" y="86996"/>
+                    <a:pt x="388620" y="194310"/>
+                  </a:cubicBezTo>
+                  <a:lnTo>
+                    <a:pt x="388620" y="2927235"/>
+                  </a:lnTo>
+                  <a:lnTo>
+                    <a:pt x="379599" y="2898175"/>
+                  </a:lnTo>
+                  <a:cubicBezTo>
+                    <a:pt x="349072" y="2826000"/>
+                    <a:pt x="277605" y="2775357"/>
+                    <a:pt x="194310" y="2775357"/>
+                  </a:cubicBezTo>
+                  <a:cubicBezTo>
+                    <a:pt x="111015" y="2775357"/>
+                    <a:pt x="39548" y="2826000"/>
+                    <a:pt x="9021" y="2898175"/>
+                  </a:cubicBezTo>
+                  <a:lnTo>
+                    <a:pt x="0" y="2927235"/>
+                  </a:lnTo>
+                  <a:lnTo>
+                    <a:pt x="0" y="194310"/>
+                  </a:lnTo>
+                  <a:cubicBezTo>
+                    <a:pt x="0" y="86996"/>
+                    <a:pt x="86996" y="0"/>
+                    <a:pt x="194310" y="0"/>
+                  </a:cubicBezTo>
+                  <a:close/>
+                </a:path>
+              </a:pathLst>
+            </a:custGeom>
+            <a:gradFill flip="none" rotWithShape="1">
+              <a:gsLst>
+                <a:gs pos="0">
+                  <a:schemeClr val="bg1">
+                    <a:shade val="67500"/>
+                    <a:satMod val="115000"/>
+                  </a:schemeClr>
+                </a:gs>
+                <a:gs pos="100000">
+                  <a:schemeClr val="bg1">
+                    <a:shade val="100000"/>
+                    <a:satMod val="115000"/>
+                  </a:schemeClr>
+                </a:gs>
+              </a:gsLst>
+              <a:lin ang="10800000" scaled="1"/>
+              <a:tileRect/>
+            </a:gradFill>
+            <a:ln>
+              <a:noFill/>
+            </a:ln>
+            <a:effectLst>
+              <a:outerShdw blurRad="88900" dist="139700" dir="5400000" sx="98000" sy="98000" algn="t" rotWithShape="0">
+                <a:prstClr val="black">
+                  <a:alpha val="40000"/>
+                </a:prstClr>
+              </a:outerShdw>
+            </a:effectLst>
+          </p:spPr>
+          <p:style>
+            <a:lnRef idx="2">
+              <a:schemeClr val="accent1">
+                <a:shade val="50000"/>
+              </a:schemeClr>
+            </a:lnRef>
+            <a:fillRef idx="1">
+              <a:schemeClr val="accent1"/>
+            </a:fillRef>
+            <a:effectRef idx="0">
+              <a:schemeClr val="accent1"/>
+            </a:effectRef>
+            <a:fontRef idx="minor">
+              <a:schemeClr val="lt1"/>
+            </a:fontRef>
+          </p:style>
+          <p:txBody>
+            <a:bodyPr rtlCol="0" anchor="ctr"/>
+            <a:lstStyle/>
+            <a:p>
+              <a:pPr algn="ctr"/>
+              <a:endParaRPr lang="ko-KR" altLang="en-US" sz="2400"/>
+            </a:p>
+          </p:txBody>
+        </p:sp>
+        <p:sp>
+          <p:nvSpPr>
+            <p:cNvPr id="41" name="자유형 40"/>
+            <p:cNvSpPr/>
+            <p:nvPr/>
+          </p:nvSpPr>
+          <p:spPr>
+            <a:xfrm>
+              <a:off x="754421" y="2614644"/>
+              <a:ext cx="681439" cy="3343259"/>
+            </a:xfrm>
+            <a:custGeom>
+              <a:avLst/>
+              <a:gdLst>
+                <a:gd name="connsiteX0" fmla="*/ 194310 w 388620"/>
+                <a:gd name="connsiteY0" fmla="*/ 0 h 2927235"/>
+                <a:gd name="connsiteX1" fmla="*/ 388620 w 388620"/>
+                <a:gd name="connsiteY1" fmla="*/ 194310 h 2927235"/>
+                <a:gd name="connsiteX2" fmla="*/ 388620 w 388620"/>
+                <a:gd name="connsiteY2" fmla="*/ 2927235 h 2927235"/>
+                <a:gd name="connsiteX3" fmla="*/ 379599 w 388620"/>
+                <a:gd name="connsiteY3" fmla="*/ 2898175 h 2927235"/>
+                <a:gd name="connsiteX4" fmla="*/ 194310 w 388620"/>
+                <a:gd name="connsiteY4" fmla="*/ 2775357 h 2927235"/>
+                <a:gd name="connsiteX5" fmla="*/ 9021 w 388620"/>
+                <a:gd name="connsiteY5" fmla="*/ 2898175 h 2927235"/>
+                <a:gd name="connsiteX6" fmla="*/ 0 w 388620"/>
+                <a:gd name="connsiteY6" fmla="*/ 2927235 h 2927235"/>
+                <a:gd name="connsiteX7" fmla="*/ 0 w 388620"/>
+                <a:gd name="connsiteY7" fmla="*/ 194310 h 2927235"/>
+                <a:gd name="connsiteX8" fmla="*/ 194310 w 388620"/>
+                <a:gd name="connsiteY8" fmla="*/ 0 h 2927235"/>
+              </a:gdLst>
+              <a:ahLst/>
+              <a:cxnLst>
+                <a:cxn ang="0">
+                  <a:pos x="connsiteX0" y="connsiteY0"/>
+                </a:cxn>
+                <a:cxn ang="0">
+                  <a:pos x="connsiteX1" y="connsiteY1"/>
+                </a:cxn>
+                <a:cxn ang="0">
+                  <a:pos x="connsiteX2" y="connsiteY2"/>
+                </a:cxn>
+                <a:cxn ang="0">
+                  <a:pos x="connsiteX3" y="connsiteY3"/>
+                </a:cxn>
+                <a:cxn ang="0">
+                  <a:pos x="connsiteX4" y="connsiteY4"/>
+                </a:cxn>
+                <a:cxn ang="0">
+                  <a:pos x="connsiteX5" y="connsiteY5"/>
+                </a:cxn>
+                <a:cxn ang="0">
+                  <a:pos x="connsiteX6" y="connsiteY6"/>
+                </a:cxn>
+                <a:cxn ang="0">
+                  <a:pos x="connsiteX7" y="connsiteY7"/>
+                </a:cxn>
+                <a:cxn ang="0">
+                  <a:pos x="connsiteX8" y="connsiteY8"/>
+                </a:cxn>
+              </a:cxnLst>
+              <a:rect l="l" t="t" r="r" b="b"/>
+              <a:pathLst>
+                <a:path w="388620" h="2927235">
+                  <a:moveTo>
+                    <a:pt x="194310" y="0"/>
+                  </a:moveTo>
+                  <a:cubicBezTo>
+                    <a:pt x="301624" y="0"/>
+                    <a:pt x="388620" y="86996"/>
+                    <a:pt x="388620" y="194310"/>
+                  </a:cubicBezTo>
+                  <a:lnTo>
+                    <a:pt x="388620" y="2927235"/>
+                  </a:lnTo>
+                  <a:lnTo>
+                    <a:pt x="379599" y="2898175"/>
+                  </a:lnTo>
+                  <a:cubicBezTo>
+                    <a:pt x="349072" y="2826000"/>
+                    <a:pt x="277605" y="2775357"/>
+                    <a:pt x="194310" y="2775357"/>
+                  </a:cubicBezTo>
+                  <a:cubicBezTo>
+                    <a:pt x="111015" y="2775357"/>
+                    <a:pt x="39548" y="2826000"/>
+                    <a:pt x="9021" y="2898175"/>
+                  </a:cubicBezTo>
+                  <a:lnTo>
+                    <a:pt x="0" y="2927235"/>
+                  </a:lnTo>
+                  <a:lnTo>
+                    <a:pt x="0" y="194310"/>
+                  </a:lnTo>
+                  <a:cubicBezTo>
+                    <a:pt x="0" y="86996"/>
+                    <a:pt x="86996" y="0"/>
+                    <a:pt x="194310" y="0"/>
+                  </a:cubicBezTo>
+                  <a:close/>
+                </a:path>
+              </a:pathLst>
+            </a:custGeom>
+            <a:gradFill flip="none" rotWithShape="1">
+              <a:gsLst>
+                <a:gs pos="0">
+                  <a:schemeClr val="bg1">
+                    <a:shade val="67500"/>
+                    <a:satMod val="115000"/>
+                  </a:schemeClr>
+                </a:gs>
+                <a:gs pos="100000">
+                  <a:schemeClr val="bg1">
+                    <a:shade val="100000"/>
+                    <a:satMod val="115000"/>
+                  </a:schemeClr>
+                </a:gs>
+              </a:gsLst>
+              <a:lin ang="10800000" scaled="1"/>
+              <a:tileRect/>
+            </a:gradFill>
+            <a:ln>
+              <a:noFill/>
+            </a:ln>
+            <a:effectLst>
+              <a:outerShdw blurRad="88900" dist="139700" dir="5400000" sx="98000" sy="98000" algn="t" rotWithShape="0">
+                <a:prstClr val="black">
+                  <a:alpha val="40000"/>
+                </a:prstClr>
+              </a:outerShdw>
+            </a:effectLst>
+          </p:spPr>
+          <p:style>
+            <a:lnRef idx="2">
+              <a:schemeClr val="accent1">
+                <a:shade val="50000"/>
+              </a:schemeClr>
+            </a:lnRef>
+            <a:fillRef idx="1">
+              <a:schemeClr val="accent1"/>
+            </a:fillRef>
+            <a:effectRef idx="0">
+              <a:schemeClr val="accent1"/>
+            </a:effectRef>
+            <a:fontRef idx="minor">
+              <a:schemeClr val="lt1"/>
+            </a:fontRef>
+          </p:style>
+          <p:txBody>
+            <a:bodyPr rtlCol="0" anchor="ctr"/>
+            <a:lstStyle/>
+            <a:p>
+              <a:pPr algn="ctr"/>
+              <a:endParaRPr lang="ko-KR" altLang="en-US" sz="2400"/>
+            </a:p>
+          </p:txBody>
+        </p:sp>
+        <p:sp>
+          <p:nvSpPr>
+            <p:cNvPr id="42" name="자유형 41"/>
+            <p:cNvSpPr/>
+            <p:nvPr/>
+          </p:nvSpPr>
+          <p:spPr>
+            <a:xfrm>
+              <a:off x="586490" y="739768"/>
+              <a:ext cx="1017302" cy="4991063"/>
+            </a:xfrm>
+            <a:custGeom>
+              <a:avLst/>
+              <a:gdLst>
+                <a:gd name="connsiteX0" fmla="*/ 194310 w 388620"/>
+                <a:gd name="connsiteY0" fmla="*/ 0 h 2927235"/>
+                <a:gd name="connsiteX1" fmla="*/ 388620 w 388620"/>
+                <a:gd name="connsiteY1" fmla="*/ 194310 h 2927235"/>
+                <a:gd name="connsiteX2" fmla="*/ 388620 w 388620"/>
+                <a:gd name="connsiteY2" fmla="*/ 2927235 h 2927235"/>
+                <a:gd name="connsiteX3" fmla="*/ 379599 w 388620"/>
+                <a:gd name="connsiteY3" fmla="*/ 2898175 h 2927235"/>
+                <a:gd name="connsiteX4" fmla="*/ 194310 w 388620"/>
+                <a:gd name="connsiteY4" fmla="*/ 2775357 h 2927235"/>
+                <a:gd name="connsiteX5" fmla="*/ 9021 w 388620"/>
+                <a:gd name="connsiteY5" fmla="*/ 2898175 h 2927235"/>
+                <a:gd name="connsiteX6" fmla="*/ 0 w 388620"/>
+                <a:gd name="connsiteY6" fmla="*/ 2927235 h 2927235"/>
+                <a:gd name="connsiteX7" fmla="*/ 0 w 388620"/>
+                <a:gd name="connsiteY7" fmla="*/ 194310 h 2927235"/>
+                <a:gd name="connsiteX8" fmla="*/ 194310 w 388620"/>
+                <a:gd name="connsiteY8" fmla="*/ 0 h 2927235"/>
+              </a:gdLst>
+              <a:ahLst/>
+              <a:cxnLst>
+                <a:cxn ang="0">
+                  <a:pos x="connsiteX0" y="connsiteY0"/>
+                </a:cxn>
+                <a:cxn ang="0">
+                  <a:pos x="connsiteX1" y="connsiteY1"/>
+                </a:cxn>
+                <a:cxn ang="0">
+                  <a:pos x="connsiteX2" y="connsiteY2"/>
+                </a:cxn>
+                <a:cxn ang="0">
+                  <a:pos x="connsiteX3" y="connsiteY3"/>
+                </a:cxn>
+                <a:cxn ang="0">
+                  <a:pos x="connsiteX4" y="connsiteY4"/>
+                </a:cxn>
+                <a:cxn ang="0">
+                  <a:pos x="connsiteX5" y="connsiteY5"/>
+                </a:cxn>
+                <a:cxn ang="0">
+                  <a:pos x="connsiteX6" y="connsiteY6"/>
+                </a:cxn>
+                <a:cxn ang="0">
+                  <a:pos x="connsiteX7" y="connsiteY7"/>
+                </a:cxn>
+                <a:cxn ang="0">
+                  <a:pos x="connsiteX8" y="connsiteY8"/>
+                </a:cxn>
+              </a:cxnLst>
+              <a:rect l="l" t="t" r="r" b="b"/>
+              <a:pathLst>
+                <a:path w="388620" h="2927235">
+                  <a:moveTo>
+                    <a:pt x="194310" y="0"/>
+                  </a:moveTo>
+                  <a:cubicBezTo>
+                    <a:pt x="301624" y="0"/>
+                    <a:pt x="388620" y="86996"/>
+                    <a:pt x="388620" y="194310"/>
+                  </a:cubicBezTo>
+                  <a:lnTo>
+                    <a:pt x="388620" y="2927235"/>
+                  </a:lnTo>
+                  <a:lnTo>
+                    <a:pt x="379599" y="2898175"/>
+                  </a:lnTo>
+                  <a:cubicBezTo>
+                    <a:pt x="349072" y="2826000"/>
+                    <a:pt x="277605" y="2775357"/>
+                    <a:pt x="194310" y="2775357"/>
+                  </a:cubicBezTo>
+                  <a:cubicBezTo>
+                    <a:pt x="111015" y="2775357"/>
+                    <a:pt x="39548" y="2826000"/>
+                    <a:pt x="9021" y="2898175"/>
+                  </a:cubicBezTo>
+                  <a:lnTo>
+                    <a:pt x="0" y="2927235"/>
+                  </a:lnTo>
+                  <a:lnTo>
+                    <a:pt x="0" y="194310"/>
+                  </a:lnTo>
+                  <a:cubicBezTo>
+                    <a:pt x="0" y="86996"/>
+                    <a:pt x="86996" y="0"/>
+                    <a:pt x="194310" y="0"/>
+                  </a:cubicBezTo>
+                  <a:close/>
+                </a:path>
+              </a:pathLst>
+            </a:custGeom>
+            <a:gradFill flip="none" rotWithShape="1">
+              <a:gsLst>
+                <a:gs pos="0">
+                  <a:schemeClr val="bg1">
+                    <a:shade val="67500"/>
+                    <a:satMod val="115000"/>
+                  </a:schemeClr>
+                </a:gs>
+                <a:gs pos="100000">
+                  <a:schemeClr val="bg1">
+                    <a:shade val="100000"/>
+                    <a:satMod val="115000"/>
+                  </a:schemeClr>
+                </a:gs>
+              </a:gsLst>
+              <a:lin ang="10800000" scaled="1"/>
+              <a:tileRect/>
+            </a:gradFill>
+            <a:ln>
+              <a:noFill/>
+            </a:ln>
+            <a:effectLst>
+              <a:outerShdw blurRad="88900" dist="139700" dir="5400000" sx="98000" sy="98000" algn="t" rotWithShape="0">
+                <a:prstClr val="black">
+                  <a:alpha val="40000"/>
+                </a:prstClr>
+              </a:outerShdw>
+            </a:effectLst>
+          </p:spPr>
+          <p:style>
+            <a:lnRef idx="2">
+              <a:schemeClr val="accent1">
+                <a:shade val="50000"/>
+              </a:schemeClr>
+            </a:lnRef>
+            <a:fillRef idx="1">
+              <a:schemeClr val="accent1"/>
+            </a:fillRef>
+            <a:effectRef idx="0">
+              <a:schemeClr val="accent1"/>
+            </a:effectRef>
+            <a:fontRef idx="minor">
+              <a:schemeClr val="lt1"/>
+            </a:fontRef>
+          </p:style>
+          <p:txBody>
+            <a:bodyPr rtlCol="0" anchor="ctr"/>
+            <a:lstStyle/>
+            <a:p>
+              <a:pPr algn="ctr"/>
+              <a:endParaRPr lang="ko-KR" altLang="en-US" sz="2400"/>
+            </a:p>
+          </p:txBody>
+        </p:sp>
+      </p:grpSp>
+      <p:sp>
+        <p:nvSpPr>
+          <p:cNvPr id="43" name="직사각형 42"/>
+          <p:cNvSpPr/>
+          <p:nvPr/>
+        </p:nvSpPr>
+        <p:spPr>
+          <a:xfrm>
+            <a:off x="1121067" y="522708"/>
+            <a:ext cx="8789911" cy="646331"/>
+          </a:xfrm>
+          <a:prstGeom prst="rect">
+            <a:avLst/>
+          </a:prstGeom>
+        </p:spPr>
+        <p:txBody>
+          <a:bodyPr wrap="square" lIns="91440" tIns="45720" rIns="91440" bIns="45720">
+            <a:spAutoFit/>
+          </a:bodyPr>
+          <a:lstStyle/>
+          <a:p>
+            <a:pPr>
+              <a:lnSpc>
+                <a:spcPct val="150000"/>
+              </a:lnSpc>
+            </a:pPr>
+            <a:r>
+              <a:rPr lang="en-US" altLang="ko-KR" sz="2400" b="1" dirty="0">
+                <a:solidFill>
+                  <a:schemeClr val="tx1">
+                    <a:lumMod val="75000"/>
+                    <a:lumOff val="25000"/>
+                  </a:schemeClr>
+                </a:solidFill>
+                <a:latin typeface="+mj-ea"/>
+                <a:ea typeface="+mj-ea"/>
+              </a:rPr>
+              <a:t>[ </a:t>
+            </a:r>
+            <a:r>
+              <a:rPr lang="ko-KR" altLang="en-US" sz="2400" b="1" dirty="0">
+                <a:solidFill>
+                  <a:schemeClr val="tx1">
+                    <a:lumMod val="75000"/>
+                    <a:lumOff val="25000"/>
+                  </a:schemeClr>
+                </a:solidFill>
+                <a:latin typeface="+mj-ea"/>
+                <a:ea typeface="+mj-ea"/>
+              </a:rPr>
+              <a:t>화면설계 </a:t>
+            </a:r>
+            <a:r>
+              <a:rPr lang="en-US" altLang="ko-KR" sz="2400" b="1" dirty="0">
+                <a:solidFill>
+                  <a:schemeClr val="tx1">
+                    <a:lumMod val="75000"/>
+                    <a:lumOff val="25000"/>
+                  </a:schemeClr>
+                </a:solidFill>
+                <a:latin typeface="+mj-ea"/>
+                <a:ea typeface="+mj-ea"/>
+              </a:rPr>
+              <a:t>] </a:t>
+            </a:r>
+            <a:r>
+              <a:rPr lang="ko-KR" altLang="en-US" sz="2400" b="1" dirty="0">
+                <a:solidFill>
+                  <a:schemeClr val="tx1">
+                    <a:lumMod val="75000"/>
+                    <a:lumOff val="25000"/>
+                  </a:schemeClr>
+                </a:solidFill>
+                <a:latin typeface="+mj-ea"/>
+                <a:ea typeface="+mj-ea"/>
+              </a:rPr>
+              <a:t>사용자 </a:t>
+            </a:r>
+            <a:r>
+              <a:rPr lang="en-US" altLang="ko-KR" sz="2400" b="1" dirty="0">
+                <a:solidFill>
+                  <a:schemeClr val="tx1">
+                    <a:lumMod val="75000"/>
+                    <a:lumOff val="25000"/>
+                  </a:schemeClr>
+                </a:solidFill>
+                <a:latin typeface="+mj-ea"/>
+                <a:ea typeface="+mj-ea"/>
+              </a:rPr>
+              <a:t>- </a:t>
+            </a:r>
+            <a:r>
+              <a:rPr lang="ko-KR" altLang="en-US" sz="2400" b="1">
+                <a:solidFill>
+                  <a:schemeClr val="tx1">
+                    <a:lumMod val="75000"/>
+                    <a:lumOff val="25000"/>
+                  </a:schemeClr>
+                </a:solidFill>
+                <a:latin typeface="+mj-ea"/>
+                <a:ea typeface="+mj-ea"/>
+              </a:rPr>
+              <a:t>웹 </a:t>
+            </a:r>
+            <a:r>
+              <a:rPr lang="en-US" altLang="ko-KR" sz="2400" b="1" smtClean="0">
+                <a:solidFill>
+                  <a:schemeClr val="tx1">
+                    <a:lumMod val="75000"/>
+                    <a:lumOff val="25000"/>
+                  </a:schemeClr>
+                </a:solidFill>
+                <a:latin typeface="+mj-ea"/>
+                <a:ea typeface="+mj-ea"/>
+              </a:rPr>
+              <a:t>– </a:t>
+            </a:r>
+            <a:r>
+              <a:rPr lang="ko-KR" altLang="en-US" sz="2400" b="1" smtClean="0">
+                <a:solidFill>
+                  <a:schemeClr val="tx1">
+                    <a:lumMod val="75000"/>
+                    <a:lumOff val="25000"/>
+                  </a:schemeClr>
+                </a:solidFill>
+                <a:latin typeface="+mj-ea"/>
+                <a:ea typeface="+mj-ea"/>
+              </a:rPr>
+              <a:t>리워드 스토어 </a:t>
+            </a:r>
+            <a:r>
+              <a:rPr lang="en-US" altLang="ko-KR" sz="2400" b="1" smtClean="0">
+                <a:solidFill>
+                  <a:schemeClr val="tx1">
+                    <a:lumMod val="75000"/>
+                    <a:lumOff val="25000"/>
+                  </a:schemeClr>
+                </a:solidFill>
+                <a:latin typeface="+mj-ea"/>
+                <a:ea typeface="+mj-ea"/>
+              </a:rPr>
+              <a:t>- </a:t>
+            </a:r>
+            <a:r>
+              <a:rPr lang="ko-KR" altLang="en-US" sz="2400" b="1" smtClean="0">
+                <a:solidFill>
+                  <a:schemeClr val="tx1">
+                    <a:lumMod val="75000"/>
+                    <a:lumOff val="25000"/>
+                  </a:schemeClr>
+                </a:solidFill>
+                <a:latin typeface="+mj-ea"/>
+                <a:ea typeface="+mj-ea"/>
+              </a:rPr>
+              <a:t>상품 상세페이지</a:t>
+            </a:r>
+            <a:endParaRPr lang="ko-KR" altLang="en-US" sz="2400" b="1" dirty="0">
+              <a:solidFill>
+                <a:schemeClr val="tx1">
+                  <a:lumMod val="75000"/>
+                  <a:lumOff val="25000"/>
+                </a:schemeClr>
+              </a:solidFill>
+              <a:latin typeface="+mj-ea"/>
+              <a:ea typeface="+mj-ea"/>
+            </a:endParaRPr>
+          </a:p>
+        </p:txBody>
+      </p:sp>
+      <p:graphicFrame>
+        <p:nvGraphicFramePr>
+          <p:cNvPr id="4" name="표 3"/>
+          <p:cNvGraphicFramePr>
+            <a:graphicFrameLocks noGrp="1"/>
+          </p:cNvGraphicFramePr>
+          <p:nvPr>
+            <p:extLst/>
+          </p:nvPr>
+        </p:nvGraphicFramePr>
+        <p:xfrm>
+          <a:off x="9168341" y="1433634"/>
+          <a:ext cx="2688299" cy="915066"/>
+        </p:xfrm>
+        <a:graphic>
+          <a:graphicData uri="http://schemas.openxmlformats.org/drawingml/2006/table">
+            <a:tbl>
+              <a:tblPr firstRow="1" bandRow="1"/>
+              <a:tblGrid>
+                <a:gridCol w="2688299"/>
+              </a:tblGrid>
+              <a:tr h="424495">
+                <a:tc>
+                  <a:txBody>
+                    <a:bodyPr/>
+                    <a:lstStyle/>
+                    <a:p>
+                      <a:pPr algn="ctr" latinLnBrk="1"/>
+                      <a:r>
+                        <a:rPr lang="ko-KR" altLang="en-US" sz="1200" b="1" dirty="0" smtClean="0">
+                          <a:solidFill>
+                            <a:schemeClr val="tx1"/>
+                          </a:solidFill>
+                          <a:latin typeface="+mj-ea"/>
+                          <a:ea typeface="+mj-ea"/>
+                        </a:rPr>
+                        <a:t>화면코드</a:t>
+                      </a:r>
+                      <a:endParaRPr lang="ko-KR" altLang="en-US" sz="1200" b="1" dirty="0">
+                        <a:solidFill>
+                          <a:schemeClr val="tx1"/>
+                        </a:solidFill>
+                        <a:latin typeface="+mj-ea"/>
+                        <a:ea typeface="+mj-ea"/>
+                      </a:endParaRPr>
+                    </a:p>
+                  </a:txBody>
+                  <a:tcPr marL="121920" marR="121920" marT="60960" marB="60960" anchor="ctr">
+                    <a:solidFill>
+                      <a:srgbClr val="FF9E00"/>
+                    </a:solidFill>
+                  </a:tcPr>
+                </a:tc>
+              </a:tr>
+              <a:tr h="490571">
+                <a:tc>
+                  <a:txBody>
+                    <a:bodyPr/>
+                    <a:lstStyle/>
+                    <a:p>
+                      <a:pPr algn="ctr" latinLnBrk="1"/>
+                      <a:r>
+                        <a:rPr lang="en-US" altLang="ko-KR" sz="1500" smtClean="0">
+                          <a:latin typeface="+mj-ea"/>
+                          <a:ea typeface="+mj-ea"/>
+                        </a:rPr>
+                        <a:t>Kb_w_user_StoreDetail</a:t>
+                      </a:r>
+                      <a:endParaRPr lang="ko-KR" altLang="en-US" sz="1500" dirty="0">
+                        <a:latin typeface="+mj-ea"/>
+                        <a:ea typeface="+mj-ea"/>
+                      </a:endParaRPr>
+                    </a:p>
+                  </a:txBody>
+                  <a:tcPr marL="121920" marR="121920" marT="60960" marB="60960" anchor="ctr"/>
+                </a:tc>
+              </a:tr>
+            </a:tbl>
+          </a:graphicData>
+        </a:graphic>
+      </p:graphicFrame>
+      <p:sp>
+        <p:nvSpPr>
+          <p:cNvPr id="19" name="직사각형 18"/>
+          <p:cNvSpPr/>
+          <p:nvPr/>
+        </p:nvSpPr>
+        <p:spPr>
+          <a:xfrm>
+            <a:off x="1081171" y="1433634"/>
+            <a:ext cx="7895148" cy="4875687"/>
+          </a:xfrm>
+          <a:prstGeom prst="rect">
+            <a:avLst/>
+          </a:prstGeom>
+          <a:noFill/>
+          <a:ln w="9525">
+            <a:solidFill>
+              <a:schemeClr val="tx1"/>
+            </a:solidFill>
+          </a:ln>
+        </p:spPr>
+        <p:style>
+          <a:lnRef idx="2">
+            <a:schemeClr val="accent1">
+              <a:shade val="50000"/>
+            </a:schemeClr>
+          </a:lnRef>
+          <a:fillRef idx="1">
+            <a:schemeClr val="accent1"/>
+          </a:fillRef>
+          <a:effectRef idx="0">
+            <a:schemeClr val="accent1"/>
+          </a:effectRef>
+          <a:fontRef idx="minor">
+            <a:schemeClr val="lt1"/>
+          </a:fontRef>
+        </p:style>
+        <p:txBody>
+          <a:bodyPr rtlCol="0" anchor="ctr"/>
+          <a:lstStyle/>
+          <a:p>
+            <a:pPr algn="ctr"/>
+            <a:endParaRPr lang="ko-KR" altLang="en-US" sz="2400">
+              <a:noFill/>
+            </a:endParaRPr>
+          </a:p>
+        </p:txBody>
+      </p:sp>
+      <p:graphicFrame>
+        <p:nvGraphicFramePr>
+          <p:cNvPr id="6" name="표 5"/>
+          <p:cNvGraphicFramePr>
+            <a:graphicFrameLocks noGrp="1"/>
+          </p:cNvGraphicFramePr>
+          <p:nvPr>
+            <p:extLst/>
+          </p:nvPr>
+        </p:nvGraphicFramePr>
+        <p:xfrm>
+          <a:off x="9168341" y="2479152"/>
+          <a:ext cx="2688299" cy="3570331"/>
+        </p:xfrm>
+        <a:graphic>
+          <a:graphicData uri="http://schemas.openxmlformats.org/drawingml/2006/table">
+            <a:tbl>
+              <a:tblPr firstRow="1" bandRow="1"/>
+              <a:tblGrid>
+                <a:gridCol w="280507"/>
+                <a:gridCol w="2407792"/>
+              </a:tblGrid>
+              <a:tr h="469796">
+                <a:tc>
+                  <a:txBody>
+                    <a:bodyPr/>
+                    <a:lstStyle/>
+                    <a:p>
+                      <a:pPr algn="ctr" latinLnBrk="1"/>
+                      <a:r>
+                        <a:rPr lang="en-US" altLang="ko-KR" sz="1200" b="1" dirty="0" smtClean="0">
+                          <a:latin typeface="+mj-ea"/>
+                          <a:ea typeface="+mj-ea"/>
+                        </a:rPr>
+                        <a:t>#</a:t>
+                      </a:r>
+                      <a:endParaRPr lang="ko-KR" altLang="en-US" sz="1200" b="1" dirty="0">
+                        <a:latin typeface="+mj-ea"/>
+                        <a:ea typeface="+mj-ea"/>
+                      </a:endParaRPr>
+                    </a:p>
+                  </a:txBody>
+                  <a:tcPr marL="121920" marR="121920" marT="60960" marB="60960" anchor="ctr">
+                    <a:solidFill>
+                      <a:srgbClr val="FF9E00"/>
+                    </a:solidFill>
+                  </a:tcPr>
+                </a:tc>
+                <a:tc>
+                  <a:txBody>
+                    <a:bodyPr/>
+                    <a:lstStyle/>
+                    <a:p>
+                      <a:pPr algn="ctr" latinLnBrk="1"/>
+                      <a:r>
+                        <a:rPr lang="ko-KR" altLang="en-US" sz="1200" b="1" dirty="0" smtClean="0">
+                          <a:latin typeface="+mj-ea"/>
+                          <a:ea typeface="+mj-ea"/>
+                        </a:rPr>
+                        <a:t>기능</a:t>
+                      </a:r>
+                      <a:endParaRPr lang="ko-KR" altLang="en-US" sz="1200" b="1" dirty="0">
+                        <a:latin typeface="+mj-ea"/>
+                        <a:ea typeface="+mj-ea"/>
+                      </a:endParaRPr>
+                    </a:p>
+                  </a:txBody>
+                  <a:tcPr marL="121920" marR="121920" marT="60960" marB="60960" anchor="ctr">
+                    <a:solidFill>
+                      <a:srgbClr val="FF9E00"/>
+                    </a:solidFill>
+                  </a:tcPr>
+                </a:tc>
+              </a:tr>
+              <a:tr h="620107">
+                <a:tc>
+                  <a:txBody>
+                    <a:bodyPr/>
+                    <a:lstStyle/>
+                    <a:p>
+                      <a:pPr algn="ctr" latinLnBrk="1"/>
+                      <a:r>
+                        <a:rPr lang="en-US" altLang="ko-KR" sz="1300" dirty="0" smtClean="0">
+                          <a:latin typeface="+mj-ea"/>
+                          <a:ea typeface="+mj-ea"/>
+                        </a:rPr>
+                        <a:t>1</a:t>
+                      </a:r>
+                      <a:endParaRPr lang="ko-KR" altLang="en-US" sz="1300" dirty="0">
+                        <a:latin typeface="+mj-ea"/>
+                        <a:ea typeface="+mj-ea"/>
+                      </a:endParaRPr>
+                    </a:p>
+                  </a:txBody>
+                  <a:tcPr marL="121920" marR="121920" marT="60960" marB="60960" anchor="ctr"/>
+                </a:tc>
+                <a:tc>
+                  <a:txBody>
+                    <a:bodyPr/>
+                    <a:lstStyle/>
+                    <a:p>
+                      <a:pPr algn="l" latinLnBrk="1">
+                        <a:lnSpc>
+                          <a:spcPts val="1300"/>
+                        </a:lnSpc>
+                      </a:pPr>
+                      <a:r>
+                        <a:rPr lang="ko-KR" altLang="en-US" sz="1200" b="1" smtClean="0">
+                          <a:latin typeface="+mj-ea"/>
+                          <a:ea typeface="+mj-ea"/>
+                        </a:rPr>
+                        <a:t>옵션</a:t>
+                      </a:r>
+                      <a:endParaRPr lang="en-US" altLang="ko-KR" sz="1200" b="1" smtClean="0">
+                        <a:latin typeface="+mj-ea"/>
+                        <a:ea typeface="+mj-ea"/>
+                      </a:endParaRPr>
+                    </a:p>
+                    <a:p>
+                      <a:pPr marL="171450" indent="-171450" algn="l" latinLnBrk="1">
+                        <a:lnSpc>
+                          <a:spcPts val="1300"/>
+                        </a:lnSpc>
+                        <a:buFontTx/>
+                        <a:buChar char="-"/>
+                      </a:pPr>
+                      <a:r>
+                        <a:rPr lang="ko-KR" altLang="en-US" sz="1200" b="1" smtClean="0">
+                          <a:latin typeface="+mj-ea"/>
+                          <a:ea typeface="+mj-ea"/>
+                        </a:rPr>
+                        <a:t>해당 옵션을 선택</a:t>
+                      </a:r>
+                      <a:endParaRPr lang="ko-KR" altLang="en-US" sz="1200" dirty="0">
+                        <a:latin typeface="+mj-ea"/>
+                        <a:ea typeface="+mj-ea"/>
+                      </a:endParaRPr>
+                    </a:p>
+                  </a:txBody>
+                  <a:tcPr marL="121920" marR="121920" marT="60960" marB="60960"/>
+                </a:tc>
+              </a:tr>
+              <a:tr h="620107">
+                <a:tc>
+                  <a:txBody>
+                    <a:bodyPr/>
+                    <a:lstStyle/>
+                    <a:p>
+                      <a:pPr algn="ctr" latinLnBrk="1"/>
+                      <a:r>
+                        <a:rPr lang="en-US" altLang="ko-KR" sz="1300" dirty="0" smtClean="0">
+                          <a:latin typeface="+mj-ea"/>
+                          <a:ea typeface="+mj-ea"/>
+                        </a:rPr>
+                        <a:t>2</a:t>
+                      </a:r>
+                      <a:endParaRPr lang="ko-KR" altLang="en-US" sz="1300" dirty="0">
+                        <a:latin typeface="+mj-ea"/>
+                        <a:ea typeface="+mj-ea"/>
+                      </a:endParaRPr>
+                    </a:p>
+                  </a:txBody>
+                  <a:tcPr marL="121920" marR="121920" marT="60960" marB="60960" anchor="ctr"/>
+                </a:tc>
+                <a:tc>
+                  <a:txBody>
+                    <a:bodyPr/>
+                    <a:lstStyle/>
+                    <a:p>
+                      <a:pPr algn="l" latinLnBrk="1">
+                        <a:lnSpc>
+                          <a:spcPts val="1300"/>
+                        </a:lnSpc>
+                      </a:pPr>
+                      <a:r>
+                        <a:rPr lang="ko-KR" altLang="en-US" sz="1200" b="1" i="0" u="none" strike="noStrike" cap="none" smtClean="0">
+                          <a:solidFill>
+                            <a:srgbClr val="000000"/>
+                          </a:solidFill>
+                          <a:latin typeface="+mj-ea"/>
+                          <a:ea typeface="Arial"/>
+                          <a:cs typeface="Arial"/>
+                          <a:sym typeface="Arial"/>
+                        </a:rPr>
+                        <a:t>구매</a:t>
+                      </a:r>
+                      <a:endParaRPr lang="en-US" altLang="ko-KR" sz="1200" b="1" i="0" u="none" strike="noStrike" cap="none" smtClean="0">
+                        <a:solidFill>
+                          <a:srgbClr val="000000"/>
+                        </a:solidFill>
+                        <a:latin typeface="+mj-ea"/>
+                        <a:ea typeface="Arial"/>
+                        <a:cs typeface="Arial"/>
+                        <a:sym typeface="Arial"/>
+                      </a:endParaRPr>
+                    </a:p>
+                    <a:p>
+                      <a:pPr algn="l" latinLnBrk="1">
+                        <a:lnSpc>
+                          <a:spcPts val="1300"/>
+                        </a:lnSpc>
+                      </a:pPr>
+                      <a:r>
+                        <a:rPr lang="en-US" altLang="ko-KR" sz="1200" b="1" i="0" u="none" strike="noStrike" cap="none" smtClean="0">
+                          <a:solidFill>
+                            <a:srgbClr val="000000"/>
+                          </a:solidFill>
+                          <a:latin typeface="+mj-ea"/>
+                          <a:ea typeface="Arial"/>
+                          <a:cs typeface="Arial"/>
+                          <a:sym typeface="Arial"/>
+                        </a:rPr>
+                        <a:t>-</a:t>
+                      </a:r>
+                      <a:r>
+                        <a:rPr lang="en-US" altLang="ko-KR" sz="1200" b="1" i="0" u="none" strike="noStrike" cap="none" baseline="0" smtClean="0">
+                          <a:solidFill>
+                            <a:srgbClr val="000000"/>
+                          </a:solidFill>
+                          <a:latin typeface="+mj-ea"/>
+                          <a:ea typeface="Arial"/>
+                          <a:cs typeface="Arial"/>
+                          <a:sym typeface="Arial"/>
+                        </a:rPr>
+                        <a:t> </a:t>
+                      </a:r>
+                      <a:r>
+                        <a:rPr lang="ko-KR" altLang="en-US" sz="1200" b="1" i="0" u="none" strike="noStrike" cap="none" baseline="0" smtClean="0">
+                          <a:solidFill>
+                            <a:srgbClr val="000000"/>
+                          </a:solidFill>
+                          <a:latin typeface="+mj-ea"/>
+                          <a:ea typeface="Arial"/>
+                          <a:cs typeface="Arial"/>
+                          <a:sym typeface="Arial"/>
+                        </a:rPr>
+                        <a:t>구매하기 버튼 누르면 결제 페이지로 이동</a:t>
+                      </a:r>
+                      <a:endParaRPr lang="ko-KR" altLang="en-US" sz="1200" b="0" i="0" u="none" strike="noStrike" cap="none" dirty="0" smtClean="0">
+                        <a:solidFill>
+                          <a:srgbClr val="000000"/>
+                        </a:solidFill>
+                        <a:latin typeface="+mj-ea"/>
+                        <a:ea typeface="Arial"/>
+                        <a:cs typeface="Arial"/>
+                        <a:sym typeface="Arial"/>
+                      </a:endParaRPr>
+                    </a:p>
+                  </a:txBody>
+                  <a:tcPr marL="121920" marR="121920" marT="60960" marB="60960"/>
+                </a:tc>
+              </a:tr>
+              <a:tr h="620107">
+                <a:tc>
+                  <a:txBody>
+                    <a:bodyPr/>
+                    <a:lstStyle/>
+                    <a:p>
+                      <a:pPr algn="ctr" latinLnBrk="1"/>
+                      <a:r>
+                        <a:rPr lang="en-US" altLang="ko-KR" sz="1300" dirty="0" smtClean="0">
+                          <a:latin typeface="+mj-ea"/>
+                          <a:ea typeface="+mj-ea"/>
+                        </a:rPr>
+                        <a:t>3</a:t>
+                      </a:r>
+                      <a:endParaRPr lang="ko-KR" altLang="en-US" sz="1300" dirty="0">
+                        <a:latin typeface="+mj-ea"/>
+                        <a:ea typeface="+mj-ea"/>
+                      </a:endParaRPr>
+                    </a:p>
+                  </a:txBody>
+                  <a:tcPr marL="121920" marR="121920" marT="60960" marB="60960" anchor="ctr"/>
+                </a:tc>
+                <a:tc>
+                  <a:txBody>
+                    <a:bodyPr/>
+                    <a:lstStyle/>
+                    <a:p>
+                      <a:pPr algn="l" latinLnBrk="1">
+                        <a:lnSpc>
+                          <a:spcPts val="1300"/>
+                        </a:lnSpc>
+                      </a:pPr>
+                      <a:endParaRPr lang="ko-KR" altLang="en-US" sz="1200" dirty="0">
+                        <a:latin typeface="+mj-ea"/>
+                        <a:ea typeface="+mj-ea"/>
+                      </a:endParaRPr>
+                    </a:p>
+                  </a:txBody>
+                  <a:tcPr marL="121920" marR="121920" marT="60960" marB="60960"/>
+                </a:tc>
+              </a:tr>
+              <a:tr h="620107">
+                <a:tc>
+                  <a:txBody>
+                    <a:bodyPr/>
+                    <a:lstStyle/>
+                    <a:p>
+                      <a:pPr algn="ctr" latinLnBrk="1"/>
+                      <a:r>
+                        <a:rPr lang="en-US" altLang="ko-KR" sz="1300" dirty="0" smtClean="0">
+                          <a:latin typeface="+mj-ea"/>
+                          <a:ea typeface="+mj-ea"/>
+                        </a:rPr>
+                        <a:t>4</a:t>
+                      </a:r>
+                      <a:endParaRPr lang="ko-KR" altLang="en-US" sz="1300" dirty="0">
+                        <a:latin typeface="+mj-ea"/>
+                        <a:ea typeface="+mj-ea"/>
+                      </a:endParaRPr>
+                    </a:p>
+                  </a:txBody>
+                  <a:tcPr marL="121920" marR="121920" marT="60960" marB="60960" anchor="ctr"/>
+                </a:tc>
+                <a:tc>
+                  <a:txBody>
+                    <a:bodyPr/>
+                    <a:lstStyle/>
+                    <a:p>
+                      <a:pPr algn="l" latinLnBrk="1">
+                        <a:lnSpc>
+                          <a:spcPts val="1300"/>
+                        </a:lnSpc>
+                      </a:pPr>
+                      <a:endParaRPr lang="ko-KR" altLang="en-US" sz="1200" dirty="0">
+                        <a:latin typeface="+mj-ea"/>
+                        <a:ea typeface="+mj-ea"/>
+                      </a:endParaRPr>
+                    </a:p>
+                  </a:txBody>
+                  <a:tcPr marL="121920" marR="121920" marT="60960" marB="60960"/>
+                </a:tc>
+              </a:tr>
+              <a:tr h="620107">
+                <a:tc>
+                  <a:txBody>
+                    <a:bodyPr/>
+                    <a:lstStyle/>
+                    <a:p>
+                      <a:pPr algn="ctr" latinLnBrk="1"/>
+                      <a:r>
+                        <a:rPr lang="en-US" altLang="ko-KR" sz="1300" dirty="0" smtClean="0">
+                          <a:latin typeface="+mj-ea"/>
+                          <a:ea typeface="+mj-ea"/>
+                        </a:rPr>
+                        <a:t>5</a:t>
+                      </a:r>
+                      <a:endParaRPr lang="ko-KR" altLang="en-US" sz="1300" dirty="0">
+                        <a:latin typeface="+mj-ea"/>
+                        <a:ea typeface="+mj-ea"/>
+                      </a:endParaRPr>
+                    </a:p>
+                  </a:txBody>
+                  <a:tcPr marL="121920" marR="121920" marT="60960" marB="60960" anchor="ctr"/>
+                </a:tc>
+                <a:tc>
+                  <a:txBody>
+                    <a:bodyPr/>
+                    <a:lstStyle/>
+                    <a:p>
+                      <a:pPr algn="l" latinLnBrk="1">
+                        <a:lnSpc>
+                          <a:spcPts val="1300"/>
+                        </a:lnSpc>
+                      </a:pPr>
+                      <a:endParaRPr lang="ko-KR" altLang="en-US" sz="1200" dirty="0">
+                        <a:latin typeface="+mj-ea"/>
+                        <a:ea typeface="+mj-ea"/>
+                      </a:endParaRPr>
+                    </a:p>
+                  </a:txBody>
+                  <a:tcPr marL="121920" marR="121920" marT="60960" marB="60960"/>
+                </a:tc>
+              </a:tr>
+            </a:tbl>
+          </a:graphicData>
+        </a:graphic>
+      </p:graphicFrame>
+      <p:pic>
+        <p:nvPicPr>
+          <p:cNvPr id="7" name="그림 6"/>
+          <p:cNvPicPr>
+            <a:picLocks noChangeAspect="1"/>
+          </p:cNvPicPr>
+          <p:nvPr/>
+        </p:nvPicPr>
+        <p:blipFill>
+          <a:blip r:embed="rId2"/>
+          <a:stretch>
+            <a:fillRect/>
+          </a:stretch>
+        </p:blipFill>
+        <p:spPr>
+          <a:xfrm>
+            <a:off x="1479532" y="1596417"/>
+            <a:ext cx="7098425" cy="2275060"/>
+          </a:xfrm>
+          <a:prstGeom prst="rect">
+            <a:avLst/>
+          </a:prstGeom>
+        </p:spPr>
+      </p:pic>
+      <p:sp>
+        <p:nvSpPr>
+          <p:cNvPr id="8" name="직사각형 7"/>
+          <p:cNvSpPr/>
+          <p:nvPr/>
+        </p:nvSpPr>
+        <p:spPr>
+          <a:xfrm>
+            <a:off x="1479532" y="4069492"/>
+            <a:ext cx="7098425" cy="1853513"/>
+          </a:xfrm>
+          <a:prstGeom prst="rect">
+            <a:avLst/>
+          </a:prstGeom>
+          <a:noFill/>
+        </p:spPr>
+        <p:style>
+          <a:lnRef idx="2">
+            <a:schemeClr val="accent1">
+              <a:shade val="50000"/>
+            </a:schemeClr>
+          </a:lnRef>
+          <a:fillRef idx="1">
+            <a:schemeClr val="accent1"/>
+          </a:fillRef>
+          <a:effectRef idx="0">
+            <a:schemeClr val="accent1"/>
+          </a:effectRef>
+          <a:fontRef idx="minor">
+            <a:schemeClr val="lt1"/>
+          </a:fontRef>
+        </p:style>
+        <p:txBody>
+          <a:bodyPr rtlCol="0" anchor="ctr"/>
+          <a:lstStyle/>
+          <a:p>
+            <a:pPr algn="ctr"/>
+            <a:r>
+              <a:rPr lang="ko-KR" altLang="en-US" smtClean="0">
+                <a:solidFill>
+                  <a:schemeClr val="tx1"/>
+                </a:solidFill>
+              </a:rPr>
+              <a:t>상세내용</a:t>
+            </a:r>
+            <a:endParaRPr lang="ko-KR" altLang="en-US">
+              <a:solidFill>
+                <a:schemeClr val="tx1"/>
+              </a:solidFill>
+            </a:endParaRPr>
+          </a:p>
+        </p:txBody>
+      </p:sp>
+    </p:spTree>
+    <p:extLst>
+      <p:ext uri="{BB962C8B-B14F-4D97-AF65-F5344CB8AC3E}">
+        <p14:creationId xmlns:p14="http://schemas.microsoft.com/office/powerpoint/2010/main" val="2048147832"/>
+      </p:ext>
+    </p:extLst>
+  </p:cSld>
+  <p:clrMapOvr>
+    <a:masterClrMapping/>
+  </p:clrMapOvr>
+  <p:timing>
+    <p:tnLst>
+      <p:par>
+        <p:cTn id="1" dur="indefinite" restart="never" nodeType="tmRoot"/>
+      </p:par>
+    </p:tnLst>
+  </p:timing>
+</p:sld>
+</file>
+
+<file path=ppt/slides/slide4.xml><?xml version="1.0" encoding="utf-8"?>
+<p:sld xmlns:a="http://schemas.openxmlformats.org/drawingml/2006/main" xmlns:r="http://schemas.openxmlformats.org/officeDocument/2006/relationships" xmlns:p="http://schemas.openxmlformats.org/presentationml/2006/main">
+  <p:cSld>
+    <p:spTree>
+      <p:nvGrpSpPr>
+        <p:cNvPr id="1" name=""/>
+        <p:cNvGrpSpPr/>
+        <p:nvPr/>
+      </p:nvGrpSpPr>
+      <p:grpSpPr>
+        <a:xfrm>
+          <a:off x="0" y="0"/>
+          <a:ext cx="0" cy="0"/>
+          <a:chOff x="0" y="0"/>
+          <a:chExt cx="0" cy="0"/>
+        </a:xfrm>
+      </p:grpSpPr>
+      <p:sp>
+        <p:nvSpPr>
+          <p:cNvPr id="18" name="직사각형 17"/>
+          <p:cNvSpPr/>
+          <p:nvPr/>
+        </p:nvSpPr>
+        <p:spPr>
+          <a:xfrm rot="21409477">
+            <a:off x="832974" y="128931"/>
+            <a:ext cx="9282799" cy="6218171"/>
+          </a:xfrm>
+          <a:prstGeom prst="rect">
+            <a:avLst/>
+          </a:prstGeom>
+          <a:solidFill>
+            <a:schemeClr val="bg1">
+              <a:lumMod val="95000"/>
+            </a:schemeClr>
+          </a:solidFill>
+          <a:ln>
+            <a:noFill/>
+          </a:ln>
+        </p:spPr>
+        <p:style>
+          <a:lnRef idx="2">
+            <a:schemeClr val="accent1">
+              <a:shade val="50000"/>
+            </a:schemeClr>
+          </a:lnRef>
+          <a:fillRef idx="1">
+            <a:schemeClr val="accent1"/>
+          </a:fillRef>
+          <a:effectRef idx="0">
+            <a:schemeClr val="accent1"/>
+          </a:effectRef>
+          <a:fontRef idx="minor">
+            <a:schemeClr val="lt1"/>
+          </a:fontRef>
+        </p:style>
+        <p:txBody>
+          <a:bodyPr lIns="91440" tIns="45720" rIns="91440" bIns="45720" rtlCol="0" anchor="ctr"/>
+          <a:lstStyle/>
+          <a:p>
+            <a:pPr algn="ctr"/>
+            <a:endParaRPr lang="ko-KR" altLang="en-US" sz="2400"/>
+          </a:p>
+        </p:txBody>
+      </p:sp>
+      <p:sp>
+        <p:nvSpPr>
+          <p:cNvPr id="5" name="직사각형 4"/>
+          <p:cNvSpPr/>
+          <p:nvPr/>
+        </p:nvSpPr>
+        <p:spPr>
+          <a:xfrm>
+            <a:off x="526742" y="260649"/>
+            <a:ext cx="11425909" cy="6392929"/>
+          </a:xfrm>
+          <a:prstGeom prst="rect">
+            <a:avLst/>
+          </a:prstGeom>
+          <a:gradFill flip="none" rotWithShape="1">
+            <a:gsLst>
+              <a:gs pos="100000">
+                <a:schemeClr val="bg1">
+                  <a:shade val="67500"/>
+                  <a:satMod val="115000"/>
+                </a:schemeClr>
+              </a:gs>
+              <a:gs pos="64000">
+                <a:schemeClr val="bg1">
+                  <a:shade val="100000"/>
+                  <a:satMod val="115000"/>
+                </a:schemeClr>
+              </a:gs>
+            </a:gsLst>
+            <a:lin ang="10800000" scaled="1"/>
+            <a:tileRect/>
+          </a:gradFill>
+          <a:ln>
+            <a:noFill/>
+          </a:ln>
+          <a:effectLst>
+            <a:outerShdw blurRad="228600" dist="76200" dir="16200000" rotWithShape="0">
+              <a:prstClr val="black">
+                <a:alpha val="40000"/>
+              </a:prstClr>
+            </a:outerShdw>
+          </a:effectLst>
+        </p:spPr>
+        <p:style>
+          <a:lnRef idx="2">
+            <a:schemeClr val="accent1">
+              <a:shade val="50000"/>
+            </a:schemeClr>
+          </a:lnRef>
+          <a:fillRef idx="1">
+            <a:schemeClr val="accent1"/>
+          </a:fillRef>
+          <a:effectRef idx="0">
+            <a:schemeClr val="accent1"/>
+          </a:effectRef>
+          <a:fontRef idx="minor">
+            <a:schemeClr val="lt1"/>
+          </a:fontRef>
+        </p:style>
+        <p:txBody>
+          <a:bodyPr lIns="91440" tIns="45720" rIns="91440" bIns="45720" rtlCol="0" anchor="ctr"/>
+          <a:lstStyle/>
+          <a:p>
+            <a:pPr algn="ctr"/>
+            <a:endParaRPr lang="ko-KR" altLang="en-US" sz="2400"/>
+          </a:p>
+        </p:txBody>
+      </p:sp>
+      <p:grpSp>
+        <p:nvGrpSpPr>
+          <p:cNvPr id="2" name="그룹 1"/>
+          <p:cNvGrpSpPr/>
+          <p:nvPr/>
+        </p:nvGrpSpPr>
+        <p:grpSpPr>
+          <a:xfrm>
+            <a:off x="143104" y="68627"/>
+            <a:ext cx="768321" cy="6704028"/>
+            <a:chOff x="586490" y="739768"/>
+            <a:chExt cx="1017302" cy="5420168"/>
+          </a:xfrm>
+        </p:grpSpPr>
+        <p:sp>
+          <p:nvSpPr>
+            <p:cNvPr id="39" name="자유형 38"/>
+            <p:cNvSpPr/>
+            <p:nvPr/>
+          </p:nvSpPr>
+          <p:spPr>
+            <a:xfrm rot="10800000">
+              <a:off x="586490" y="1041378"/>
+              <a:ext cx="1017302" cy="4991063"/>
+            </a:xfrm>
+            <a:custGeom>
+              <a:avLst/>
+              <a:gdLst>
+                <a:gd name="connsiteX0" fmla="*/ 194310 w 388620"/>
+                <a:gd name="connsiteY0" fmla="*/ 0 h 2927235"/>
+                <a:gd name="connsiteX1" fmla="*/ 388620 w 388620"/>
+                <a:gd name="connsiteY1" fmla="*/ 194310 h 2927235"/>
+                <a:gd name="connsiteX2" fmla="*/ 388620 w 388620"/>
+                <a:gd name="connsiteY2" fmla="*/ 2927235 h 2927235"/>
+                <a:gd name="connsiteX3" fmla="*/ 379599 w 388620"/>
+                <a:gd name="connsiteY3" fmla="*/ 2898175 h 2927235"/>
+                <a:gd name="connsiteX4" fmla="*/ 194310 w 388620"/>
+                <a:gd name="connsiteY4" fmla="*/ 2775357 h 2927235"/>
+                <a:gd name="connsiteX5" fmla="*/ 9021 w 388620"/>
+                <a:gd name="connsiteY5" fmla="*/ 2898175 h 2927235"/>
+                <a:gd name="connsiteX6" fmla="*/ 0 w 388620"/>
+                <a:gd name="connsiteY6" fmla="*/ 2927235 h 2927235"/>
+                <a:gd name="connsiteX7" fmla="*/ 0 w 388620"/>
+                <a:gd name="connsiteY7" fmla="*/ 194310 h 2927235"/>
+                <a:gd name="connsiteX8" fmla="*/ 194310 w 388620"/>
+                <a:gd name="connsiteY8" fmla="*/ 0 h 2927235"/>
+              </a:gdLst>
+              <a:ahLst/>
+              <a:cxnLst>
+                <a:cxn ang="0">
+                  <a:pos x="connsiteX0" y="connsiteY0"/>
+                </a:cxn>
+                <a:cxn ang="0">
+                  <a:pos x="connsiteX1" y="connsiteY1"/>
+                </a:cxn>
+                <a:cxn ang="0">
+                  <a:pos x="connsiteX2" y="connsiteY2"/>
+                </a:cxn>
+                <a:cxn ang="0">
+                  <a:pos x="connsiteX3" y="connsiteY3"/>
+                </a:cxn>
+                <a:cxn ang="0">
+                  <a:pos x="connsiteX4" y="connsiteY4"/>
+                </a:cxn>
+                <a:cxn ang="0">
+                  <a:pos x="connsiteX5" y="connsiteY5"/>
+                </a:cxn>
+                <a:cxn ang="0">
+                  <a:pos x="connsiteX6" y="connsiteY6"/>
+                </a:cxn>
+                <a:cxn ang="0">
+                  <a:pos x="connsiteX7" y="connsiteY7"/>
+                </a:cxn>
+                <a:cxn ang="0">
+                  <a:pos x="connsiteX8" y="connsiteY8"/>
+                </a:cxn>
+              </a:cxnLst>
+              <a:rect l="l" t="t" r="r" b="b"/>
+              <a:pathLst>
+                <a:path w="388620" h="2927235">
+                  <a:moveTo>
+                    <a:pt x="194310" y="0"/>
+                  </a:moveTo>
+                  <a:cubicBezTo>
+                    <a:pt x="301624" y="0"/>
+                    <a:pt x="388620" y="86996"/>
+                    <a:pt x="388620" y="194310"/>
+                  </a:cubicBezTo>
+                  <a:lnTo>
+                    <a:pt x="388620" y="2927235"/>
+                  </a:lnTo>
+                  <a:lnTo>
+                    <a:pt x="379599" y="2898175"/>
+                  </a:lnTo>
+                  <a:cubicBezTo>
+                    <a:pt x="349072" y="2826000"/>
+                    <a:pt x="277605" y="2775357"/>
+                    <a:pt x="194310" y="2775357"/>
+                  </a:cubicBezTo>
+                  <a:cubicBezTo>
+                    <a:pt x="111015" y="2775357"/>
+                    <a:pt x="39548" y="2826000"/>
+                    <a:pt x="9021" y="2898175"/>
+                  </a:cubicBezTo>
+                  <a:lnTo>
+                    <a:pt x="0" y="2927235"/>
+                  </a:lnTo>
+                  <a:lnTo>
+                    <a:pt x="0" y="194310"/>
+                  </a:lnTo>
+                  <a:cubicBezTo>
+                    <a:pt x="0" y="86996"/>
+                    <a:pt x="86996" y="0"/>
+                    <a:pt x="194310" y="0"/>
+                  </a:cubicBezTo>
+                  <a:close/>
+                </a:path>
+              </a:pathLst>
+            </a:custGeom>
+            <a:gradFill flip="none" rotWithShape="1">
+              <a:gsLst>
+                <a:gs pos="0">
+                  <a:schemeClr val="bg1">
+                    <a:shade val="67500"/>
+                    <a:satMod val="115000"/>
+                  </a:schemeClr>
+                </a:gs>
+                <a:gs pos="100000">
+                  <a:schemeClr val="bg1">
+                    <a:shade val="100000"/>
+                    <a:satMod val="115000"/>
+                  </a:schemeClr>
+                </a:gs>
+              </a:gsLst>
+              <a:lin ang="10800000" scaled="1"/>
+              <a:tileRect/>
+            </a:gradFill>
+            <a:ln>
+              <a:noFill/>
+            </a:ln>
+            <a:effectLst>
+              <a:outerShdw blurRad="88900" dist="139700" dir="5400000" sx="98000" sy="98000" algn="t" rotWithShape="0">
+                <a:prstClr val="black">
+                  <a:alpha val="40000"/>
+                </a:prstClr>
+              </a:outerShdw>
+            </a:effectLst>
+          </p:spPr>
+          <p:style>
+            <a:lnRef idx="2">
+              <a:schemeClr val="accent1">
+                <a:shade val="50000"/>
+              </a:schemeClr>
+            </a:lnRef>
+            <a:fillRef idx="1">
+              <a:schemeClr val="accent1"/>
+            </a:fillRef>
+            <a:effectRef idx="0">
+              <a:schemeClr val="accent1"/>
+            </a:effectRef>
+            <a:fontRef idx="minor">
+              <a:schemeClr val="lt1"/>
+            </a:fontRef>
+          </p:style>
+          <p:txBody>
+            <a:bodyPr rtlCol="0" anchor="ctr"/>
+            <a:lstStyle/>
+            <a:p>
+              <a:pPr algn="ctr"/>
+              <a:endParaRPr lang="ko-KR" altLang="en-US" sz="2400"/>
+            </a:p>
+          </p:txBody>
+        </p:sp>
+        <p:sp>
+          <p:nvSpPr>
+            <p:cNvPr id="40" name="자유형 39"/>
+            <p:cNvSpPr/>
+            <p:nvPr/>
+          </p:nvSpPr>
+          <p:spPr>
+            <a:xfrm rot="10800000">
+              <a:off x="754421" y="2816677"/>
+              <a:ext cx="681439" cy="3343259"/>
+            </a:xfrm>
+            <a:custGeom>
+              <a:avLst/>
+              <a:gdLst>
+                <a:gd name="connsiteX0" fmla="*/ 194310 w 388620"/>
+                <a:gd name="connsiteY0" fmla="*/ 0 h 2927235"/>
+                <a:gd name="connsiteX1" fmla="*/ 388620 w 388620"/>
+                <a:gd name="connsiteY1" fmla="*/ 194310 h 2927235"/>
+                <a:gd name="connsiteX2" fmla="*/ 388620 w 388620"/>
+                <a:gd name="connsiteY2" fmla="*/ 2927235 h 2927235"/>
+                <a:gd name="connsiteX3" fmla="*/ 379599 w 388620"/>
+                <a:gd name="connsiteY3" fmla="*/ 2898175 h 2927235"/>
+                <a:gd name="connsiteX4" fmla="*/ 194310 w 388620"/>
+                <a:gd name="connsiteY4" fmla="*/ 2775357 h 2927235"/>
+                <a:gd name="connsiteX5" fmla="*/ 9021 w 388620"/>
+                <a:gd name="connsiteY5" fmla="*/ 2898175 h 2927235"/>
+                <a:gd name="connsiteX6" fmla="*/ 0 w 388620"/>
+                <a:gd name="connsiteY6" fmla="*/ 2927235 h 2927235"/>
+                <a:gd name="connsiteX7" fmla="*/ 0 w 388620"/>
+                <a:gd name="connsiteY7" fmla="*/ 194310 h 2927235"/>
+                <a:gd name="connsiteX8" fmla="*/ 194310 w 388620"/>
+                <a:gd name="connsiteY8" fmla="*/ 0 h 2927235"/>
+              </a:gdLst>
+              <a:ahLst/>
+              <a:cxnLst>
+                <a:cxn ang="0">
+                  <a:pos x="connsiteX0" y="connsiteY0"/>
+                </a:cxn>
+                <a:cxn ang="0">
+                  <a:pos x="connsiteX1" y="connsiteY1"/>
+                </a:cxn>
+                <a:cxn ang="0">
+                  <a:pos x="connsiteX2" y="connsiteY2"/>
+                </a:cxn>
+                <a:cxn ang="0">
+                  <a:pos x="connsiteX3" y="connsiteY3"/>
+                </a:cxn>
+                <a:cxn ang="0">
+                  <a:pos x="connsiteX4" y="connsiteY4"/>
+                </a:cxn>
+                <a:cxn ang="0">
+                  <a:pos x="connsiteX5" y="connsiteY5"/>
+                </a:cxn>
+                <a:cxn ang="0">
+                  <a:pos x="connsiteX6" y="connsiteY6"/>
+                </a:cxn>
+                <a:cxn ang="0">
+                  <a:pos x="connsiteX7" y="connsiteY7"/>
+                </a:cxn>
+                <a:cxn ang="0">
+                  <a:pos x="connsiteX8" y="connsiteY8"/>
+                </a:cxn>
+              </a:cxnLst>
+              <a:rect l="l" t="t" r="r" b="b"/>
+              <a:pathLst>
+                <a:path w="388620" h="2927235">
+                  <a:moveTo>
+                    <a:pt x="194310" y="0"/>
+                  </a:moveTo>
+                  <a:cubicBezTo>
+                    <a:pt x="301624" y="0"/>
+                    <a:pt x="388620" y="86996"/>
+                    <a:pt x="388620" y="194310"/>
+                  </a:cubicBezTo>
+                  <a:lnTo>
+                    <a:pt x="388620" y="2927235"/>
+                  </a:lnTo>
+                  <a:lnTo>
+                    <a:pt x="379599" y="2898175"/>
+                  </a:lnTo>
+                  <a:cubicBezTo>
+                    <a:pt x="349072" y="2826000"/>
+                    <a:pt x="277605" y="2775357"/>
+                    <a:pt x="194310" y="2775357"/>
+                  </a:cubicBezTo>
+                  <a:cubicBezTo>
+                    <a:pt x="111015" y="2775357"/>
+                    <a:pt x="39548" y="2826000"/>
+                    <a:pt x="9021" y="2898175"/>
+                  </a:cubicBezTo>
+                  <a:lnTo>
+                    <a:pt x="0" y="2927235"/>
+                  </a:lnTo>
+                  <a:lnTo>
+                    <a:pt x="0" y="194310"/>
+                  </a:lnTo>
+                  <a:cubicBezTo>
+                    <a:pt x="0" y="86996"/>
+                    <a:pt x="86996" y="0"/>
+                    <a:pt x="194310" y="0"/>
+                  </a:cubicBezTo>
+                  <a:close/>
+                </a:path>
+              </a:pathLst>
+            </a:custGeom>
+            <a:gradFill flip="none" rotWithShape="1">
+              <a:gsLst>
+                <a:gs pos="0">
+                  <a:schemeClr val="bg1">
+                    <a:shade val="67500"/>
+                    <a:satMod val="115000"/>
+                  </a:schemeClr>
+                </a:gs>
+                <a:gs pos="100000">
+                  <a:schemeClr val="bg1">
+                    <a:shade val="100000"/>
+                    <a:satMod val="115000"/>
+                  </a:schemeClr>
+                </a:gs>
+              </a:gsLst>
+              <a:lin ang="10800000" scaled="1"/>
+              <a:tileRect/>
+            </a:gradFill>
+            <a:ln>
+              <a:noFill/>
+            </a:ln>
+            <a:effectLst>
+              <a:outerShdw blurRad="88900" dist="139700" dir="5400000" sx="98000" sy="98000" algn="t" rotWithShape="0">
+                <a:prstClr val="black">
+                  <a:alpha val="40000"/>
+                </a:prstClr>
+              </a:outerShdw>
+            </a:effectLst>
+          </p:spPr>
+          <p:style>
+            <a:lnRef idx="2">
+              <a:schemeClr val="accent1">
+                <a:shade val="50000"/>
+              </a:schemeClr>
+            </a:lnRef>
+            <a:fillRef idx="1">
+              <a:schemeClr val="accent1"/>
+            </a:fillRef>
+            <a:effectRef idx="0">
+              <a:schemeClr val="accent1"/>
+            </a:effectRef>
+            <a:fontRef idx="minor">
+              <a:schemeClr val="lt1"/>
+            </a:fontRef>
+          </p:style>
+          <p:txBody>
+            <a:bodyPr rtlCol="0" anchor="ctr"/>
+            <a:lstStyle/>
+            <a:p>
+              <a:pPr algn="ctr"/>
+              <a:endParaRPr lang="ko-KR" altLang="en-US" sz="2400"/>
+            </a:p>
+          </p:txBody>
+        </p:sp>
+        <p:sp>
+          <p:nvSpPr>
+            <p:cNvPr id="41" name="자유형 40"/>
+            <p:cNvSpPr/>
+            <p:nvPr/>
+          </p:nvSpPr>
+          <p:spPr>
+            <a:xfrm>
+              <a:off x="754421" y="2614644"/>
+              <a:ext cx="681439" cy="3343259"/>
+            </a:xfrm>
+            <a:custGeom>
+              <a:avLst/>
+              <a:gdLst>
+                <a:gd name="connsiteX0" fmla="*/ 194310 w 388620"/>
+                <a:gd name="connsiteY0" fmla="*/ 0 h 2927235"/>
+                <a:gd name="connsiteX1" fmla="*/ 388620 w 388620"/>
+                <a:gd name="connsiteY1" fmla="*/ 194310 h 2927235"/>
+                <a:gd name="connsiteX2" fmla="*/ 388620 w 388620"/>
+                <a:gd name="connsiteY2" fmla="*/ 2927235 h 2927235"/>
+                <a:gd name="connsiteX3" fmla="*/ 379599 w 388620"/>
+                <a:gd name="connsiteY3" fmla="*/ 2898175 h 2927235"/>
+                <a:gd name="connsiteX4" fmla="*/ 194310 w 388620"/>
+                <a:gd name="connsiteY4" fmla="*/ 2775357 h 2927235"/>
+                <a:gd name="connsiteX5" fmla="*/ 9021 w 388620"/>
+                <a:gd name="connsiteY5" fmla="*/ 2898175 h 2927235"/>
+                <a:gd name="connsiteX6" fmla="*/ 0 w 388620"/>
+                <a:gd name="connsiteY6" fmla="*/ 2927235 h 2927235"/>
+                <a:gd name="connsiteX7" fmla="*/ 0 w 388620"/>
+                <a:gd name="connsiteY7" fmla="*/ 194310 h 2927235"/>
+                <a:gd name="connsiteX8" fmla="*/ 194310 w 388620"/>
+                <a:gd name="connsiteY8" fmla="*/ 0 h 2927235"/>
+              </a:gdLst>
+              <a:ahLst/>
+              <a:cxnLst>
+                <a:cxn ang="0">
+                  <a:pos x="connsiteX0" y="connsiteY0"/>
+                </a:cxn>
+                <a:cxn ang="0">
+                  <a:pos x="connsiteX1" y="connsiteY1"/>
+                </a:cxn>
+                <a:cxn ang="0">
+                  <a:pos x="connsiteX2" y="connsiteY2"/>
+                </a:cxn>
+                <a:cxn ang="0">
+                  <a:pos x="connsiteX3" y="connsiteY3"/>
+                </a:cxn>
+                <a:cxn ang="0">
+                  <a:pos x="connsiteX4" y="connsiteY4"/>
+                </a:cxn>
+                <a:cxn ang="0">
+                  <a:pos x="connsiteX5" y="connsiteY5"/>
+                </a:cxn>
+                <a:cxn ang="0">
+                  <a:pos x="connsiteX6" y="connsiteY6"/>
+                </a:cxn>
+                <a:cxn ang="0">
+                  <a:pos x="connsiteX7" y="connsiteY7"/>
+                </a:cxn>
+                <a:cxn ang="0">
+                  <a:pos x="connsiteX8" y="connsiteY8"/>
+                </a:cxn>
+              </a:cxnLst>
+              <a:rect l="l" t="t" r="r" b="b"/>
+              <a:pathLst>
+                <a:path w="388620" h="2927235">
+                  <a:moveTo>
+                    <a:pt x="194310" y="0"/>
+                  </a:moveTo>
+                  <a:cubicBezTo>
+                    <a:pt x="301624" y="0"/>
+                    <a:pt x="388620" y="86996"/>
+                    <a:pt x="388620" y="194310"/>
+                  </a:cubicBezTo>
+                  <a:lnTo>
+                    <a:pt x="388620" y="2927235"/>
+                  </a:lnTo>
+                  <a:lnTo>
+                    <a:pt x="379599" y="2898175"/>
+                  </a:lnTo>
+                  <a:cubicBezTo>
+                    <a:pt x="349072" y="2826000"/>
+                    <a:pt x="277605" y="2775357"/>
+                    <a:pt x="194310" y="2775357"/>
+                  </a:cubicBezTo>
+                  <a:cubicBezTo>
+                    <a:pt x="111015" y="2775357"/>
+                    <a:pt x="39548" y="2826000"/>
+                    <a:pt x="9021" y="2898175"/>
+                  </a:cubicBezTo>
+                  <a:lnTo>
+                    <a:pt x="0" y="2927235"/>
+                  </a:lnTo>
+                  <a:lnTo>
+                    <a:pt x="0" y="194310"/>
+                  </a:lnTo>
+                  <a:cubicBezTo>
+                    <a:pt x="0" y="86996"/>
+                    <a:pt x="86996" y="0"/>
+                    <a:pt x="194310" y="0"/>
+                  </a:cubicBezTo>
+                  <a:close/>
+                </a:path>
+              </a:pathLst>
+            </a:custGeom>
+            <a:gradFill flip="none" rotWithShape="1">
+              <a:gsLst>
+                <a:gs pos="0">
+                  <a:schemeClr val="bg1">
+                    <a:shade val="67500"/>
+                    <a:satMod val="115000"/>
+                  </a:schemeClr>
+                </a:gs>
+                <a:gs pos="100000">
+                  <a:schemeClr val="bg1">
+                    <a:shade val="100000"/>
+                    <a:satMod val="115000"/>
+                  </a:schemeClr>
+                </a:gs>
+              </a:gsLst>
+              <a:lin ang="10800000" scaled="1"/>
+              <a:tileRect/>
+            </a:gradFill>
+            <a:ln>
+              <a:noFill/>
+            </a:ln>
+            <a:effectLst>
+              <a:outerShdw blurRad="88900" dist="139700" dir="5400000" sx="98000" sy="98000" algn="t" rotWithShape="0">
+                <a:prstClr val="black">
+                  <a:alpha val="40000"/>
+                </a:prstClr>
+              </a:outerShdw>
+            </a:effectLst>
+          </p:spPr>
+          <p:style>
+            <a:lnRef idx="2">
+              <a:schemeClr val="accent1">
+                <a:shade val="50000"/>
+              </a:schemeClr>
+            </a:lnRef>
+            <a:fillRef idx="1">
+              <a:schemeClr val="accent1"/>
+            </a:fillRef>
+            <a:effectRef idx="0">
+              <a:schemeClr val="accent1"/>
+            </a:effectRef>
+            <a:fontRef idx="minor">
+              <a:schemeClr val="lt1"/>
+            </a:fontRef>
+          </p:style>
+          <p:txBody>
+            <a:bodyPr rtlCol="0" anchor="ctr"/>
+            <a:lstStyle/>
+            <a:p>
+              <a:pPr algn="ctr"/>
+              <a:endParaRPr lang="ko-KR" altLang="en-US" sz="2400"/>
+            </a:p>
+          </p:txBody>
+        </p:sp>
+        <p:sp>
+          <p:nvSpPr>
+            <p:cNvPr id="42" name="자유형 41"/>
+            <p:cNvSpPr/>
+            <p:nvPr/>
+          </p:nvSpPr>
+          <p:spPr>
+            <a:xfrm>
+              <a:off x="586490" y="739768"/>
+              <a:ext cx="1017302" cy="4991063"/>
+            </a:xfrm>
+            <a:custGeom>
+              <a:avLst/>
+              <a:gdLst>
+                <a:gd name="connsiteX0" fmla="*/ 194310 w 388620"/>
+                <a:gd name="connsiteY0" fmla="*/ 0 h 2927235"/>
+                <a:gd name="connsiteX1" fmla="*/ 388620 w 388620"/>
+                <a:gd name="connsiteY1" fmla="*/ 194310 h 2927235"/>
+                <a:gd name="connsiteX2" fmla="*/ 388620 w 388620"/>
+                <a:gd name="connsiteY2" fmla="*/ 2927235 h 2927235"/>
+                <a:gd name="connsiteX3" fmla="*/ 379599 w 388620"/>
+                <a:gd name="connsiteY3" fmla="*/ 2898175 h 2927235"/>
+                <a:gd name="connsiteX4" fmla="*/ 194310 w 388620"/>
+                <a:gd name="connsiteY4" fmla="*/ 2775357 h 2927235"/>
+                <a:gd name="connsiteX5" fmla="*/ 9021 w 388620"/>
+                <a:gd name="connsiteY5" fmla="*/ 2898175 h 2927235"/>
+                <a:gd name="connsiteX6" fmla="*/ 0 w 388620"/>
+                <a:gd name="connsiteY6" fmla="*/ 2927235 h 2927235"/>
+                <a:gd name="connsiteX7" fmla="*/ 0 w 388620"/>
+                <a:gd name="connsiteY7" fmla="*/ 194310 h 2927235"/>
+                <a:gd name="connsiteX8" fmla="*/ 194310 w 388620"/>
+                <a:gd name="connsiteY8" fmla="*/ 0 h 2927235"/>
+              </a:gdLst>
+              <a:ahLst/>
+              <a:cxnLst>
+                <a:cxn ang="0">
+                  <a:pos x="connsiteX0" y="connsiteY0"/>
+                </a:cxn>
+                <a:cxn ang="0">
+                  <a:pos x="connsiteX1" y="connsiteY1"/>
+                </a:cxn>
+                <a:cxn ang="0">
+                  <a:pos x="connsiteX2" y="connsiteY2"/>
+                </a:cxn>
+                <a:cxn ang="0">
+                  <a:pos x="connsiteX3" y="connsiteY3"/>
+                </a:cxn>
+                <a:cxn ang="0">
+                  <a:pos x="connsiteX4" y="connsiteY4"/>
+                </a:cxn>
+                <a:cxn ang="0">
+                  <a:pos x="connsiteX5" y="connsiteY5"/>
+                </a:cxn>
+                <a:cxn ang="0">
+                  <a:pos x="connsiteX6" y="connsiteY6"/>
+                </a:cxn>
+                <a:cxn ang="0">
+                  <a:pos x="connsiteX7" y="connsiteY7"/>
+                </a:cxn>
+                <a:cxn ang="0">
+                  <a:pos x="connsiteX8" y="connsiteY8"/>
+                </a:cxn>
+              </a:cxnLst>
+              <a:rect l="l" t="t" r="r" b="b"/>
+              <a:pathLst>
+                <a:path w="388620" h="2927235">
+                  <a:moveTo>
+                    <a:pt x="194310" y="0"/>
+                  </a:moveTo>
+                  <a:cubicBezTo>
+                    <a:pt x="301624" y="0"/>
+                    <a:pt x="388620" y="86996"/>
+                    <a:pt x="388620" y="194310"/>
+                  </a:cubicBezTo>
+                  <a:lnTo>
+                    <a:pt x="388620" y="2927235"/>
+                  </a:lnTo>
+                  <a:lnTo>
+                    <a:pt x="379599" y="2898175"/>
+                  </a:lnTo>
+                  <a:cubicBezTo>
+                    <a:pt x="349072" y="2826000"/>
+                    <a:pt x="277605" y="2775357"/>
+                    <a:pt x="194310" y="2775357"/>
+                  </a:cubicBezTo>
+                  <a:cubicBezTo>
+                    <a:pt x="111015" y="2775357"/>
+                    <a:pt x="39548" y="2826000"/>
+                    <a:pt x="9021" y="2898175"/>
+                  </a:cubicBezTo>
+                  <a:lnTo>
+                    <a:pt x="0" y="2927235"/>
+                  </a:lnTo>
+                  <a:lnTo>
+                    <a:pt x="0" y="194310"/>
+                  </a:lnTo>
+                  <a:cubicBezTo>
+                    <a:pt x="0" y="86996"/>
+                    <a:pt x="86996" y="0"/>
+                    <a:pt x="194310" y="0"/>
+                  </a:cubicBezTo>
+                  <a:close/>
+                </a:path>
+              </a:pathLst>
+            </a:custGeom>
+            <a:gradFill flip="none" rotWithShape="1">
+              <a:gsLst>
+                <a:gs pos="0">
+                  <a:schemeClr val="bg1">
+                    <a:shade val="67500"/>
+                    <a:satMod val="115000"/>
+                  </a:schemeClr>
+                </a:gs>
+                <a:gs pos="100000">
+                  <a:schemeClr val="bg1">
+                    <a:shade val="100000"/>
+                    <a:satMod val="115000"/>
+                  </a:schemeClr>
+                </a:gs>
+              </a:gsLst>
+              <a:lin ang="10800000" scaled="1"/>
+              <a:tileRect/>
+            </a:gradFill>
+            <a:ln>
+              <a:noFill/>
+            </a:ln>
+            <a:effectLst>
+              <a:outerShdw blurRad="88900" dist="139700" dir="5400000" sx="98000" sy="98000" algn="t" rotWithShape="0">
+                <a:prstClr val="black">
+                  <a:alpha val="40000"/>
+                </a:prstClr>
+              </a:outerShdw>
+            </a:effectLst>
+          </p:spPr>
+          <p:style>
+            <a:lnRef idx="2">
+              <a:schemeClr val="accent1">
+                <a:shade val="50000"/>
+              </a:schemeClr>
+            </a:lnRef>
+            <a:fillRef idx="1">
+              <a:schemeClr val="accent1"/>
+            </a:fillRef>
+            <a:effectRef idx="0">
+              <a:schemeClr val="accent1"/>
+            </a:effectRef>
+            <a:fontRef idx="minor">
+              <a:schemeClr val="lt1"/>
+            </a:fontRef>
+          </p:style>
+          <p:txBody>
+            <a:bodyPr rtlCol="0" anchor="ctr"/>
+            <a:lstStyle/>
+            <a:p>
+              <a:pPr algn="ctr"/>
+              <a:endParaRPr lang="ko-KR" altLang="en-US" sz="2400"/>
+            </a:p>
+          </p:txBody>
+        </p:sp>
+      </p:grpSp>
+      <p:sp>
+        <p:nvSpPr>
+          <p:cNvPr id="43" name="직사각형 42"/>
+          <p:cNvSpPr/>
+          <p:nvPr/>
+        </p:nvSpPr>
+        <p:spPr>
+          <a:xfrm>
+            <a:off x="1121067" y="522708"/>
+            <a:ext cx="8789911" cy="646331"/>
+          </a:xfrm>
+          <a:prstGeom prst="rect">
+            <a:avLst/>
+          </a:prstGeom>
+        </p:spPr>
+        <p:txBody>
+          <a:bodyPr wrap="square" lIns="91440" tIns="45720" rIns="91440" bIns="45720">
+            <a:spAutoFit/>
+          </a:bodyPr>
+          <a:lstStyle/>
+          <a:p>
+            <a:pPr>
+              <a:lnSpc>
+                <a:spcPct val="150000"/>
+              </a:lnSpc>
+            </a:pPr>
+            <a:r>
+              <a:rPr lang="en-US" altLang="ko-KR" sz="2400" b="1" dirty="0">
+                <a:solidFill>
+                  <a:schemeClr val="tx1">
+                    <a:lumMod val="75000"/>
+                    <a:lumOff val="25000"/>
+                  </a:schemeClr>
+                </a:solidFill>
+                <a:latin typeface="+mj-ea"/>
+                <a:ea typeface="+mj-ea"/>
+              </a:rPr>
+              <a:t>[ </a:t>
+            </a:r>
+            <a:r>
+              <a:rPr lang="ko-KR" altLang="en-US" sz="2400" b="1" dirty="0">
+                <a:solidFill>
+                  <a:schemeClr val="tx1">
+                    <a:lumMod val="75000"/>
+                    <a:lumOff val="25000"/>
+                  </a:schemeClr>
+                </a:solidFill>
+                <a:latin typeface="+mj-ea"/>
+                <a:ea typeface="+mj-ea"/>
+              </a:rPr>
+              <a:t>화면설계 </a:t>
+            </a:r>
+            <a:r>
+              <a:rPr lang="en-US" altLang="ko-KR" sz="2400" b="1" dirty="0">
+                <a:solidFill>
+                  <a:schemeClr val="tx1">
+                    <a:lumMod val="75000"/>
+                    <a:lumOff val="25000"/>
+                  </a:schemeClr>
+                </a:solidFill>
+                <a:latin typeface="+mj-ea"/>
+                <a:ea typeface="+mj-ea"/>
+              </a:rPr>
+              <a:t>] </a:t>
+            </a:r>
+            <a:r>
+              <a:rPr lang="ko-KR" altLang="en-US" sz="2400" b="1" dirty="0">
+                <a:solidFill>
+                  <a:schemeClr val="tx1">
+                    <a:lumMod val="75000"/>
+                    <a:lumOff val="25000"/>
+                  </a:schemeClr>
+                </a:solidFill>
+                <a:latin typeface="+mj-ea"/>
+                <a:ea typeface="+mj-ea"/>
+              </a:rPr>
+              <a:t>사용자 </a:t>
+            </a:r>
+            <a:r>
+              <a:rPr lang="en-US" altLang="ko-KR" sz="2400" b="1" dirty="0">
+                <a:solidFill>
+                  <a:schemeClr val="tx1">
+                    <a:lumMod val="75000"/>
+                    <a:lumOff val="25000"/>
+                  </a:schemeClr>
+                </a:solidFill>
+                <a:latin typeface="+mj-ea"/>
+                <a:ea typeface="+mj-ea"/>
+              </a:rPr>
+              <a:t>- </a:t>
+            </a:r>
+            <a:r>
+              <a:rPr lang="ko-KR" altLang="en-US" sz="2400" b="1">
+                <a:solidFill>
+                  <a:schemeClr val="tx1">
+                    <a:lumMod val="75000"/>
+                    <a:lumOff val="25000"/>
+                  </a:schemeClr>
+                </a:solidFill>
+                <a:latin typeface="+mj-ea"/>
+                <a:ea typeface="+mj-ea"/>
+              </a:rPr>
+              <a:t>웹 </a:t>
+            </a:r>
+            <a:r>
+              <a:rPr lang="en-US" altLang="ko-KR" sz="2400" b="1" smtClean="0">
+                <a:solidFill>
+                  <a:schemeClr val="tx1">
+                    <a:lumMod val="75000"/>
+                    <a:lumOff val="25000"/>
+                  </a:schemeClr>
+                </a:solidFill>
+                <a:latin typeface="+mj-ea"/>
+                <a:ea typeface="+mj-ea"/>
+              </a:rPr>
+              <a:t>– </a:t>
+            </a:r>
+            <a:r>
+              <a:rPr lang="ko-KR" altLang="en-US" sz="2400" b="1" smtClean="0">
+                <a:solidFill>
+                  <a:schemeClr val="tx1">
+                    <a:lumMod val="75000"/>
+                    <a:lumOff val="25000"/>
+                  </a:schemeClr>
+                </a:solidFill>
+                <a:latin typeface="+mj-ea"/>
+                <a:ea typeface="+mj-ea"/>
+              </a:rPr>
+              <a:t>리워드 스토어 </a:t>
+            </a:r>
+            <a:r>
+              <a:rPr lang="en-US" altLang="ko-KR" sz="2400" b="1" smtClean="0">
+                <a:solidFill>
+                  <a:schemeClr val="tx1">
+                    <a:lumMod val="75000"/>
+                    <a:lumOff val="25000"/>
+                  </a:schemeClr>
+                </a:solidFill>
+                <a:latin typeface="+mj-ea"/>
+                <a:ea typeface="+mj-ea"/>
+              </a:rPr>
+              <a:t>- </a:t>
+            </a:r>
+            <a:r>
+              <a:rPr lang="ko-KR" altLang="en-US" sz="2400" b="1" smtClean="0">
+                <a:solidFill>
+                  <a:schemeClr val="tx1">
+                    <a:lumMod val="75000"/>
+                    <a:lumOff val="25000"/>
+                  </a:schemeClr>
+                </a:solidFill>
+                <a:latin typeface="+mj-ea"/>
+                <a:ea typeface="+mj-ea"/>
+              </a:rPr>
+              <a:t>상품문의</a:t>
+            </a:r>
+            <a:endParaRPr lang="ko-KR" altLang="en-US" sz="2400" b="1" dirty="0">
+              <a:solidFill>
+                <a:schemeClr val="tx1">
+                  <a:lumMod val="75000"/>
+                  <a:lumOff val="25000"/>
+                </a:schemeClr>
+              </a:solidFill>
+              <a:latin typeface="+mj-ea"/>
+              <a:ea typeface="+mj-ea"/>
+            </a:endParaRPr>
+          </a:p>
+        </p:txBody>
+      </p:sp>
+      <p:graphicFrame>
+        <p:nvGraphicFramePr>
+          <p:cNvPr id="4" name="표 3"/>
+          <p:cNvGraphicFramePr>
+            <a:graphicFrameLocks noGrp="1"/>
+          </p:cNvGraphicFramePr>
+          <p:nvPr>
+            <p:extLst/>
+          </p:nvPr>
+        </p:nvGraphicFramePr>
+        <p:xfrm>
+          <a:off x="9168341" y="1433634"/>
+          <a:ext cx="2688299" cy="915066"/>
+        </p:xfrm>
+        <a:graphic>
+          <a:graphicData uri="http://schemas.openxmlformats.org/drawingml/2006/table">
+            <a:tbl>
+              <a:tblPr firstRow="1" bandRow="1"/>
+              <a:tblGrid>
+                <a:gridCol w="2688299"/>
+              </a:tblGrid>
+              <a:tr h="424495">
+                <a:tc>
+                  <a:txBody>
+                    <a:bodyPr/>
+                    <a:lstStyle/>
+                    <a:p>
+                      <a:pPr algn="ctr" latinLnBrk="1"/>
+                      <a:r>
+                        <a:rPr lang="ko-KR" altLang="en-US" sz="1200" b="1" dirty="0" smtClean="0">
+                          <a:solidFill>
+                            <a:schemeClr val="tx1"/>
+                          </a:solidFill>
+                          <a:latin typeface="+mj-ea"/>
+                          <a:ea typeface="+mj-ea"/>
+                        </a:rPr>
+                        <a:t>화면코드</a:t>
+                      </a:r>
+                      <a:endParaRPr lang="ko-KR" altLang="en-US" sz="1200" b="1" dirty="0">
+                        <a:solidFill>
+                          <a:schemeClr val="tx1"/>
+                        </a:solidFill>
+                        <a:latin typeface="+mj-ea"/>
+                        <a:ea typeface="+mj-ea"/>
+                      </a:endParaRPr>
+                    </a:p>
+                  </a:txBody>
+                  <a:tcPr marL="121920" marR="121920" marT="60960" marB="60960" anchor="ctr">
+                    <a:solidFill>
+                      <a:srgbClr val="FF9E00"/>
+                    </a:solidFill>
+                  </a:tcPr>
+                </a:tc>
+              </a:tr>
+              <a:tr h="490571">
+                <a:tc>
+                  <a:txBody>
+                    <a:bodyPr/>
+                    <a:lstStyle/>
+                    <a:p>
+                      <a:pPr algn="ctr" latinLnBrk="1"/>
+                      <a:endParaRPr lang="ko-KR" altLang="en-US" sz="1500" dirty="0">
+                        <a:latin typeface="+mj-ea"/>
+                        <a:ea typeface="+mj-ea"/>
+                      </a:endParaRPr>
+                    </a:p>
+                  </a:txBody>
+                  <a:tcPr marL="121920" marR="121920" marT="60960" marB="60960" anchor="ctr"/>
+                </a:tc>
+              </a:tr>
+            </a:tbl>
+          </a:graphicData>
+        </a:graphic>
+      </p:graphicFrame>
+      <p:sp>
+        <p:nvSpPr>
+          <p:cNvPr id="19" name="직사각형 18"/>
+          <p:cNvSpPr/>
+          <p:nvPr/>
+        </p:nvSpPr>
+        <p:spPr>
+          <a:xfrm>
+            <a:off x="1081171" y="1433634"/>
+            <a:ext cx="7895148" cy="4875687"/>
+          </a:xfrm>
+          <a:prstGeom prst="rect">
+            <a:avLst/>
+          </a:prstGeom>
+          <a:noFill/>
+          <a:ln w="9525">
+            <a:solidFill>
+              <a:schemeClr val="tx1"/>
+            </a:solidFill>
+          </a:ln>
+        </p:spPr>
+        <p:style>
+          <a:lnRef idx="2">
+            <a:schemeClr val="accent1">
+              <a:shade val="50000"/>
+            </a:schemeClr>
+          </a:lnRef>
+          <a:fillRef idx="1">
+            <a:schemeClr val="accent1"/>
+          </a:fillRef>
+          <a:effectRef idx="0">
+            <a:schemeClr val="accent1"/>
+          </a:effectRef>
+          <a:fontRef idx="minor">
+            <a:schemeClr val="lt1"/>
+          </a:fontRef>
+        </p:style>
+        <p:txBody>
+          <a:bodyPr rtlCol="0" anchor="ctr"/>
+          <a:lstStyle/>
+          <a:p>
+            <a:pPr algn="ctr"/>
+            <a:endParaRPr lang="ko-KR" altLang="en-US" sz="2400">
+              <a:noFill/>
+            </a:endParaRPr>
+          </a:p>
+        </p:txBody>
+      </p:sp>
+      <p:graphicFrame>
+        <p:nvGraphicFramePr>
+          <p:cNvPr id="6" name="표 5"/>
+          <p:cNvGraphicFramePr>
+            <a:graphicFrameLocks noGrp="1"/>
+          </p:cNvGraphicFramePr>
+          <p:nvPr>
+            <p:extLst/>
+          </p:nvPr>
+        </p:nvGraphicFramePr>
+        <p:xfrm>
+          <a:off x="9168341" y="2479152"/>
+          <a:ext cx="2688299" cy="3897644"/>
+        </p:xfrm>
+        <a:graphic>
+          <a:graphicData uri="http://schemas.openxmlformats.org/drawingml/2006/table">
+            <a:tbl>
+              <a:tblPr firstRow="1" bandRow="1"/>
+              <a:tblGrid>
+                <a:gridCol w="280507"/>
+                <a:gridCol w="2407792"/>
+              </a:tblGrid>
+              <a:tr h="469796">
+                <a:tc>
+                  <a:txBody>
+                    <a:bodyPr/>
+                    <a:lstStyle/>
+                    <a:p>
+                      <a:pPr algn="ctr" latinLnBrk="1"/>
+                      <a:r>
+                        <a:rPr lang="en-US" altLang="ko-KR" sz="1200" b="1" dirty="0" smtClean="0">
+                          <a:latin typeface="+mj-ea"/>
+                          <a:ea typeface="+mj-ea"/>
+                        </a:rPr>
+                        <a:t>#</a:t>
+                      </a:r>
+                      <a:endParaRPr lang="ko-KR" altLang="en-US" sz="1200" b="1" dirty="0">
+                        <a:latin typeface="+mj-ea"/>
+                        <a:ea typeface="+mj-ea"/>
+                      </a:endParaRPr>
+                    </a:p>
+                  </a:txBody>
+                  <a:tcPr marL="121920" marR="121920" marT="60960" marB="60960" anchor="ctr">
+                    <a:solidFill>
+                      <a:srgbClr val="FF9E00"/>
+                    </a:solidFill>
+                  </a:tcPr>
+                </a:tc>
+                <a:tc>
+                  <a:txBody>
+                    <a:bodyPr/>
+                    <a:lstStyle/>
+                    <a:p>
+                      <a:pPr algn="ctr" latinLnBrk="1"/>
+                      <a:r>
+                        <a:rPr lang="ko-KR" altLang="en-US" sz="1200" b="1" dirty="0" smtClean="0">
+                          <a:latin typeface="+mj-ea"/>
+                          <a:ea typeface="+mj-ea"/>
+                        </a:rPr>
+                        <a:t>기능</a:t>
+                      </a:r>
+                      <a:endParaRPr lang="ko-KR" altLang="en-US" sz="1200" b="1" dirty="0">
+                        <a:latin typeface="+mj-ea"/>
+                        <a:ea typeface="+mj-ea"/>
+                      </a:endParaRPr>
+                    </a:p>
+                  </a:txBody>
+                  <a:tcPr marL="121920" marR="121920" marT="60960" marB="60960" anchor="ctr">
+                    <a:solidFill>
+                      <a:srgbClr val="FF9E00"/>
+                    </a:solidFill>
+                  </a:tcPr>
+                </a:tc>
+              </a:tr>
+              <a:tr h="620107">
+                <a:tc>
+                  <a:txBody>
+                    <a:bodyPr/>
+                    <a:lstStyle/>
+                    <a:p>
+                      <a:pPr algn="ctr" latinLnBrk="1"/>
+                      <a:r>
+                        <a:rPr lang="en-US" altLang="ko-KR" sz="1300" dirty="0" smtClean="0">
+                          <a:latin typeface="+mj-ea"/>
+                          <a:ea typeface="+mj-ea"/>
+                        </a:rPr>
+                        <a:t>1</a:t>
+                      </a:r>
+                      <a:endParaRPr lang="ko-KR" altLang="en-US" sz="1300" dirty="0">
+                        <a:latin typeface="+mj-ea"/>
+                        <a:ea typeface="+mj-ea"/>
+                      </a:endParaRPr>
+                    </a:p>
+                  </a:txBody>
+                  <a:tcPr marL="121920" marR="121920" marT="60960" marB="60960" anchor="ctr"/>
+                </a:tc>
+                <a:tc>
+                  <a:txBody>
+                    <a:bodyPr/>
+                    <a:lstStyle/>
+                    <a:p>
+                      <a:pPr algn="l" latinLnBrk="1">
+                        <a:lnSpc>
+                          <a:spcPts val="1300"/>
+                        </a:lnSpc>
+                      </a:pPr>
+                      <a:r>
+                        <a:rPr lang="ko-KR" altLang="en-US" sz="1200" b="1" smtClean="0">
+                          <a:latin typeface="+mj-ea"/>
+                          <a:ea typeface="+mj-ea"/>
+                        </a:rPr>
+                        <a:t>문의 리스트</a:t>
+                      </a:r>
+                      <a:endParaRPr lang="en-US" altLang="ko-KR" sz="1200" b="1" smtClean="0">
+                        <a:latin typeface="+mj-ea"/>
+                        <a:ea typeface="+mj-ea"/>
+                      </a:endParaRPr>
+                    </a:p>
+                    <a:p>
+                      <a:pPr marL="171450" indent="-171450" algn="l" latinLnBrk="1">
+                        <a:lnSpc>
+                          <a:spcPts val="1300"/>
+                        </a:lnSpc>
+                        <a:buFontTx/>
+                        <a:buChar char="-"/>
+                      </a:pPr>
+                      <a:r>
+                        <a:rPr lang="ko-KR" altLang="en-US" sz="1200" b="1" smtClean="0">
+                          <a:latin typeface="+mj-ea"/>
+                          <a:ea typeface="+mj-ea"/>
+                        </a:rPr>
+                        <a:t>해당 문의 리스트를</a:t>
+                      </a:r>
+                      <a:r>
+                        <a:rPr lang="ko-KR" altLang="en-US" sz="1200" b="1" baseline="0" smtClean="0">
+                          <a:latin typeface="+mj-ea"/>
+                          <a:ea typeface="+mj-ea"/>
+                        </a:rPr>
+                        <a:t> 보여줌</a:t>
+                      </a:r>
+                      <a:endParaRPr lang="en-US" altLang="ko-KR" sz="1200" b="1" baseline="0" smtClean="0">
+                        <a:latin typeface="+mj-ea"/>
+                        <a:ea typeface="+mj-ea"/>
+                      </a:endParaRPr>
+                    </a:p>
+                    <a:p>
+                      <a:pPr marL="171450" indent="-171450" algn="l" latinLnBrk="1">
+                        <a:lnSpc>
+                          <a:spcPts val="1300"/>
+                        </a:lnSpc>
+                        <a:buFontTx/>
+                        <a:buChar char="-"/>
+                      </a:pPr>
+                      <a:endParaRPr lang="ko-KR" altLang="en-US" sz="1200" dirty="0">
+                        <a:latin typeface="+mj-ea"/>
+                        <a:ea typeface="+mj-ea"/>
+                      </a:endParaRPr>
+                    </a:p>
+                  </a:txBody>
+                  <a:tcPr marL="121920" marR="121920" marT="60960" marB="60960"/>
+                </a:tc>
+              </a:tr>
+              <a:tr h="620107">
+                <a:tc>
+                  <a:txBody>
+                    <a:bodyPr/>
+                    <a:lstStyle/>
+                    <a:p>
+                      <a:pPr algn="ctr" latinLnBrk="1"/>
+                      <a:r>
+                        <a:rPr lang="en-US" altLang="ko-KR" sz="1300" dirty="0" smtClean="0">
+                          <a:latin typeface="+mj-ea"/>
+                          <a:ea typeface="+mj-ea"/>
+                        </a:rPr>
+                        <a:t>2</a:t>
+                      </a:r>
+                      <a:endParaRPr lang="ko-KR" altLang="en-US" sz="1300" dirty="0">
+                        <a:latin typeface="+mj-ea"/>
+                        <a:ea typeface="+mj-ea"/>
+                      </a:endParaRPr>
+                    </a:p>
+                  </a:txBody>
+                  <a:tcPr marL="121920" marR="121920" marT="60960" marB="60960" anchor="ctr"/>
+                </a:tc>
+                <a:tc>
+                  <a:txBody>
+                    <a:bodyPr/>
+                    <a:lstStyle/>
+                    <a:p>
+                      <a:pPr algn="l" latinLnBrk="1">
+                        <a:lnSpc>
+                          <a:spcPts val="1300"/>
+                        </a:lnSpc>
+                      </a:pPr>
+                      <a:r>
+                        <a:rPr lang="ko-KR" altLang="en-US" sz="1200" b="0" i="0" u="none" strike="noStrike" cap="none" smtClean="0">
+                          <a:solidFill>
+                            <a:srgbClr val="000000"/>
+                          </a:solidFill>
+                          <a:latin typeface="+mj-ea"/>
+                          <a:ea typeface="Arial"/>
+                          <a:cs typeface="Arial"/>
+                          <a:sym typeface="Arial"/>
+                        </a:rPr>
+                        <a:t>비밀글 </a:t>
+                      </a:r>
+                      <a:endParaRPr lang="en-US" altLang="ko-KR" sz="1200" b="0" i="0" u="none" strike="noStrike" cap="none" smtClean="0">
+                        <a:solidFill>
+                          <a:srgbClr val="000000"/>
+                        </a:solidFill>
+                        <a:latin typeface="+mj-ea"/>
+                        <a:ea typeface="Arial"/>
+                        <a:cs typeface="Arial"/>
+                        <a:sym typeface="Arial"/>
+                      </a:endParaRPr>
+                    </a:p>
+                    <a:p>
+                      <a:pPr marL="171450" indent="-171450" algn="l" latinLnBrk="1">
+                        <a:lnSpc>
+                          <a:spcPts val="1300"/>
+                        </a:lnSpc>
+                        <a:buFontTx/>
+                        <a:buChar char="-"/>
+                      </a:pPr>
+                      <a:r>
+                        <a:rPr lang="ko-KR" altLang="en-US" sz="1200" b="0" i="0" u="none" strike="noStrike" cap="none" smtClean="0">
+                          <a:solidFill>
+                            <a:srgbClr val="000000"/>
+                          </a:solidFill>
+                          <a:latin typeface="+mj-ea"/>
+                          <a:ea typeface="Arial"/>
+                          <a:cs typeface="Arial"/>
+                          <a:sym typeface="Arial"/>
+                        </a:rPr>
+                        <a:t>비밀글일시 해당 글 작성자가 아니면 해당 내용이 안나타게 하고 또한 작성자인경우 나타나게 함</a:t>
+                      </a:r>
+                      <a:endParaRPr lang="ko-KR" altLang="en-US" sz="1200" b="0" i="0" u="none" strike="noStrike" cap="none" dirty="0" smtClean="0">
+                        <a:solidFill>
+                          <a:srgbClr val="000000"/>
+                        </a:solidFill>
+                        <a:latin typeface="+mj-ea"/>
+                        <a:ea typeface="Arial"/>
+                        <a:cs typeface="Arial"/>
+                        <a:sym typeface="Arial"/>
+                      </a:endParaRPr>
+                    </a:p>
+                  </a:txBody>
+                  <a:tcPr marL="121920" marR="121920" marT="60960" marB="60960"/>
+                </a:tc>
+              </a:tr>
+              <a:tr h="620107">
+                <a:tc>
+                  <a:txBody>
+                    <a:bodyPr/>
+                    <a:lstStyle/>
+                    <a:p>
+                      <a:pPr algn="ctr" latinLnBrk="1"/>
+                      <a:r>
+                        <a:rPr lang="en-US" altLang="ko-KR" sz="1300" dirty="0" smtClean="0">
+                          <a:latin typeface="+mj-ea"/>
+                          <a:ea typeface="+mj-ea"/>
+                        </a:rPr>
+                        <a:t>3</a:t>
+                      </a:r>
+                      <a:endParaRPr lang="ko-KR" altLang="en-US" sz="1300" dirty="0">
+                        <a:latin typeface="+mj-ea"/>
+                        <a:ea typeface="+mj-ea"/>
+                      </a:endParaRPr>
+                    </a:p>
+                  </a:txBody>
+                  <a:tcPr marL="121920" marR="121920" marT="60960" marB="60960" anchor="ctr"/>
+                </a:tc>
+                <a:tc>
+                  <a:txBody>
+                    <a:bodyPr/>
+                    <a:lstStyle/>
+                    <a:p>
+                      <a:pPr marL="0" indent="0" algn="l" latinLnBrk="1">
+                        <a:lnSpc>
+                          <a:spcPts val="1300"/>
+                        </a:lnSpc>
+                        <a:buFontTx/>
+                        <a:buNone/>
+                      </a:pPr>
+                      <a:r>
+                        <a:rPr lang="ko-KR" altLang="en-US" sz="1200" smtClean="0">
+                          <a:latin typeface="+mj-ea"/>
+                          <a:ea typeface="+mj-ea"/>
+                        </a:rPr>
+                        <a:t>답변</a:t>
+                      </a:r>
+                      <a:endParaRPr lang="en-US" altLang="ko-KR" sz="1200" smtClean="0">
+                        <a:latin typeface="+mj-ea"/>
+                        <a:ea typeface="+mj-ea"/>
+                      </a:endParaRPr>
+                    </a:p>
+                    <a:p>
+                      <a:pPr marL="171450" indent="-171450" algn="l" latinLnBrk="1">
+                        <a:lnSpc>
+                          <a:spcPts val="1300"/>
+                        </a:lnSpc>
+                        <a:buFontTx/>
+                        <a:buChar char="-"/>
+                      </a:pPr>
+                      <a:r>
+                        <a:rPr lang="ko-KR" altLang="en-US" sz="1200" smtClean="0">
+                          <a:latin typeface="+mj-ea"/>
+                          <a:ea typeface="+mj-ea"/>
+                        </a:rPr>
+                        <a:t>답변 내용 있으면 답변완료 </a:t>
+                      </a:r>
+                      <a:endParaRPr lang="en-US" altLang="ko-KR" sz="1200" smtClean="0">
+                        <a:latin typeface="+mj-ea"/>
+                        <a:ea typeface="+mj-ea"/>
+                      </a:endParaRPr>
+                    </a:p>
+                    <a:p>
+                      <a:pPr marL="171450" indent="-171450" algn="l" latinLnBrk="1">
+                        <a:lnSpc>
+                          <a:spcPts val="1300"/>
+                        </a:lnSpc>
+                        <a:buFontTx/>
+                        <a:buChar char="-"/>
+                      </a:pPr>
+                      <a:r>
+                        <a:rPr lang="ko-KR" altLang="en-US" sz="1200" smtClean="0">
+                          <a:latin typeface="+mj-ea"/>
+                          <a:ea typeface="+mj-ea"/>
+                        </a:rPr>
+                        <a:t>없으면</a:t>
+                      </a:r>
+                      <a:r>
+                        <a:rPr lang="ko-KR" altLang="en-US" sz="1200" baseline="0" smtClean="0">
+                          <a:latin typeface="+mj-ea"/>
+                          <a:ea typeface="+mj-ea"/>
+                        </a:rPr>
+                        <a:t> 문의접수</a:t>
+                      </a:r>
+                      <a:endParaRPr lang="en-US" altLang="ko-KR" sz="1200" smtClean="0">
+                        <a:latin typeface="+mj-ea"/>
+                        <a:ea typeface="+mj-ea"/>
+                      </a:endParaRPr>
+                    </a:p>
+                  </a:txBody>
+                  <a:tcPr marL="121920" marR="121920" marT="60960" marB="60960"/>
+                </a:tc>
+              </a:tr>
+              <a:tr h="620107">
+                <a:tc>
+                  <a:txBody>
+                    <a:bodyPr/>
+                    <a:lstStyle/>
+                    <a:p>
+                      <a:pPr algn="ctr" latinLnBrk="1"/>
+                      <a:r>
+                        <a:rPr lang="en-US" altLang="ko-KR" sz="1300" dirty="0" smtClean="0">
+                          <a:latin typeface="+mj-ea"/>
+                          <a:ea typeface="+mj-ea"/>
+                        </a:rPr>
+                        <a:t>4</a:t>
+                      </a:r>
+                      <a:endParaRPr lang="ko-KR" altLang="en-US" sz="1300" dirty="0">
+                        <a:latin typeface="+mj-ea"/>
+                        <a:ea typeface="+mj-ea"/>
+                      </a:endParaRPr>
+                    </a:p>
+                  </a:txBody>
+                  <a:tcPr marL="121920" marR="121920" marT="60960" marB="60960" anchor="ctr"/>
+                </a:tc>
+                <a:tc>
+                  <a:txBody>
+                    <a:bodyPr/>
+                    <a:lstStyle/>
+                    <a:p>
+                      <a:pPr algn="l" latinLnBrk="1">
+                        <a:lnSpc>
+                          <a:spcPts val="1300"/>
+                        </a:lnSpc>
+                      </a:pPr>
+                      <a:endParaRPr lang="ko-KR" altLang="en-US" sz="1200" dirty="0">
+                        <a:latin typeface="+mj-ea"/>
+                        <a:ea typeface="+mj-ea"/>
+                      </a:endParaRPr>
+                    </a:p>
+                  </a:txBody>
+                  <a:tcPr marL="121920" marR="121920" marT="60960" marB="60960"/>
+                </a:tc>
+              </a:tr>
+              <a:tr h="620107">
+                <a:tc>
+                  <a:txBody>
+                    <a:bodyPr/>
+                    <a:lstStyle/>
+                    <a:p>
+                      <a:pPr algn="ctr" latinLnBrk="1"/>
+                      <a:r>
+                        <a:rPr lang="en-US" altLang="ko-KR" sz="1300" dirty="0" smtClean="0">
+                          <a:latin typeface="+mj-ea"/>
+                          <a:ea typeface="+mj-ea"/>
+                        </a:rPr>
+                        <a:t>5</a:t>
+                      </a:r>
+                      <a:endParaRPr lang="ko-KR" altLang="en-US" sz="1300" dirty="0">
+                        <a:latin typeface="+mj-ea"/>
+                        <a:ea typeface="+mj-ea"/>
+                      </a:endParaRPr>
+                    </a:p>
+                  </a:txBody>
+                  <a:tcPr marL="121920" marR="121920" marT="60960" marB="60960" anchor="ctr"/>
+                </a:tc>
+                <a:tc>
+                  <a:txBody>
+                    <a:bodyPr/>
+                    <a:lstStyle/>
+                    <a:p>
+                      <a:pPr algn="l" latinLnBrk="1">
+                        <a:lnSpc>
+                          <a:spcPts val="1300"/>
+                        </a:lnSpc>
+                      </a:pPr>
+                      <a:endParaRPr lang="ko-KR" altLang="en-US" sz="1200" dirty="0">
+                        <a:latin typeface="+mj-ea"/>
+                        <a:ea typeface="+mj-ea"/>
+                      </a:endParaRPr>
+                    </a:p>
+                  </a:txBody>
+                  <a:tcPr marL="121920" marR="121920" marT="60960" marB="60960"/>
+                </a:tc>
+              </a:tr>
+            </a:tbl>
+          </a:graphicData>
+        </a:graphic>
+      </p:graphicFrame>
+      <p:pic>
+        <p:nvPicPr>
+          <p:cNvPr id="9" name="그림 8"/>
+          <p:cNvPicPr>
+            <a:picLocks noChangeAspect="1"/>
+          </p:cNvPicPr>
+          <p:nvPr/>
+        </p:nvPicPr>
+        <p:blipFill>
+          <a:blip r:embed="rId2"/>
+          <a:stretch>
+            <a:fillRect/>
+          </a:stretch>
+        </p:blipFill>
+        <p:spPr>
+          <a:xfrm>
+            <a:off x="1278484" y="1776949"/>
+            <a:ext cx="7464299" cy="4189056"/>
+          </a:xfrm>
+          <a:prstGeom prst="rect">
+            <a:avLst/>
+          </a:prstGeom>
+        </p:spPr>
+      </p:pic>
+    </p:spTree>
+    <p:extLst>
+      <p:ext uri="{BB962C8B-B14F-4D97-AF65-F5344CB8AC3E}">
+        <p14:creationId xmlns:p14="http://schemas.microsoft.com/office/powerpoint/2010/main" val="3660277590"/>
+      </p:ext>
+    </p:extLst>
+  </p:cSld>
+  <p:clrMapOvr>
+    <a:masterClrMapping/>
+  </p:clrMapOvr>
+  <p:timing>
+    <p:tnLst>
+      <p:par>
+        <p:cTn id="1" dur="indefinite" restart="never" nodeType="tmRoot"/>
+      </p:par>
+    </p:tnLst>
+  </p:timing>
+</p:sld>
+</file>
+
+<file path=ppt/slides/slide5.xml><?xml version="1.0" encoding="utf-8"?>
+<p:sld xmlns:a="http://schemas.openxmlformats.org/drawingml/2006/main" xmlns:r="http://schemas.openxmlformats.org/officeDocument/2006/relationships" xmlns:p="http://schemas.openxmlformats.org/presentationml/2006/main">
+  <p:cSld>
+    <p:spTree>
+      <p:nvGrpSpPr>
+        <p:cNvPr id="1" name=""/>
+        <p:cNvGrpSpPr/>
+        <p:nvPr/>
+      </p:nvGrpSpPr>
+      <p:grpSpPr>
+        <a:xfrm>
+          <a:off x="0" y="0"/>
+          <a:ext cx="0" cy="0"/>
+          <a:chOff x="0" y="0"/>
+          <a:chExt cx="0" cy="0"/>
+        </a:xfrm>
+      </p:grpSpPr>
+      <p:sp>
+        <p:nvSpPr>
+          <p:cNvPr id="18" name="직사각형 17"/>
+          <p:cNvSpPr/>
+          <p:nvPr/>
+        </p:nvSpPr>
+        <p:spPr>
+          <a:xfrm rot="21409477">
+            <a:off x="832974" y="128931"/>
+            <a:ext cx="9282799" cy="6218171"/>
+          </a:xfrm>
+          <a:prstGeom prst="rect">
+            <a:avLst/>
+          </a:prstGeom>
+          <a:solidFill>
+            <a:schemeClr val="bg1">
+              <a:lumMod val="95000"/>
+            </a:schemeClr>
+          </a:solidFill>
+          <a:ln>
+            <a:noFill/>
+          </a:ln>
+        </p:spPr>
+        <p:style>
+          <a:lnRef idx="2">
+            <a:schemeClr val="accent1">
+              <a:shade val="50000"/>
+            </a:schemeClr>
+          </a:lnRef>
+          <a:fillRef idx="1">
+            <a:schemeClr val="accent1"/>
+          </a:fillRef>
+          <a:effectRef idx="0">
+            <a:schemeClr val="accent1"/>
+          </a:effectRef>
+          <a:fontRef idx="minor">
+            <a:schemeClr val="lt1"/>
+          </a:fontRef>
+        </p:style>
+        <p:txBody>
+          <a:bodyPr lIns="91440" tIns="45720" rIns="91440" bIns="45720" rtlCol="0" anchor="ctr"/>
+          <a:lstStyle/>
+          <a:p>
+            <a:pPr algn="ctr"/>
+            <a:endParaRPr lang="ko-KR" altLang="en-US" sz="2400"/>
+          </a:p>
+        </p:txBody>
+      </p:sp>
+      <p:sp>
+        <p:nvSpPr>
+          <p:cNvPr id="5" name="직사각형 4"/>
+          <p:cNvSpPr/>
+          <p:nvPr/>
+        </p:nvSpPr>
+        <p:spPr>
+          <a:xfrm>
+            <a:off x="526742" y="260649"/>
+            <a:ext cx="11425909" cy="6392929"/>
+          </a:xfrm>
+          <a:prstGeom prst="rect">
+            <a:avLst/>
+          </a:prstGeom>
+          <a:gradFill flip="none" rotWithShape="1">
+            <a:gsLst>
+              <a:gs pos="100000">
+                <a:schemeClr val="bg1">
+                  <a:shade val="67500"/>
+                  <a:satMod val="115000"/>
+                </a:schemeClr>
+              </a:gs>
+              <a:gs pos="64000">
+                <a:schemeClr val="bg1">
+                  <a:shade val="100000"/>
+                  <a:satMod val="115000"/>
+                </a:schemeClr>
+              </a:gs>
+            </a:gsLst>
+            <a:lin ang="10800000" scaled="1"/>
+            <a:tileRect/>
+          </a:gradFill>
+          <a:ln>
+            <a:noFill/>
+          </a:ln>
+          <a:effectLst>
+            <a:outerShdw blurRad="228600" dist="76200" dir="16200000" rotWithShape="0">
+              <a:prstClr val="black">
+                <a:alpha val="40000"/>
+              </a:prstClr>
+            </a:outerShdw>
+          </a:effectLst>
+        </p:spPr>
+        <p:style>
+          <a:lnRef idx="2">
+            <a:schemeClr val="accent1">
+              <a:shade val="50000"/>
+            </a:schemeClr>
+          </a:lnRef>
+          <a:fillRef idx="1">
+            <a:schemeClr val="accent1"/>
+          </a:fillRef>
+          <a:effectRef idx="0">
+            <a:schemeClr val="accent1"/>
+          </a:effectRef>
+          <a:fontRef idx="minor">
+            <a:schemeClr val="lt1"/>
+          </a:fontRef>
+        </p:style>
+        <p:txBody>
+          <a:bodyPr lIns="91440" tIns="45720" rIns="91440" bIns="45720" rtlCol="0" anchor="ctr"/>
+          <a:lstStyle/>
+          <a:p>
+            <a:pPr algn="ctr"/>
+            <a:endParaRPr lang="ko-KR" altLang="en-US" sz="2400"/>
+          </a:p>
+        </p:txBody>
+      </p:sp>
+      <p:grpSp>
+        <p:nvGrpSpPr>
+          <p:cNvPr id="2" name="그룹 1"/>
+          <p:cNvGrpSpPr/>
+          <p:nvPr/>
+        </p:nvGrpSpPr>
+        <p:grpSpPr>
+          <a:xfrm>
+            <a:off x="143104" y="68627"/>
+            <a:ext cx="768321" cy="6704028"/>
+            <a:chOff x="586490" y="739768"/>
+            <a:chExt cx="1017302" cy="5420168"/>
+          </a:xfrm>
+        </p:grpSpPr>
+        <p:sp>
+          <p:nvSpPr>
+            <p:cNvPr id="39" name="자유형 38"/>
+            <p:cNvSpPr/>
+            <p:nvPr/>
+          </p:nvSpPr>
+          <p:spPr>
+            <a:xfrm rot="10800000">
+              <a:off x="586490" y="1041378"/>
+              <a:ext cx="1017302" cy="4991063"/>
+            </a:xfrm>
+            <a:custGeom>
+              <a:avLst/>
+              <a:gdLst>
+                <a:gd name="connsiteX0" fmla="*/ 194310 w 388620"/>
+                <a:gd name="connsiteY0" fmla="*/ 0 h 2927235"/>
+                <a:gd name="connsiteX1" fmla="*/ 388620 w 388620"/>
+                <a:gd name="connsiteY1" fmla="*/ 194310 h 2927235"/>
+                <a:gd name="connsiteX2" fmla="*/ 388620 w 388620"/>
+                <a:gd name="connsiteY2" fmla="*/ 2927235 h 2927235"/>
+                <a:gd name="connsiteX3" fmla="*/ 379599 w 388620"/>
+                <a:gd name="connsiteY3" fmla="*/ 2898175 h 2927235"/>
+                <a:gd name="connsiteX4" fmla="*/ 194310 w 388620"/>
+                <a:gd name="connsiteY4" fmla="*/ 2775357 h 2927235"/>
+                <a:gd name="connsiteX5" fmla="*/ 9021 w 388620"/>
+                <a:gd name="connsiteY5" fmla="*/ 2898175 h 2927235"/>
+                <a:gd name="connsiteX6" fmla="*/ 0 w 388620"/>
+                <a:gd name="connsiteY6" fmla="*/ 2927235 h 2927235"/>
+                <a:gd name="connsiteX7" fmla="*/ 0 w 388620"/>
+                <a:gd name="connsiteY7" fmla="*/ 194310 h 2927235"/>
+                <a:gd name="connsiteX8" fmla="*/ 194310 w 388620"/>
+                <a:gd name="connsiteY8" fmla="*/ 0 h 2927235"/>
+              </a:gdLst>
+              <a:ahLst/>
+              <a:cxnLst>
+                <a:cxn ang="0">
+                  <a:pos x="connsiteX0" y="connsiteY0"/>
+                </a:cxn>
+                <a:cxn ang="0">
+                  <a:pos x="connsiteX1" y="connsiteY1"/>
+                </a:cxn>
+                <a:cxn ang="0">
+                  <a:pos x="connsiteX2" y="connsiteY2"/>
+                </a:cxn>
+                <a:cxn ang="0">
+                  <a:pos x="connsiteX3" y="connsiteY3"/>
+                </a:cxn>
+                <a:cxn ang="0">
+                  <a:pos x="connsiteX4" y="connsiteY4"/>
+                </a:cxn>
+                <a:cxn ang="0">
+                  <a:pos x="connsiteX5" y="connsiteY5"/>
+                </a:cxn>
+                <a:cxn ang="0">
+                  <a:pos x="connsiteX6" y="connsiteY6"/>
+                </a:cxn>
+                <a:cxn ang="0">
+                  <a:pos x="connsiteX7" y="connsiteY7"/>
+                </a:cxn>
+                <a:cxn ang="0">
+                  <a:pos x="connsiteX8" y="connsiteY8"/>
+                </a:cxn>
+              </a:cxnLst>
+              <a:rect l="l" t="t" r="r" b="b"/>
+              <a:pathLst>
+                <a:path w="388620" h="2927235">
+                  <a:moveTo>
+                    <a:pt x="194310" y="0"/>
+                  </a:moveTo>
+                  <a:cubicBezTo>
+                    <a:pt x="301624" y="0"/>
+                    <a:pt x="388620" y="86996"/>
+                    <a:pt x="388620" y="194310"/>
+                  </a:cubicBezTo>
+                  <a:lnTo>
+                    <a:pt x="388620" y="2927235"/>
+                  </a:lnTo>
+                  <a:lnTo>
+                    <a:pt x="379599" y="2898175"/>
+                  </a:lnTo>
+                  <a:cubicBezTo>
+                    <a:pt x="349072" y="2826000"/>
+                    <a:pt x="277605" y="2775357"/>
+                    <a:pt x="194310" y="2775357"/>
+                  </a:cubicBezTo>
+                  <a:cubicBezTo>
+                    <a:pt x="111015" y="2775357"/>
+                    <a:pt x="39548" y="2826000"/>
+                    <a:pt x="9021" y="2898175"/>
+                  </a:cubicBezTo>
+                  <a:lnTo>
+                    <a:pt x="0" y="2927235"/>
+                  </a:lnTo>
+                  <a:lnTo>
+                    <a:pt x="0" y="194310"/>
+                  </a:lnTo>
+                  <a:cubicBezTo>
+                    <a:pt x="0" y="86996"/>
+                    <a:pt x="86996" y="0"/>
+                    <a:pt x="194310" y="0"/>
+                  </a:cubicBezTo>
+                  <a:close/>
+                </a:path>
+              </a:pathLst>
+            </a:custGeom>
+            <a:gradFill flip="none" rotWithShape="1">
+              <a:gsLst>
+                <a:gs pos="0">
+                  <a:schemeClr val="bg1">
+                    <a:shade val="67500"/>
+                    <a:satMod val="115000"/>
+                  </a:schemeClr>
+                </a:gs>
+                <a:gs pos="100000">
+                  <a:schemeClr val="bg1">
+                    <a:shade val="100000"/>
+                    <a:satMod val="115000"/>
+                  </a:schemeClr>
+                </a:gs>
+              </a:gsLst>
+              <a:lin ang="10800000" scaled="1"/>
+              <a:tileRect/>
+            </a:gradFill>
+            <a:ln>
+              <a:noFill/>
+            </a:ln>
+            <a:effectLst>
+              <a:outerShdw blurRad="88900" dist="139700" dir="5400000" sx="98000" sy="98000" algn="t" rotWithShape="0">
+                <a:prstClr val="black">
+                  <a:alpha val="40000"/>
+                </a:prstClr>
+              </a:outerShdw>
+            </a:effectLst>
+          </p:spPr>
+          <p:style>
+            <a:lnRef idx="2">
+              <a:schemeClr val="accent1">
+                <a:shade val="50000"/>
+              </a:schemeClr>
+            </a:lnRef>
+            <a:fillRef idx="1">
+              <a:schemeClr val="accent1"/>
+            </a:fillRef>
+            <a:effectRef idx="0">
+              <a:schemeClr val="accent1"/>
+            </a:effectRef>
+            <a:fontRef idx="minor">
+              <a:schemeClr val="lt1"/>
+            </a:fontRef>
+          </p:style>
+          <p:txBody>
+            <a:bodyPr rtlCol="0" anchor="ctr"/>
+            <a:lstStyle/>
+            <a:p>
+              <a:pPr algn="ctr"/>
+              <a:endParaRPr lang="ko-KR" altLang="en-US" sz="2400"/>
+            </a:p>
+          </p:txBody>
+        </p:sp>
+        <p:sp>
+          <p:nvSpPr>
+            <p:cNvPr id="40" name="자유형 39"/>
+            <p:cNvSpPr/>
+            <p:nvPr/>
+          </p:nvSpPr>
+          <p:spPr>
+            <a:xfrm rot="10800000">
+              <a:off x="754421" y="2816677"/>
+              <a:ext cx="681439" cy="3343259"/>
+            </a:xfrm>
+            <a:custGeom>
+              <a:avLst/>
+              <a:gdLst>
+                <a:gd name="connsiteX0" fmla="*/ 194310 w 388620"/>
+                <a:gd name="connsiteY0" fmla="*/ 0 h 2927235"/>
+                <a:gd name="connsiteX1" fmla="*/ 388620 w 388620"/>
+                <a:gd name="connsiteY1" fmla="*/ 194310 h 2927235"/>
+                <a:gd name="connsiteX2" fmla="*/ 388620 w 388620"/>
+                <a:gd name="connsiteY2" fmla="*/ 2927235 h 2927235"/>
+                <a:gd name="connsiteX3" fmla="*/ 379599 w 388620"/>
+                <a:gd name="connsiteY3" fmla="*/ 2898175 h 2927235"/>
+                <a:gd name="connsiteX4" fmla="*/ 194310 w 388620"/>
+                <a:gd name="connsiteY4" fmla="*/ 2775357 h 2927235"/>
+                <a:gd name="connsiteX5" fmla="*/ 9021 w 388620"/>
+                <a:gd name="connsiteY5" fmla="*/ 2898175 h 2927235"/>
+                <a:gd name="connsiteX6" fmla="*/ 0 w 388620"/>
+                <a:gd name="connsiteY6" fmla="*/ 2927235 h 2927235"/>
+                <a:gd name="connsiteX7" fmla="*/ 0 w 388620"/>
+                <a:gd name="connsiteY7" fmla="*/ 194310 h 2927235"/>
+                <a:gd name="connsiteX8" fmla="*/ 194310 w 388620"/>
+                <a:gd name="connsiteY8" fmla="*/ 0 h 2927235"/>
+              </a:gdLst>
+              <a:ahLst/>
+              <a:cxnLst>
+                <a:cxn ang="0">
+                  <a:pos x="connsiteX0" y="connsiteY0"/>
+                </a:cxn>
+                <a:cxn ang="0">
+                  <a:pos x="connsiteX1" y="connsiteY1"/>
+                </a:cxn>
+                <a:cxn ang="0">
+                  <a:pos x="connsiteX2" y="connsiteY2"/>
+                </a:cxn>
+                <a:cxn ang="0">
+                  <a:pos x="connsiteX3" y="connsiteY3"/>
+                </a:cxn>
+                <a:cxn ang="0">
+                  <a:pos x="connsiteX4" y="connsiteY4"/>
+                </a:cxn>
+                <a:cxn ang="0">
+                  <a:pos x="connsiteX5" y="connsiteY5"/>
+                </a:cxn>
+                <a:cxn ang="0">
+                  <a:pos x="connsiteX6" y="connsiteY6"/>
+                </a:cxn>
+                <a:cxn ang="0">
+                  <a:pos x="connsiteX7" y="connsiteY7"/>
+                </a:cxn>
+                <a:cxn ang="0">
+                  <a:pos x="connsiteX8" y="connsiteY8"/>
+                </a:cxn>
+              </a:cxnLst>
+              <a:rect l="l" t="t" r="r" b="b"/>
+              <a:pathLst>
+                <a:path w="388620" h="2927235">
+                  <a:moveTo>
+                    <a:pt x="194310" y="0"/>
+                  </a:moveTo>
+                  <a:cubicBezTo>
+                    <a:pt x="301624" y="0"/>
+                    <a:pt x="388620" y="86996"/>
+                    <a:pt x="388620" y="194310"/>
+                  </a:cubicBezTo>
+                  <a:lnTo>
+                    <a:pt x="388620" y="2927235"/>
+                  </a:lnTo>
+                  <a:lnTo>
+                    <a:pt x="379599" y="2898175"/>
+                  </a:lnTo>
+                  <a:cubicBezTo>
+                    <a:pt x="349072" y="2826000"/>
+                    <a:pt x="277605" y="2775357"/>
+                    <a:pt x="194310" y="2775357"/>
+                  </a:cubicBezTo>
+                  <a:cubicBezTo>
+                    <a:pt x="111015" y="2775357"/>
+                    <a:pt x="39548" y="2826000"/>
+                    <a:pt x="9021" y="2898175"/>
+                  </a:cubicBezTo>
+                  <a:lnTo>
+                    <a:pt x="0" y="2927235"/>
+                  </a:lnTo>
+                  <a:lnTo>
+                    <a:pt x="0" y="194310"/>
+                  </a:lnTo>
+                  <a:cubicBezTo>
+                    <a:pt x="0" y="86996"/>
+                    <a:pt x="86996" y="0"/>
+                    <a:pt x="194310" y="0"/>
+                  </a:cubicBezTo>
+                  <a:close/>
+                </a:path>
+              </a:pathLst>
+            </a:custGeom>
+            <a:gradFill flip="none" rotWithShape="1">
+              <a:gsLst>
+                <a:gs pos="0">
+                  <a:schemeClr val="bg1">
+                    <a:shade val="67500"/>
+                    <a:satMod val="115000"/>
+                  </a:schemeClr>
+                </a:gs>
+                <a:gs pos="100000">
+                  <a:schemeClr val="bg1">
+                    <a:shade val="100000"/>
+                    <a:satMod val="115000"/>
+                  </a:schemeClr>
+                </a:gs>
+              </a:gsLst>
+              <a:lin ang="10800000" scaled="1"/>
+              <a:tileRect/>
+            </a:gradFill>
+            <a:ln>
+              <a:noFill/>
+            </a:ln>
+            <a:effectLst>
+              <a:outerShdw blurRad="88900" dist="139700" dir="5400000" sx="98000" sy="98000" algn="t" rotWithShape="0">
+                <a:prstClr val="black">
+                  <a:alpha val="40000"/>
+                </a:prstClr>
+              </a:outerShdw>
+            </a:effectLst>
+          </p:spPr>
+          <p:style>
+            <a:lnRef idx="2">
+              <a:schemeClr val="accent1">
+                <a:shade val="50000"/>
+              </a:schemeClr>
+            </a:lnRef>
+            <a:fillRef idx="1">
+              <a:schemeClr val="accent1"/>
+            </a:fillRef>
+            <a:effectRef idx="0">
+              <a:schemeClr val="accent1"/>
+            </a:effectRef>
+            <a:fontRef idx="minor">
+              <a:schemeClr val="lt1"/>
+            </a:fontRef>
+          </p:style>
+          <p:txBody>
+            <a:bodyPr rtlCol="0" anchor="ctr"/>
+            <a:lstStyle/>
+            <a:p>
+              <a:pPr algn="ctr"/>
+              <a:endParaRPr lang="ko-KR" altLang="en-US" sz="2400"/>
+            </a:p>
+          </p:txBody>
+        </p:sp>
+        <p:sp>
+          <p:nvSpPr>
+            <p:cNvPr id="41" name="자유형 40"/>
+            <p:cNvSpPr/>
+            <p:nvPr/>
+          </p:nvSpPr>
+          <p:spPr>
+            <a:xfrm>
+              <a:off x="754421" y="2614644"/>
+              <a:ext cx="681439" cy="3343259"/>
+            </a:xfrm>
+            <a:custGeom>
+              <a:avLst/>
+              <a:gdLst>
+                <a:gd name="connsiteX0" fmla="*/ 194310 w 388620"/>
+                <a:gd name="connsiteY0" fmla="*/ 0 h 2927235"/>
+                <a:gd name="connsiteX1" fmla="*/ 388620 w 388620"/>
+                <a:gd name="connsiteY1" fmla="*/ 194310 h 2927235"/>
+                <a:gd name="connsiteX2" fmla="*/ 388620 w 388620"/>
+                <a:gd name="connsiteY2" fmla="*/ 2927235 h 2927235"/>
+                <a:gd name="connsiteX3" fmla="*/ 379599 w 388620"/>
+                <a:gd name="connsiteY3" fmla="*/ 2898175 h 2927235"/>
+                <a:gd name="connsiteX4" fmla="*/ 194310 w 388620"/>
+                <a:gd name="connsiteY4" fmla="*/ 2775357 h 2927235"/>
+                <a:gd name="connsiteX5" fmla="*/ 9021 w 388620"/>
+                <a:gd name="connsiteY5" fmla="*/ 2898175 h 2927235"/>
+                <a:gd name="connsiteX6" fmla="*/ 0 w 388620"/>
+                <a:gd name="connsiteY6" fmla="*/ 2927235 h 2927235"/>
+                <a:gd name="connsiteX7" fmla="*/ 0 w 388620"/>
+                <a:gd name="connsiteY7" fmla="*/ 194310 h 2927235"/>
+                <a:gd name="connsiteX8" fmla="*/ 194310 w 388620"/>
+                <a:gd name="connsiteY8" fmla="*/ 0 h 2927235"/>
+              </a:gdLst>
+              <a:ahLst/>
+              <a:cxnLst>
+                <a:cxn ang="0">
+                  <a:pos x="connsiteX0" y="connsiteY0"/>
+                </a:cxn>
+                <a:cxn ang="0">
+                  <a:pos x="connsiteX1" y="connsiteY1"/>
+                </a:cxn>
+                <a:cxn ang="0">
+                  <a:pos x="connsiteX2" y="connsiteY2"/>
+                </a:cxn>
+                <a:cxn ang="0">
+                  <a:pos x="connsiteX3" y="connsiteY3"/>
+                </a:cxn>
+                <a:cxn ang="0">
+                  <a:pos x="connsiteX4" y="connsiteY4"/>
+                </a:cxn>
+                <a:cxn ang="0">
+                  <a:pos x="connsiteX5" y="connsiteY5"/>
+                </a:cxn>
+                <a:cxn ang="0">
+                  <a:pos x="connsiteX6" y="connsiteY6"/>
+                </a:cxn>
+                <a:cxn ang="0">
+                  <a:pos x="connsiteX7" y="connsiteY7"/>
+                </a:cxn>
+                <a:cxn ang="0">
+                  <a:pos x="connsiteX8" y="connsiteY8"/>
+                </a:cxn>
+              </a:cxnLst>
+              <a:rect l="l" t="t" r="r" b="b"/>
+              <a:pathLst>
+                <a:path w="388620" h="2927235">
+                  <a:moveTo>
+                    <a:pt x="194310" y="0"/>
+                  </a:moveTo>
+                  <a:cubicBezTo>
+                    <a:pt x="301624" y="0"/>
+                    <a:pt x="388620" y="86996"/>
+                    <a:pt x="388620" y="194310"/>
+                  </a:cubicBezTo>
+                  <a:lnTo>
+                    <a:pt x="388620" y="2927235"/>
+                  </a:lnTo>
+                  <a:lnTo>
+                    <a:pt x="379599" y="2898175"/>
+                  </a:lnTo>
+                  <a:cubicBezTo>
+                    <a:pt x="349072" y="2826000"/>
+                    <a:pt x="277605" y="2775357"/>
+                    <a:pt x="194310" y="2775357"/>
+                  </a:cubicBezTo>
+                  <a:cubicBezTo>
+                    <a:pt x="111015" y="2775357"/>
+                    <a:pt x="39548" y="2826000"/>
+                    <a:pt x="9021" y="2898175"/>
+                  </a:cubicBezTo>
+                  <a:lnTo>
+                    <a:pt x="0" y="2927235"/>
+                  </a:lnTo>
+                  <a:lnTo>
+                    <a:pt x="0" y="194310"/>
+                  </a:lnTo>
+                  <a:cubicBezTo>
+                    <a:pt x="0" y="86996"/>
+                    <a:pt x="86996" y="0"/>
+                    <a:pt x="194310" y="0"/>
+                  </a:cubicBezTo>
+                  <a:close/>
+                </a:path>
+              </a:pathLst>
+            </a:custGeom>
+            <a:gradFill flip="none" rotWithShape="1">
+              <a:gsLst>
+                <a:gs pos="0">
+                  <a:schemeClr val="bg1">
+                    <a:shade val="67500"/>
+                    <a:satMod val="115000"/>
+                  </a:schemeClr>
+                </a:gs>
+                <a:gs pos="100000">
+                  <a:schemeClr val="bg1">
+                    <a:shade val="100000"/>
+                    <a:satMod val="115000"/>
+                  </a:schemeClr>
+                </a:gs>
+              </a:gsLst>
+              <a:lin ang="10800000" scaled="1"/>
+              <a:tileRect/>
+            </a:gradFill>
+            <a:ln>
+              <a:noFill/>
+            </a:ln>
+            <a:effectLst>
+              <a:outerShdw blurRad="88900" dist="139700" dir="5400000" sx="98000" sy="98000" algn="t" rotWithShape="0">
+                <a:prstClr val="black">
+                  <a:alpha val="40000"/>
+                </a:prstClr>
+              </a:outerShdw>
+            </a:effectLst>
+          </p:spPr>
+          <p:style>
+            <a:lnRef idx="2">
+              <a:schemeClr val="accent1">
+                <a:shade val="50000"/>
+              </a:schemeClr>
+            </a:lnRef>
+            <a:fillRef idx="1">
+              <a:schemeClr val="accent1"/>
+            </a:fillRef>
+            <a:effectRef idx="0">
+              <a:schemeClr val="accent1"/>
+            </a:effectRef>
+            <a:fontRef idx="minor">
+              <a:schemeClr val="lt1"/>
+            </a:fontRef>
+          </p:style>
+          <p:txBody>
+            <a:bodyPr rtlCol="0" anchor="ctr"/>
+            <a:lstStyle/>
+            <a:p>
+              <a:pPr algn="ctr"/>
+              <a:endParaRPr lang="ko-KR" altLang="en-US" sz="2400"/>
+            </a:p>
+          </p:txBody>
+        </p:sp>
+        <p:sp>
+          <p:nvSpPr>
+            <p:cNvPr id="42" name="자유형 41"/>
+            <p:cNvSpPr/>
+            <p:nvPr/>
+          </p:nvSpPr>
+          <p:spPr>
+            <a:xfrm>
+              <a:off x="586490" y="739768"/>
+              <a:ext cx="1017302" cy="4991063"/>
+            </a:xfrm>
+            <a:custGeom>
+              <a:avLst/>
+              <a:gdLst>
+                <a:gd name="connsiteX0" fmla="*/ 194310 w 388620"/>
+                <a:gd name="connsiteY0" fmla="*/ 0 h 2927235"/>
+                <a:gd name="connsiteX1" fmla="*/ 388620 w 388620"/>
+                <a:gd name="connsiteY1" fmla="*/ 194310 h 2927235"/>
+                <a:gd name="connsiteX2" fmla="*/ 388620 w 388620"/>
+                <a:gd name="connsiteY2" fmla="*/ 2927235 h 2927235"/>
+                <a:gd name="connsiteX3" fmla="*/ 379599 w 388620"/>
+                <a:gd name="connsiteY3" fmla="*/ 2898175 h 2927235"/>
+                <a:gd name="connsiteX4" fmla="*/ 194310 w 388620"/>
+                <a:gd name="connsiteY4" fmla="*/ 2775357 h 2927235"/>
+                <a:gd name="connsiteX5" fmla="*/ 9021 w 388620"/>
+                <a:gd name="connsiteY5" fmla="*/ 2898175 h 2927235"/>
+                <a:gd name="connsiteX6" fmla="*/ 0 w 388620"/>
+                <a:gd name="connsiteY6" fmla="*/ 2927235 h 2927235"/>
+                <a:gd name="connsiteX7" fmla="*/ 0 w 388620"/>
+                <a:gd name="connsiteY7" fmla="*/ 194310 h 2927235"/>
+                <a:gd name="connsiteX8" fmla="*/ 194310 w 388620"/>
+                <a:gd name="connsiteY8" fmla="*/ 0 h 2927235"/>
+              </a:gdLst>
+              <a:ahLst/>
+              <a:cxnLst>
+                <a:cxn ang="0">
+                  <a:pos x="connsiteX0" y="connsiteY0"/>
+                </a:cxn>
+                <a:cxn ang="0">
+                  <a:pos x="connsiteX1" y="connsiteY1"/>
+                </a:cxn>
+                <a:cxn ang="0">
+                  <a:pos x="connsiteX2" y="connsiteY2"/>
+                </a:cxn>
+                <a:cxn ang="0">
+                  <a:pos x="connsiteX3" y="connsiteY3"/>
+                </a:cxn>
+                <a:cxn ang="0">
+                  <a:pos x="connsiteX4" y="connsiteY4"/>
+                </a:cxn>
+                <a:cxn ang="0">
+                  <a:pos x="connsiteX5" y="connsiteY5"/>
+                </a:cxn>
+                <a:cxn ang="0">
+                  <a:pos x="connsiteX6" y="connsiteY6"/>
+                </a:cxn>
+                <a:cxn ang="0">
+                  <a:pos x="connsiteX7" y="connsiteY7"/>
+                </a:cxn>
+                <a:cxn ang="0">
+                  <a:pos x="connsiteX8" y="connsiteY8"/>
+                </a:cxn>
+              </a:cxnLst>
+              <a:rect l="l" t="t" r="r" b="b"/>
+              <a:pathLst>
+                <a:path w="388620" h="2927235">
+                  <a:moveTo>
+                    <a:pt x="194310" y="0"/>
+                  </a:moveTo>
+                  <a:cubicBezTo>
+                    <a:pt x="301624" y="0"/>
+                    <a:pt x="388620" y="86996"/>
+                    <a:pt x="388620" y="194310"/>
+                  </a:cubicBezTo>
+                  <a:lnTo>
+                    <a:pt x="388620" y="2927235"/>
+                  </a:lnTo>
+                  <a:lnTo>
+                    <a:pt x="379599" y="2898175"/>
+                  </a:lnTo>
+                  <a:cubicBezTo>
+                    <a:pt x="349072" y="2826000"/>
+                    <a:pt x="277605" y="2775357"/>
+                    <a:pt x="194310" y="2775357"/>
+                  </a:cubicBezTo>
+                  <a:cubicBezTo>
+                    <a:pt x="111015" y="2775357"/>
+                    <a:pt x="39548" y="2826000"/>
+                    <a:pt x="9021" y="2898175"/>
+                  </a:cubicBezTo>
+                  <a:lnTo>
+                    <a:pt x="0" y="2927235"/>
+                  </a:lnTo>
+                  <a:lnTo>
+                    <a:pt x="0" y="194310"/>
+                  </a:lnTo>
+                  <a:cubicBezTo>
+                    <a:pt x="0" y="86996"/>
+                    <a:pt x="86996" y="0"/>
+                    <a:pt x="194310" y="0"/>
+                  </a:cubicBezTo>
+                  <a:close/>
+                </a:path>
+              </a:pathLst>
+            </a:custGeom>
+            <a:gradFill flip="none" rotWithShape="1">
+              <a:gsLst>
+                <a:gs pos="0">
+                  <a:schemeClr val="bg1">
+                    <a:shade val="67500"/>
+                    <a:satMod val="115000"/>
+                  </a:schemeClr>
+                </a:gs>
+                <a:gs pos="100000">
+                  <a:schemeClr val="bg1">
+                    <a:shade val="100000"/>
+                    <a:satMod val="115000"/>
+                  </a:schemeClr>
+                </a:gs>
+              </a:gsLst>
+              <a:lin ang="10800000" scaled="1"/>
+              <a:tileRect/>
+            </a:gradFill>
+            <a:ln>
+              <a:noFill/>
+            </a:ln>
+            <a:effectLst>
+              <a:outerShdw blurRad="88900" dist="139700" dir="5400000" sx="98000" sy="98000" algn="t" rotWithShape="0">
+                <a:prstClr val="black">
+                  <a:alpha val="40000"/>
+                </a:prstClr>
+              </a:outerShdw>
+            </a:effectLst>
+          </p:spPr>
+          <p:style>
+            <a:lnRef idx="2">
+              <a:schemeClr val="accent1">
+                <a:shade val="50000"/>
+              </a:schemeClr>
+            </a:lnRef>
+            <a:fillRef idx="1">
+              <a:schemeClr val="accent1"/>
+            </a:fillRef>
+            <a:effectRef idx="0">
+              <a:schemeClr val="accent1"/>
+            </a:effectRef>
+            <a:fontRef idx="minor">
+              <a:schemeClr val="lt1"/>
+            </a:fontRef>
+          </p:style>
+          <p:txBody>
+            <a:bodyPr rtlCol="0" anchor="ctr"/>
+            <a:lstStyle/>
+            <a:p>
+              <a:pPr algn="ctr"/>
+              <a:endParaRPr lang="ko-KR" altLang="en-US" sz="2400"/>
+            </a:p>
+          </p:txBody>
+        </p:sp>
+      </p:grpSp>
+      <p:sp>
+        <p:nvSpPr>
+          <p:cNvPr id="43" name="직사각형 42"/>
+          <p:cNvSpPr/>
+          <p:nvPr/>
+        </p:nvSpPr>
+        <p:spPr>
+          <a:xfrm>
+            <a:off x="1121067" y="522708"/>
+            <a:ext cx="8789911" cy="646331"/>
+          </a:xfrm>
+          <a:prstGeom prst="rect">
+            <a:avLst/>
+          </a:prstGeom>
+        </p:spPr>
+        <p:txBody>
+          <a:bodyPr wrap="square" lIns="91440" tIns="45720" rIns="91440" bIns="45720">
+            <a:spAutoFit/>
+          </a:bodyPr>
+          <a:lstStyle/>
+          <a:p>
+            <a:pPr>
+              <a:lnSpc>
+                <a:spcPct val="150000"/>
+              </a:lnSpc>
+            </a:pPr>
+            <a:r>
+              <a:rPr lang="en-US" altLang="ko-KR" sz="2400" b="1" dirty="0">
+                <a:solidFill>
+                  <a:schemeClr val="tx1">
+                    <a:lumMod val="75000"/>
+                    <a:lumOff val="25000"/>
+                  </a:schemeClr>
+                </a:solidFill>
+                <a:latin typeface="+mj-ea"/>
+                <a:ea typeface="+mj-ea"/>
+              </a:rPr>
+              <a:t>[ </a:t>
+            </a:r>
+            <a:r>
+              <a:rPr lang="ko-KR" altLang="en-US" sz="2400" b="1" dirty="0">
+                <a:solidFill>
+                  <a:schemeClr val="tx1">
+                    <a:lumMod val="75000"/>
+                    <a:lumOff val="25000"/>
+                  </a:schemeClr>
+                </a:solidFill>
+                <a:latin typeface="+mj-ea"/>
+                <a:ea typeface="+mj-ea"/>
+              </a:rPr>
+              <a:t>화면설계 </a:t>
+            </a:r>
+            <a:r>
+              <a:rPr lang="en-US" altLang="ko-KR" sz="2400" b="1" dirty="0">
+                <a:solidFill>
+                  <a:schemeClr val="tx1">
+                    <a:lumMod val="75000"/>
+                    <a:lumOff val="25000"/>
+                  </a:schemeClr>
+                </a:solidFill>
+                <a:latin typeface="+mj-ea"/>
+                <a:ea typeface="+mj-ea"/>
+              </a:rPr>
+              <a:t>] </a:t>
+            </a:r>
+            <a:r>
+              <a:rPr lang="ko-KR" altLang="en-US" sz="2400" b="1" dirty="0">
+                <a:solidFill>
+                  <a:schemeClr val="tx1">
+                    <a:lumMod val="75000"/>
+                    <a:lumOff val="25000"/>
+                  </a:schemeClr>
+                </a:solidFill>
+                <a:latin typeface="+mj-ea"/>
+                <a:ea typeface="+mj-ea"/>
+              </a:rPr>
+              <a:t>사용자 </a:t>
+            </a:r>
+            <a:r>
+              <a:rPr lang="en-US" altLang="ko-KR" sz="2400" b="1" dirty="0">
+                <a:solidFill>
+                  <a:schemeClr val="tx1">
+                    <a:lumMod val="75000"/>
+                    <a:lumOff val="25000"/>
+                  </a:schemeClr>
+                </a:solidFill>
+                <a:latin typeface="+mj-ea"/>
+                <a:ea typeface="+mj-ea"/>
+              </a:rPr>
+              <a:t>- </a:t>
+            </a:r>
+            <a:r>
+              <a:rPr lang="ko-KR" altLang="en-US" sz="2400" b="1">
+                <a:solidFill>
+                  <a:schemeClr val="tx1">
+                    <a:lumMod val="75000"/>
+                    <a:lumOff val="25000"/>
+                  </a:schemeClr>
+                </a:solidFill>
+                <a:latin typeface="+mj-ea"/>
+                <a:ea typeface="+mj-ea"/>
+              </a:rPr>
+              <a:t>웹 </a:t>
+            </a:r>
+            <a:r>
+              <a:rPr lang="en-US" altLang="ko-KR" sz="2400" b="1" smtClean="0">
+                <a:solidFill>
+                  <a:schemeClr val="tx1">
+                    <a:lumMod val="75000"/>
+                    <a:lumOff val="25000"/>
+                  </a:schemeClr>
+                </a:solidFill>
+                <a:latin typeface="+mj-ea"/>
+                <a:ea typeface="+mj-ea"/>
+              </a:rPr>
+              <a:t>– </a:t>
+            </a:r>
+            <a:r>
+              <a:rPr lang="ko-KR" altLang="en-US" sz="2400" b="1" smtClean="0">
+                <a:solidFill>
+                  <a:schemeClr val="tx1">
+                    <a:lumMod val="75000"/>
+                    <a:lumOff val="25000"/>
+                  </a:schemeClr>
+                </a:solidFill>
+                <a:latin typeface="+mj-ea"/>
+                <a:ea typeface="+mj-ea"/>
+              </a:rPr>
+              <a:t>리워드 스토어 </a:t>
+            </a:r>
+            <a:r>
+              <a:rPr lang="en-US" altLang="ko-KR" sz="2400" b="1" smtClean="0">
+                <a:solidFill>
+                  <a:schemeClr val="tx1">
+                    <a:lumMod val="75000"/>
+                    <a:lumOff val="25000"/>
+                  </a:schemeClr>
+                </a:solidFill>
+                <a:latin typeface="+mj-ea"/>
+                <a:ea typeface="+mj-ea"/>
+              </a:rPr>
+              <a:t>- </a:t>
+            </a:r>
+            <a:r>
+              <a:rPr lang="ko-KR" altLang="en-US" sz="2400" b="1" smtClean="0">
+                <a:solidFill>
+                  <a:schemeClr val="tx1">
+                    <a:lumMod val="75000"/>
+                    <a:lumOff val="25000"/>
+                  </a:schemeClr>
+                </a:solidFill>
+                <a:latin typeface="+mj-ea"/>
+                <a:ea typeface="+mj-ea"/>
+              </a:rPr>
+              <a:t>상품문의하기</a:t>
+            </a:r>
+            <a:endParaRPr lang="ko-KR" altLang="en-US" sz="2400" b="1" dirty="0">
+              <a:solidFill>
+                <a:schemeClr val="tx1">
+                  <a:lumMod val="75000"/>
+                  <a:lumOff val="25000"/>
+                </a:schemeClr>
+              </a:solidFill>
+              <a:latin typeface="+mj-ea"/>
+              <a:ea typeface="+mj-ea"/>
+            </a:endParaRPr>
+          </a:p>
+        </p:txBody>
+      </p:sp>
+      <p:graphicFrame>
+        <p:nvGraphicFramePr>
+          <p:cNvPr id="4" name="표 3"/>
+          <p:cNvGraphicFramePr>
+            <a:graphicFrameLocks noGrp="1"/>
+          </p:cNvGraphicFramePr>
+          <p:nvPr>
+            <p:extLst/>
+          </p:nvPr>
+        </p:nvGraphicFramePr>
+        <p:xfrm>
+          <a:off x="9168341" y="1433634"/>
+          <a:ext cx="2688299" cy="915066"/>
+        </p:xfrm>
+        <a:graphic>
+          <a:graphicData uri="http://schemas.openxmlformats.org/drawingml/2006/table">
+            <a:tbl>
+              <a:tblPr firstRow="1" bandRow="1"/>
+              <a:tblGrid>
+                <a:gridCol w="2688299"/>
+              </a:tblGrid>
+              <a:tr h="424495">
+                <a:tc>
+                  <a:txBody>
+                    <a:bodyPr/>
+                    <a:lstStyle/>
+                    <a:p>
+                      <a:pPr algn="ctr" latinLnBrk="1"/>
+                      <a:r>
+                        <a:rPr lang="ko-KR" altLang="en-US" sz="1200" b="1" dirty="0" smtClean="0">
+                          <a:solidFill>
+                            <a:schemeClr val="tx1"/>
+                          </a:solidFill>
+                          <a:latin typeface="+mj-ea"/>
+                          <a:ea typeface="+mj-ea"/>
+                        </a:rPr>
+                        <a:t>화면코드</a:t>
+                      </a:r>
+                      <a:endParaRPr lang="ko-KR" altLang="en-US" sz="1200" b="1" dirty="0">
+                        <a:solidFill>
+                          <a:schemeClr val="tx1"/>
+                        </a:solidFill>
+                        <a:latin typeface="+mj-ea"/>
+                        <a:ea typeface="+mj-ea"/>
+                      </a:endParaRPr>
+                    </a:p>
+                  </a:txBody>
+                  <a:tcPr marL="121920" marR="121920" marT="60960" marB="60960" anchor="ctr">
+                    <a:solidFill>
+                      <a:srgbClr val="FF9E00"/>
+                    </a:solidFill>
+                  </a:tcPr>
+                </a:tc>
+              </a:tr>
+              <a:tr h="490571">
+                <a:tc>
+                  <a:txBody>
+                    <a:bodyPr/>
+                    <a:lstStyle/>
+                    <a:p>
+                      <a:pPr algn="ctr" latinLnBrk="1"/>
+                      <a:endParaRPr lang="ko-KR" altLang="en-US" sz="1500" dirty="0">
+                        <a:latin typeface="+mj-ea"/>
+                        <a:ea typeface="+mj-ea"/>
+                      </a:endParaRPr>
+                    </a:p>
+                  </a:txBody>
+                  <a:tcPr marL="121920" marR="121920" marT="60960" marB="60960" anchor="ctr"/>
+                </a:tc>
+              </a:tr>
+            </a:tbl>
+          </a:graphicData>
+        </a:graphic>
+      </p:graphicFrame>
+      <p:sp>
+        <p:nvSpPr>
+          <p:cNvPr id="19" name="직사각형 18"/>
+          <p:cNvSpPr/>
+          <p:nvPr/>
+        </p:nvSpPr>
+        <p:spPr>
+          <a:xfrm>
+            <a:off x="1081171" y="1433634"/>
+            <a:ext cx="7895148" cy="4875687"/>
+          </a:xfrm>
+          <a:prstGeom prst="rect">
+            <a:avLst/>
+          </a:prstGeom>
+          <a:noFill/>
+          <a:ln w="9525">
+            <a:solidFill>
+              <a:schemeClr val="tx1"/>
+            </a:solidFill>
+          </a:ln>
+        </p:spPr>
+        <p:style>
+          <a:lnRef idx="2">
+            <a:schemeClr val="accent1">
+              <a:shade val="50000"/>
+            </a:schemeClr>
+          </a:lnRef>
+          <a:fillRef idx="1">
+            <a:schemeClr val="accent1"/>
+          </a:fillRef>
+          <a:effectRef idx="0">
+            <a:schemeClr val="accent1"/>
+          </a:effectRef>
+          <a:fontRef idx="minor">
+            <a:schemeClr val="lt1"/>
+          </a:fontRef>
+        </p:style>
+        <p:txBody>
+          <a:bodyPr rtlCol="0" anchor="ctr"/>
+          <a:lstStyle/>
+          <a:p>
+            <a:pPr algn="ctr"/>
+            <a:endParaRPr lang="ko-KR" altLang="en-US" sz="2400">
+              <a:noFill/>
+            </a:endParaRPr>
+          </a:p>
+        </p:txBody>
+      </p:sp>
+      <p:graphicFrame>
+        <p:nvGraphicFramePr>
+          <p:cNvPr id="6" name="표 5"/>
+          <p:cNvGraphicFramePr>
+            <a:graphicFrameLocks noGrp="1"/>
+          </p:cNvGraphicFramePr>
+          <p:nvPr>
+            <p:extLst/>
+          </p:nvPr>
+        </p:nvGraphicFramePr>
+        <p:xfrm>
+          <a:off x="9168341" y="2479152"/>
+          <a:ext cx="2688299" cy="3570331"/>
+        </p:xfrm>
+        <a:graphic>
+          <a:graphicData uri="http://schemas.openxmlformats.org/drawingml/2006/table">
+            <a:tbl>
+              <a:tblPr firstRow="1" bandRow="1"/>
+              <a:tblGrid>
+                <a:gridCol w="280507"/>
+                <a:gridCol w="2407792"/>
+              </a:tblGrid>
+              <a:tr h="469796">
+                <a:tc>
+                  <a:txBody>
+                    <a:bodyPr/>
+                    <a:lstStyle/>
+                    <a:p>
+                      <a:pPr algn="ctr" latinLnBrk="1"/>
+                      <a:r>
+                        <a:rPr lang="en-US" altLang="ko-KR" sz="1200" b="1" dirty="0" smtClean="0">
+                          <a:latin typeface="+mj-ea"/>
+                          <a:ea typeface="+mj-ea"/>
+                        </a:rPr>
+                        <a:t>#</a:t>
+                      </a:r>
+                      <a:endParaRPr lang="ko-KR" altLang="en-US" sz="1200" b="1" dirty="0">
+                        <a:latin typeface="+mj-ea"/>
+                        <a:ea typeface="+mj-ea"/>
+                      </a:endParaRPr>
+                    </a:p>
+                  </a:txBody>
+                  <a:tcPr marL="121920" marR="121920" marT="60960" marB="60960" anchor="ctr">
+                    <a:solidFill>
+                      <a:srgbClr val="FF9E00"/>
+                    </a:solidFill>
+                  </a:tcPr>
+                </a:tc>
+                <a:tc>
+                  <a:txBody>
+                    <a:bodyPr/>
+                    <a:lstStyle/>
+                    <a:p>
+                      <a:pPr algn="ctr" latinLnBrk="1"/>
+                      <a:r>
+                        <a:rPr lang="ko-KR" altLang="en-US" sz="1200" b="1" dirty="0" smtClean="0">
+                          <a:latin typeface="+mj-ea"/>
+                          <a:ea typeface="+mj-ea"/>
+                        </a:rPr>
+                        <a:t>기능</a:t>
+                      </a:r>
+                      <a:endParaRPr lang="ko-KR" altLang="en-US" sz="1200" b="1" dirty="0">
+                        <a:latin typeface="+mj-ea"/>
+                        <a:ea typeface="+mj-ea"/>
+                      </a:endParaRPr>
+                    </a:p>
+                  </a:txBody>
+                  <a:tcPr marL="121920" marR="121920" marT="60960" marB="60960" anchor="ctr">
+                    <a:solidFill>
+                      <a:srgbClr val="FF9E00"/>
+                    </a:solidFill>
+                  </a:tcPr>
+                </a:tc>
+              </a:tr>
+              <a:tr h="620107">
+                <a:tc>
+                  <a:txBody>
+                    <a:bodyPr/>
+                    <a:lstStyle/>
+                    <a:p>
+                      <a:pPr algn="ctr" latinLnBrk="1"/>
+                      <a:r>
+                        <a:rPr lang="en-US" altLang="ko-KR" sz="1300" dirty="0" smtClean="0">
+                          <a:latin typeface="+mj-ea"/>
+                          <a:ea typeface="+mj-ea"/>
+                        </a:rPr>
+                        <a:t>1</a:t>
+                      </a:r>
+                      <a:endParaRPr lang="ko-KR" altLang="en-US" sz="1300" dirty="0">
+                        <a:latin typeface="+mj-ea"/>
+                        <a:ea typeface="+mj-ea"/>
+                      </a:endParaRPr>
+                    </a:p>
+                  </a:txBody>
+                  <a:tcPr marL="121920" marR="121920" marT="60960" marB="60960" anchor="ctr"/>
+                </a:tc>
+                <a:tc>
+                  <a:txBody>
+                    <a:bodyPr/>
+                    <a:lstStyle/>
+                    <a:p>
+                      <a:pPr algn="l" latinLnBrk="1">
+                        <a:lnSpc>
+                          <a:spcPts val="1300"/>
+                        </a:lnSpc>
+                      </a:pPr>
+                      <a:r>
+                        <a:rPr lang="ko-KR" altLang="en-US" sz="1200" b="1" smtClean="0">
+                          <a:latin typeface="+mj-ea"/>
+                          <a:ea typeface="+mj-ea"/>
+                        </a:rPr>
+                        <a:t>해당 문의종류</a:t>
+                      </a:r>
+                      <a:r>
+                        <a:rPr lang="ko-KR" altLang="en-US" sz="1200" b="1" baseline="0" smtClean="0">
+                          <a:latin typeface="+mj-ea"/>
+                          <a:ea typeface="+mj-ea"/>
+                        </a:rPr>
+                        <a:t> 선택</a:t>
+                      </a:r>
+                      <a:endParaRPr lang="ko-KR" altLang="en-US" sz="1200" dirty="0">
+                        <a:latin typeface="+mj-ea"/>
+                        <a:ea typeface="+mj-ea"/>
+                      </a:endParaRPr>
+                    </a:p>
+                  </a:txBody>
+                  <a:tcPr marL="121920" marR="121920" marT="60960" marB="60960"/>
+                </a:tc>
+              </a:tr>
+              <a:tr h="620107">
+                <a:tc>
+                  <a:txBody>
+                    <a:bodyPr/>
+                    <a:lstStyle/>
+                    <a:p>
+                      <a:pPr algn="ctr" latinLnBrk="1"/>
+                      <a:r>
+                        <a:rPr lang="en-US" altLang="ko-KR" sz="1300" dirty="0" smtClean="0">
+                          <a:latin typeface="+mj-ea"/>
+                          <a:ea typeface="+mj-ea"/>
+                        </a:rPr>
+                        <a:t>2</a:t>
+                      </a:r>
+                      <a:endParaRPr lang="ko-KR" altLang="en-US" sz="1300" dirty="0">
+                        <a:latin typeface="+mj-ea"/>
+                        <a:ea typeface="+mj-ea"/>
+                      </a:endParaRPr>
+                    </a:p>
+                  </a:txBody>
+                  <a:tcPr marL="121920" marR="121920" marT="60960" marB="60960" anchor="ctr"/>
+                </a:tc>
+                <a:tc>
+                  <a:txBody>
+                    <a:bodyPr/>
+                    <a:lstStyle/>
+                    <a:p>
+                      <a:pPr algn="l" latinLnBrk="1">
+                        <a:lnSpc>
+                          <a:spcPts val="1300"/>
+                        </a:lnSpc>
+                      </a:pPr>
+                      <a:r>
+                        <a:rPr lang="ko-KR" altLang="en-US" sz="1200" b="1" i="0" u="none" strike="noStrike" cap="none" smtClean="0">
+                          <a:solidFill>
+                            <a:srgbClr val="000000"/>
+                          </a:solidFill>
+                          <a:latin typeface="+mj-ea"/>
+                          <a:ea typeface="Arial"/>
+                          <a:cs typeface="Arial"/>
+                          <a:sym typeface="Arial"/>
+                        </a:rPr>
+                        <a:t>비밀글</a:t>
+                      </a:r>
+                      <a:r>
+                        <a:rPr lang="ko-KR" altLang="en-US" sz="1200" b="1" i="0" u="none" strike="noStrike" cap="none" baseline="0" smtClean="0">
+                          <a:solidFill>
+                            <a:srgbClr val="000000"/>
+                          </a:solidFill>
+                          <a:latin typeface="+mj-ea"/>
+                          <a:ea typeface="Arial"/>
+                          <a:cs typeface="Arial"/>
+                          <a:sym typeface="Arial"/>
+                        </a:rPr>
+                        <a:t> 선택시 비밀글로 등록</a:t>
+                      </a:r>
+                      <a:endParaRPr lang="ko-KR" altLang="en-US" sz="1200" b="0" i="0" u="none" strike="noStrike" cap="none" dirty="0" smtClean="0">
+                        <a:solidFill>
+                          <a:srgbClr val="000000"/>
+                        </a:solidFill>
+                        <a:latin typeface="+mj-ea"/>
+                        <a:ea typeface="Arial"/>
+                        <a:cs typeface="Arial"/>
+                        <a:sym typeface="Arial"/>
+                      </a:endParaRPr>
+                    </a:p>
+                  </a:txBody>
+                  <a:tcPr marL="121920" marR="121920" marT="60960" marB="60960"/>
+                </a:tc>
+              </a:tr>
+              <a:tr h="620107">
+                <a:tc>
+                  <a:txBody>
+                    <a:bodyPr/>
+                    <a:lstStyle/>
+                    <a:p>
+                      <a:pPr algn="ctr" latinLnBrk="1"/>
+                      <a:r>
+                        <a:rPr lang="en-US" altLang="ko-KR" sz="1300" dirty="0" smtClean="0">
+                          <a:latin typeface="+mj-ea"/>
+                          <a:ea typeface="+mj-ea"/>
+                        </a:rPr>
+                        <a:t>3</a:t>
+                      </a:r>
+                      <a:endParaRPr lang="ko-KR" altLang="en-US" sz="1300" dirty="0">
+                        <a:latin typeface="+mj-ea"/>
+                        <a:ea typeface="+mj-ea"/>
+                      </a:endParaRPr>
+                    </a:p>
+                  </a:txBody>
+                  <a:tcPr marL="121920" marR="121920" marT="60960" marB="60960" anchor="ctr"/>
+                </a:tc>
+                <a:tc>
+                  <a:txBody>
+                    <a:bodyPr/>
+                    <a:lstStyle/>
+                    <a:p>
+                      <a:pPr algn="l" latinLnBrk="1">
+                        <a:lnSpc>
+                          <a:spcPts val="1300"/>
+                        </a:lnSpc>
+                      </a:pPr>
+                      <a:endParaRPr lang="ko-KR" altLang="en-US" sz="1200" dirty="0">
+                        <a:latin typeface="+mj-ea"/>
+                        <a:ea typeface="+mj-ea"/>
+                      </a:endParaRPr>
+                    </a:p>
+                  </a:txBody>
+                  <a:tcPr marL="121920" marR="121920" marT="60960" marB="60960"/>
+                </a:tc>
+              </a:tr>
+              <a:tr h="620107">
+                <a:tc>
+                  <a:txBody>
+                    <a:bodyPr/>
+                    <a:lstStyle/>
+                    <a:p>
+                      <a:pPr algn="ctr" latinLnBrk="1"/>
+                      <a:r>
+                        <a:rPr lang="en-US" altLang="ko-KR" sz="1300" dirty="0" smtClean="0">
+                          <a:latin typeface="+mj-ea"/>
+                          <a:ea typeface="+mj-ea"/>
+                        </a:rPr>
+                        <a:t>4</a:t>
+                      </a:r>
+                      <a:endParaRPr lang="ko-KR" altLang="en-US" sz="1300" dirty="0">
+                        <a:latin typeface="+mj-ea"/>
+                        <a:ea typeface="+mj-ea"/>
+                      </a:endParaRPr>
+                    </a:p>
+                  </a:txBody>
+                  <a:tcPr marL="121920" marR="121920" marT="60960" marB="60960" anchor="ctr"/>
+                </a:tc>
+                <a:tc>
+                  <a:txBody>
+                    <a:bodyPr/>
+                    <a:lstStyle/>
+                    <a:p>
+                      <a:pPr algn="l" latinLnBrk="1">
+                        <a:lnSpc>
+                          <a:spcPts val="1300"/>
+                        </a:lnSpc>
+                      </a:pPr>
+                      <a:endParaRPr lang="ko-KR" altLang="en-US" sz="1200" dirty="0">
+                        <a:latin typeface="+mj-ea"/>
+                        <a:ea typeface="+mj-ea"/>
+                      </a:endParaRPr>
+                    </a:p>
+                  </a:txBody>
+                  <a:tcPr marL="121920" marR="121920" marT="60960" marB="60960"/>
+                </a:tc>
+              </a:tr>
+              <a:tr h="620107">
+                <a:tc>
+                  <a:txBody>
+                    <a:bodyPr/>
+                    <a:lstStyle/>
+                    <a:p>
+                      <a:pPr algn="ctr" latinLnBrk="1"/>
+                      <a:r>
+                        <a:rPr lang="en-US" altLang="ko-KR" sz="1300" dirty="0" smtClean="0">
+                          <a:latin typeface="+mj-ea"/>
+                          <a:ea typeface="+mj-ea"/>
+                        </a:rPr>
+                        <a:t>5</a:t>
+                      </a:r>
+                      <a:endParaRPr lang="ko-KR" altLang="en-US" sz="1300" dirty="0">
+                        <a:latin typeface="+mj-ea"/>
+                        <a:ea typeface="+mj-ea"/>
+                      </a:endParaRPr>
+                    </a:p>
+                  </a:txBody>
+                  <a:tcPr marL="121920" marR="121920" marT="60960" marB="60960" anchor="ctr"/>
+                </a:tc>
+                <a:tc>
+                  <a:txBody>
+                    <a:bodyPr/>
+                    <a:lstStyle/>
+                    <a:p>
+                      <a:pPr algn="l" latinLnBrk="1">
+                        <a:lnSpc>
+                          <a:spcPts val="1300"/>
+                        </a:lnSpc>
+                      </a:pPr>
+                      <a:endParaRPr lang="ko-KR" altLang="en-US" sz="1200" dirty="0">
+                        <a:latin typeface="+mj-ea"/>
+                        <a:ea typeface="+mj-ea"/>
+                      </a:endParaRPr>
+                    </a:p>
+                  </a:txBody>
+                  <a:tcPr marL="121920" marR="121920" marT="60960" marB="60960"/>
+                </a:tc>
+              </a:tr>
+            </a:tbl>
+          </a:graphicData>
+        </a:graphic>
+      </p:graphicFrame>
+      <p:pic>
+        <p:nvPicPr>
+          <p:cNvPr id="7" name="그림 6"/>
+          <p:cNvPicPr>
+            <a:picLocks noChangeAspect="1"/>
+          </p:cNvPicPr>
+          <p:nvPr/>
+        </p:nvPicPr>
+        <p:blipFill>
+          <a:blip r:embed="rId2"/>
+          <a:stretch>
+            <a:fillRect/>
+          </a:stretch>
+        </p:blipFill>
+        <p:spPr>
+          <a:xfrm>
+            <a:off x="3013789" y="1643748"/>
+            <a:ext cx="4321964" cy="4290522"/>
+          </a:xfrm>
+          <a:prstGeom prst="rect">
+            <a:avLst/>
+          </a:prstGeom>
+        </p:spPr>
+      </p:pic>
+    </p:spTree>
+    <p:extLst>
+      <p:ext uri="{BB962C8B-B14F-4D97-AF65-F5344CB8AC3E}">
+        <p14:creationId xmlns:p14="http://schemas.microsoft.com/office/powerpoint/2010/main" val="3404620020"/>
+      </p:ext>
+    </p:extLst>
+  </p:cSld>
+  <p:clrMapOvr>
+    <a:masterClrMapping/>
+  </p:clrMapOvr>
+  <p:timing>
+    <p:tnLst>
+      <p:par>
+        <p:cTn id="1" dur="indefinite" restart="never" nodeType="tmRoot"/>
+      </p:par>
+    </p:tnLst>
+  </p:timing>
+</p:sld>
+</file>
+
+<file path=ppt/slides/slide6.xml><?xml version="1.0" encoding="utf-8"?>
+<p:sld xmlns:a="http://schemas.openxmlformats.org/drawingml/2006/main" xmlns:r="http://schemas.openxmlformats.org/officeDocument/2006/relationships" xmlns:p="http://schemas.openxmlformats.org/presentationml/2006/main">
+  <p:cSld>
+    <p:spTree>
+      <p:nvGrpSpPr>
+        <p:cNvPr id="1" name=""/>
+        <p:cNvGrpSpPr/>
+        <p:nvPr/>
+      </p:nvGrpSpPr>
+      <p:grpSpPr>
+        <a:xfrm>
+          <a:off x="0" y="0"/>
+          <a:ext cx="0" cy="0"/>
+          <a:chOff x="0" y="0"/>
+          <a:chExt cx="0" cy="0"/>
+        </a:xfrm>
+      </p:grpSpPr>
+      <p:sp>
+        <p:nvSpPr>
+          <p:cNvPr id="18" name="직사각형 17"/>
+          <p:cNvSpPr/>
+          <p:nvPr/>
+        </p:nvSpPr>
+        <p:spPr>
+          <a:xfrm rot="21409477">
+            <a:off x="832974" y="128931"/>
+            <a:ext cx="9282799" cy="6218171"/>
+          </a:xfrm>
+          <a:prstGeom prst="rect">
+            <a:avLst/>
+          </a:prstGeom>
+          <a:solidFill>
+            <a:schemeClr val="bg1">
+              <a:lumMod val="95000"/>
+            </a:schemeClr>
+          </a:solidFill>
+          <a:ln>
+            <a:noFill/>
+          </a:ln>
+        </p:spPr>
+        <p:style>
+          <a:lnRef idx="2">
+            <a:schemeClr val="accent1">
+              <a:shade val="50000"/>
+            </a:schemeClr>
+          </a:lnRef>
+          <a:fillRef idx="1">
+            <a:schemeClr val="accent1"/>
+          </a:fillRef>
+          <a:effectRef idx="0">
+            <a:schemeClr val="accent1"/>
+          </a:effectRef>
+          <a:fontRef idx="minor">
+            <a:schemeClr val="lt1"/>
+          </a:fontRef>
+        </p:style>
+        <p:txBody>
+          <a:bodyPr lIns="91440" tIns="45720" rIns="91440" bIns="45720" rtlCol="0" anchor="ctr"/>
+          <a:lstStyle/>
+          <a:p>
+            <a:pPr algn="ctr"/>
+            <a:endParaRPr lang="ko-KR" altLang="en-US" sz="2400"/>
+          </a:p>
+        </p:txBody>
+      </p:sp>
+      <p:sp>
+        <p:nvSpPr>
+          <p:cNvPr id="5" name="직사각형 4"/>
+          <p:cNvSpPr/>
+          <p:nvPr/>
+        </p:nvSpPr>
+        <p:spPr>
+          <a:xfrm>
+            <a:off x="526742" y="260649"/>
+            <a:ext cx="11425909" cy="6392929"/>
+          </a:xfrm>
+          <a:prstGeom prst="rect">
+            <a:avLst/>
+          </a:prstGeom>
+          <a:gradFill flip="none" rotWithShape="1">
+            <a:gsLst>
+              <a:gs pos="100000">
+                <a:schemeClr val="bg1">
+                  <a:shade val="67500"/>
+                  <a:satMod val="115000"/>
+                </a:schemeClr>
+              </a:gs>
+              <a:gs pos="64000">
+                <a:schemeClr val="bg1">
+                  <a:shade val="100000"/>
+                  <a:satMod val="115000"/>
+                </a:schemeClr>
+              </a:gs>
+            </a:gsLst>
+            <a:lin ang="10800000" scaled="1"/>
+            <a:tileRect/>
+          </a:gradFill>
+          <a:ln>
+            <a:noFill/>
+          </a:ln>
+          <a:effectLst>
+            <a:outerShdw blurRad="228600" dist="76200" dir="16200000" rotWithShape="0">
+              <a:prstClr val="black">
+                <a:alpha val="40000"/>
+              </a:prstClr>
+            </a:outerShdw>
+          </a:effectLst>
+        </p:spPr>
+        <p:style>
+          <a:lnRef idx="2">
+            <a:schemeClr val="accent1">
+              <a:shade val="50000"/>
+            </a:schemeClr>
+          </a:lnRef>
+          <a:fillRef idx="1">
+            <a:schemeClr val="accent1"/>
+          </a:fillRef>
+          <a:effectRef idx="0">
+            <a:schemeClr val="accent1"/>
+          </a:effectRef>
+          <a:fontRef idx="minor">
+            <a:schemeClr val="lt1"/>
+          </a:fontRef>
+        </p:style>
+        <p:txBody>
+          <a:bodyPr lIns="91440" tIns="45720" rIns="91440" bIns="45720" rtlCol="0" anchor="ctr"/>
+          <a:lstStyle/>
+          <a:p>
+            <a:pPr algn="ctr"/>
+            <a:endParaRPr lang="ko-KR" altLang="en-US" sz="2400"/>
+          </a:p>
+        </p:txBody>
+      </p:sp>
+      <p:grpSp>
+        <p:nvGrpSpPr>
+          <p:cNvPr id="2" name="그룹 1"/>
+          <p:cNvGrpSpPr/>
+          <p:nvPr/>
+        </p:nvGrpSpPr>
+        <p:grpSpPr>
+          <a:xfrm>
+            <a:off x="143104" y="68627"/>
+            <a:ext cx="768321" cy="6704028"/>
+            <a:chOff x="586490" y="739768"/>
+            <a:chExt cx="1017302" cy="5420168"/>
+          </a:xfrm>
+        </p:grpSpPr>
+        <p:sp>
+          <p:nvSpPr>
+            <p:cNvPr id="39" name="자유형 38"/>
+            <p:cNvSpPr/>
+            <p:nvPr/>
+          </p:nvSpPr>
+          <p:spPr>
+            <a:xfrm rot="10800000">
+              <a:off x="586490" y="1041378"/>
+              <a:ext cx="1017302" cy="4991063"/>
+            </a:xfrm>
+            <a:custGeom>
+              <a:avLst/>
+              <a:gdLst>
+                <a:gd name="connsiteX0" fmla="*/ 194310 w 388620"/>
+                <a:gd name="connsiteY0" fmla="*/ 0 h 2927235"/>
+                <a:gd name="connsiteX1" fmla="*/ 388620 w 388620"/>
+                <a:gd name="connsiteY1" fmla="*/ 194310 h 2927235"/>
+                <a:gd name="connsiteX2" fmla="*/ 388620 w 388620"/>
+                <a:gd name="connsiteY2" fmla="*/ 2927235 h 2927235"/>
+                <a:gd name="connsiteX3" fmla="*/ 379599 w 388620"/>
+                <a:gd name="connsiteY3" fmla="*/ 2898175 h 2927235"/>
+                <a:gd name="connsiteX4" fmla="*/ 194310 w 388620"/>
+                <a:gd name="connsiteY4" fmla="*/ 2775357 h 2927235"/>
+                <a:gd name="connsiteX5" fmla="*/ 9021 w 388620"/>
+                <a:gd name="connsiteY5" fmla="*/ 2898175 h 2927235"/>
+                <a:gd name="connsiteX6" fmla="*/ 0 w 388620"/>
+                <a:gd name="connsiteY6" fmla="*/ 2927235 h 2927235"/>
+                <a:gd name="connsiteX7" fmla="*/ 0 w 388620"/>
+                <a:gd name="connsiteY7" fmla="*/ 194310 h 2927235"/>
+                <a:gd name="connsiteX8" fmla="*/ 194310 w 388620"/>
+                <a:gd name="connsiteY8" fmla="*/ 0 h 2927235"/>
+              </a:gdLst>
+              <a:ahLst/>
+              <a:cxnLst>
+                <a:cxn ang="0">
+                  <a:pos x="connsiteX0" y="connsiteY0"/>
+                </a:cxn>
+                <a:cxn ang="0">
+                  <a:pos x="connsiteX1" y="connsiteY1"/>
+                </a:cxn>
+                <a:cxn ang="0">
+                  <a:pos x="connsiteX2" y="connsiteY2"/>
+                </a:cxn>
+                <a:cxn ang="0">
+                  <a:pos x="connsiteX3" y="connsiteY3"/>
+                </a:cxn>
+                <a:cxn ang="0">
+                  <a:pos x="connsiteX4" y="connsiteY4"/>
+                </a:cxn>
+                <a:cxn ang="0">
+                  <a:pos x="connsiteX5" y="connsiteY5"/>
+                </a:cxn>
+                <a:cxn ang="0">
+                  <a:pos x="connsiteX6" y="connsiteY6"/>
+                </a:cxn>
+                <a:cxn ang="0">
+                  <a:pos x="connsiteX7" y="connsiteY7"/>
+                </a:cxn>
+                <a:cxn ang="0">
+                  <a:pos x="connsiteX8" y="connsiteY8"/>
+                </a:cxn>
+              </a:cxnLst>
+              <a:rect l="l" t="t" r="r" b="b"/>
+              <a:pathLst>
+                <a:path w="388620" h="2927235">
+                  <a:moveTo>
+                    <a:pt x="194310" y="0"/>
+                  </a:moveTo>
+                  <a:cubicBezTo>
+                    <a:pt x="301624" y="0"/>
+                    <a:pt x="388620" y="86996"/>
+                    <a:pt x="388620" y="194310"/>
+                  </a:cubicBezTo>
+                  <a:lnTo>
+                    <a:pt x="388620" y="2927235"/>
+                  </a:lnTo>
+                  <a:lnTo>
+                    <a:pt x="379599" y="2898175"/>
+                  </a:lnTo>
+                  <a:cubicBezTo>
+                    <a:pt x="349072" y="2826000"/>
+                    <a:pt x="277605" y="2775357"/>
+                    <a:pt x="194310" y="2775357"/>
+                  </a:cubicBezTo>
+                  <a:cubicBezTo>
+                    <a:pt x="111015" y="2775357"/>
+                    <a:pt x="39548" y="2826000"/>
+                    <a:pt x="9021" y="2898175"/>
+                  </a:cubicBezTo>
+                  <a:lnTo>
+                    <a:pt x="0" y="2927235"/>
+                  </a:lnTo>
+                  <a:lnTo>
+                    <a:pt x="0" y="194310"/>
+                  </a:lnTo>
+                  <a:cubicBezTo>
+                    <a:pt x="0" y="86996"/>
+                    <a:pt x="86996" y="0"/>
+                    <a:pt x="194310" y="0"/>
+                  </a:cubicBezTo>
+                  <a:close/>
+                </a:path>
+              </a:pathLst>
+            </a:custGeom>
+            <a:gradFill flip="none" rotWithShape="1">
+              <a:gsLst>
+                <a:gs pos="0">
+                  <a:schemeClr val="bg1">
+                    <a:shade val="67500"/>
+                    <a:satMod val="115000"/>
+                  </a:schemeClr>
+                </a:gs>
+                <a:gs pos="100000">
+                  <a:schemeClr val="bg1">
+                    <a:shade val="100000"/>
+                    <a:satMod val="115000"/>
+                  </a:schemeClr>
+                </a:gs>
+              </a:gsLst>
+              <a:lin ang="10800000" scaled="1"/>
+              <a:tileRect/>
+            </a:gradFill>
+            <a:ln>
+              <a:noFill/>
+            </a:ln>
+            <a:effectLst>
+              <a:outerShdw blurRad="88900" dist="139700" dir="5400000" sx="98000" sy="98000" algn="t" rotWithShape="0">
+                <a:prstClr val="black">
+                  <a:alpha val="40000"/>
+                </a:prstClr>
+              </a:outerShdw>
+            </a:effectLst>
+          </p:spPr>
+          <p:style>
+            <a:lnRef idx="2">
+              <a:schemeClr val="accent1">
+                <a:shade val="50000"/>
+              </a:schemeClr>
+            </a:lnRef>
+            <a:fillRef idx="1">
+              <a:schemeClr val="accent1"/>
+            </a:fillRef>
+            <a:effectRef idx="0">
+              <a:schemeClr val="accent1"/>
+            </a:effectRef>
+            <a:fontRef idx="minor">
+              <a:schemeClr val="lt1"/>
+            </a:fontRef>
+          </p:style>
+          <p:txBody>
+            <a:bodyPr rtlCol="0" anchor="ctr"/>
+            <a:lstStyle/>
+            <a:p>
+              <a:pPr algn="ctr"/>
+              <a:endParaRPr lang="ko-KR" altLang="en-US" sz="2400"/>
+            </a:p>
+          </p:txBody>
+        </p:sp>
+        <p:sp>
+          <p:nvSpPr>
+            <p:cNvPr id="40" name="자유형 39"/>
+            <p:cNvSpPr/>
+            <p:nvPr/>
+          </p:nvSpPr>
+          <p:spPr>
+            <a:xfrm rot="10800000">
+              <a:off x="754421" y="2816677"/>
+              <a:ext cx="681439" cy="3343259"/>
+            </a:xfrm>
+            <a:custGeom>
+              <a:avLst/>
+              <a:gdLst>
+                <a:gd name="connsiteX0" fmla="*/ 194310 w 388620"/>
+                <a:gd name="connsiteY0" fmla="*/ 0 h 2927235"/>
+                <a:gd name="connsiteX1" fmla="*/ 388620 w 388620"/>
+                <a:gd name="connsiteY1" fmla="*/ 194310 h 2927235"/>
+                <a:gd name="connsiteX2" fmla="*/ 388620 w 388620"/>
+                <a:gd name="connsiteY2" fmla="*/ 2927235 h 2927235"/>
+                <a:gd name="connsiteX3" fmla="*/ 379599 w 388620"/>
+                <a:gd name="connsiteY3" fmla="*/ 2898175 h 2927235"/>
+                <a:gd name="connsiteX4" fmla="*/ 194310 w 388620"/>
+                <a:gd name="connsiteY4" fmla="*/ 2775357 h 2927235"/>
+                <a:gd name="connsiteX5" fmla="*/ 9021 w 388620"/>
+                <a:gd name="connsiteY5" fmla="*/ 2898175 h 2927235"/>
+                <a:gd name="connsiteX6" fmla="*/ 0 w 388620"/>
+                <a:gd name="connsiteY6" fmla="*/ 2927235 h 2927235"/>
+                <a:gd name="connsiteX7" fmla="*/ 0 w 388620"/>
+                <a:gd name="connsiteY7" fmla="*/ 194310 h 2927235"/>
+                <a:gd name="connsiteX8" fmla="*/ 194310 w 388620"/>
+                <a:gd name="connsiteY8" fmla="*/ 0 h 2927235"/>
+              </a:gdLst>
+              <a:ahLst/>
+              <a:cxnLst>
+                <a:cxn ang="0">
+                  <a:pos x="connsiteX0" y="connsiteY0"/>
+                </a:cxn>
+                <a:cxn ang="0">
+                  <a:pos x="connsiteX1" y="connsiteY1"/>
+                </a:cxn>
+                <a:cxn ang="0">
+                  <a:pos x="connsiteX2" y="connsiteY2"/>
+                </a:cxn>
+                <a:cxn ang="0">
+                  <a:pos x="connsiteX3" y="connsiteY3"/>
+                </a:cxn>
+                <a:cxn ang="0">
+                  <a:pos x="connsiteX4" y="connsiteY4"/>
+                </a:cxn>
+                <a:cxn ang="0">
+                  <a:pos x="connsiteX5" y="connsiteY5"/>
+                </a:cxn>
+                <a:cxn ang="0">
+                  <a:pos x="connsiteX6" y="connsiteY6"/>
+                </a:cxn>
+                <a:cxn ang="0">
+                  <a:pos x="connsiteX7" y="connsiteY7"/>
+                </a:cxn>
+                <a:cxn ang="0">
+                  <a:pos x="connsiteX8" y="connsiteY8"/>
+                </a:cxn>
+              </a:cxnLst>
+              <a:rect l="l" t="t" r="r" b="b"/>
+              <a:pathLst>
+                <a:path w="388620" h="2927235">
+                  <a:moveTo>
+                    <a:pt x="194310" y="0"/>
+                  </a:moveTo>
+                  <a:cubicBezTo>
+                    <a:pt x="301624" y="0"/>
+                    <a:pt x="388620" y="86996"/>
+                    <a:pt x="388620" y="194310"/>
+                  </a:cubicBezTo>
+                  <a:lnTo>
+                    <a:pt x="388620" y="2927235"/>
+                  </a:lnTo>
+                  <a:lnTo>
+                    <a:pt x="379599" y="2898175"/>
+                  </a:lnTo>
+                  <a:cubicBezTo>
+                    <a:pt x="349072" y="2826000"/>
+                    <a:pt x="277605" y="2775357"/>
+                    <a:pt x="194310" y="2775357"/>
+                  </a:cubicBezTo>
+                  <a:cubicBezTo>
+                    <a:pt x="111015" y="2775357"/>
+                    <a:pt x="39548" y="2826000"/>
+                    <a:pt x="9021" y="2898175"/>
+                  </a:cubicBezTo>
+                  <a:lnTo>
+                    <a:pt x="0" y="2927235"/>
+                  </a:lnTo>
+                  <a:lnTo>
+                    <a:pt x="0" y="194310"/>
+                  </a:lnTo>
+                  <a:cubicBezTo>
+                    <a:pt x="0" y="86996"/>
+                    <a:pt x="86996" y="0"/>
+                    <a:pt x="194310" y="0"/>
+                  </a:cubicBezTo>
+                  <a:close/>
+                </a:path>
+              </a:pathLst>
+            </a:custGeom>
+            <a:gradFill flip="none" rotWithShape="1">
+              <a:gsLst>
+                <a:gs pos="0">
+                  <a:schemeClr val="bg1">
+                    <a:shade val="67500"/>
+                    <a:satMod val="115000"/>
+                  </a:schemeClr>
+                </a:gs>
+                <a:gs pos="100000">
+                  <a:schemeClr val="bg1">
+                    <a:shade val="100000"/>
+                    <a:satMod val="115000"/>
+                  </a:schemeClr>
+                </a:gs>
+              </a:gsLst>
+              <a:lin ang="10800000" scaled="1"/>
+              <a:tileRect/>
+            </a:gradFill>
+            <a:ln>
+              <a:noFill/>
+            </a:ln>
+            <a:effectLst>
+              <a:outerShdw blurRad="88900" dist="139700" dir="5400000" sx="98000" sy="98000" algn="t" rotWithShape="0">
+                <a:prstClr val="black">
+                  <a:alpha val="40000"/>
+                </a:prstClr>
+              </a:outerShdw>
+            </a:effectLst>
+          </p:spPr>
+          <p:style>
+            <a:lnRef idx="2">
+              <a:schemeClr val="accent1">
+                <a:shade val="50000"/>
+              </a:schemeClr>
+            </a:lnRef>
+            <a:fillRef idx="1">
+              <a:schemeClr val="accent1"/>
+            </a:fillRef>
+            <a:effectRef idx="0">
+              <a:schemeClr val="accent1"/>
+            </a:effectRef>
+            <a:fontRef idx="minor">
+              <a:schemeClr val="lt1"/>
+            </a:fontRef>
+          </p:style>
+          <p:txBody>
+            <a:bodyPr rtlCol="0" anchor="ctr"/>
+            <a:lstStyle/>
+            <a:p>
+              <a:pPr algn="ctr"/>
+              <a:endParaRPr lang="ko-KR" altLang="en-US" sz="2400"/>
+            </a:p>
+          </p:txBody>
+        </p:sp>
+        <p:sp>
+          <p:nvSpPr>
+            <p:cNvPr id="41" name="자유형 40"/>
+            <p:cNvSpPr/>
+            <p:nvPr/>
+          </p:nvSpPr>
+          <p:spPr>
+            <a:xfrm>
+              <a:off x="754421" y="2614644"/>
+              <a:ext cx="681439" cy="3343259"/>
+            </a:xfrm>
+            <a:custGeom>
+              <a:avLst/>
+              <a:gdLst>
+                <a:gd name="connsiteX0" fmla="*/ 194310 w 388620"/>
+                <a:gd name="connsiteY0" fmla="*/ 0 h 2927235"/>
+                <a:gd name="connsiteX1" fmla="*/ 388620 w 388620"/>
+                <a:gd name="connsiteY1" fmla="*/ 194310 h 2927235"/>
+                <a:gd name="connsiteX2" fmla="*/ 388620 w 388620"/>
+                <a:gd name="connsiteY2" fmla="*/ 2927235 h 2927235"/>
+                <a:gd name="connsiteX3" fmla="*/ 379599 w 388620"/>
+                <a:gd name="connsiteY3" fmla="*/ 2898175 h 2927235"/>
+                <a:gd name="connsiteX4" fmla="*/ 194310 w 388620"/>
+                <a:gd name="connsiteY4" fmla="*/ 2775357 h 2927235"/>
+                <a:gd name="connsiteX5" fmla="*/ 9021 w 388620"/>
+                <a:gd name="connsiteY5" fmla="*/ 2898175 h 2927235"/>
+                <a:gd name="connsiteX6" fmla="*/ 0 w 388620"/>
+                <a:gd name="connsiteY6" fmla="*/ 2927235 h 2927235"/>
+                <a:gd name="connsiteX7" fmla="*/ 0 w 388620"/>
+                <a:gd name="connsiteY7" fmla="*/ 194310 h 2927235"/>
+                <a:gd name="connsiteX8" fmla="*/ 194310 w 388620"/>
+                <a:gd name="connsiteY8" fmla="*/ 0 h 2927235"/>
+              </a:gdLst>
+              <a:ahLst/>
+              <a:cxnLst>
+                <a:cxn ang="0">
+                  <a:pos x="connsiteX0" y="connsiteY0"/>
+                </a:cxn>
+                <a:cxn ang="0">
+                  <a:pos x="connsiteX1" y="connsiteY1"/>
+                </a:cxn>
+                <a:cxn ang="0">
+                  <a:pos x="connsiteX2" y="connsiteY2"/>
+                </a:cxn>
+                <a:cxn ang="0">
+                  <a:pos x="connsiteX3" y="connsiteY3"/>
+                </a:cxn>
+                <a:cxn ang="0">
+                  <a:pos x="connsiteX4" y="connsiteY4"/>
+                </a:cxn>
+                <a:cxn ang="0">
+                  <a:pos x="connsiteX5" y="connsiteY5"/>
+                </a:cxn>
+                <a:cxn ang="0">
+                  <a:pos x="connsiteX6" y="connsiteY6"/>
+                </a:cxn>
+                <a:cxn ang="0">
+                  <a:pos x="connsiteX7" y="connsiteY7"/>
+                </a:cxn>
+                <a:cxn ang="0">
+                  <a:pos x="connsiteX8" y="connsiteY8"/>
+                </a:cxn>
+              </a:cxnLst>
+              <a:rect l="l" t="t" r="r" b="b"/>
+              <a:pathLst>
+                <a:path w="388620" h="2927235">
+                  <a:moveTo>
+                    <a:pt x="194310" y="0"/>
+                  </a:moveTo>
+                  <a:cubicBezTo>
+                    <a:pt x="301624" y="0"/>
+                    <a:pt x="388620" y="86996"/>
+                    <a:pt x="388620" y="194310"/>
+                  </a:cubicBezTo>
+                  <a:lnTo>
+                    <a:pt x="388620" y="2927235"/>
+                  </a:lnTo>
+                  <a:lnTo>
+                    <a:pt x="379599" y="2898175"/>
+                  </a:lnTo>
+                  <a:cubicBezTo>
+                    <a:pt x="349072" y="2826000"/>
+                    <a:pt x="277605" y="2775357"/>
+                    <a:pt x="194310" y="2775357"/>
+                  </a:cubicBezTo>
+                  <a:cubicBezTo>
+                    <a:pt x="111015" y="2775357"/>
+                    <a:pt x="39548" y="2826000"/>
+                    <a:pt x="9021" y="2898175"/>
+                  </a:cubicBezTo>
+                  <a:lnTo>
+                    <a:pt x="0" y="2927235"/>
+                  </a:lnTo>
+                  <a:lnTo>
+                    <a:pt x="0" y="194310"/>
+                  </a:lnTo>
+                  <a:cubicBezTo>
+                    <a:pt x="0" y="86996"/>
+                    <a:pt x="86996" y="0"/>
+                    <a:pt x="194310" y="0"/>
+                  </a:cubicBezTo>
+                  <a:close/>
+                </a:path>
+              </a:pathLst>
+            </a:custGeom>
+            <a:gradFill flip="none" rotWithShape="1">
+              <a:gsLst>
+                <a:gs pos="0">
+                  <a:schemeClr val="bg1">
+                    <a:shade val="67500"/>
+                    <a:satMod val="115000"/>
+                  </a:schemeClr>
+                </a:gs>
+                <a:gs pos="100000">
+                  <a:schemeClr val="bg1">
+                    <a:shade val="100000"/>
+                    <a:satMod val="115000"/>
+                  </a:schemeClr>
+                </a:gs>
+              </a:gsLst>
+              <a:lin ang="10800000" scaled="1"/>
+              <a:tileRect/>
+            </a:gradFill>
+            <a:ln>
+              <a:noFill/>
+            </a:ln>
+            <a:effectLst>
+              <a:outerShdw blurRad="88900" dist="139700" dir="5400000" sx="98000" sy="98000" algn="t" rotWithShape="0">
+                <a:prstClr val="black">
+                  <a:alpha val="40000"/>
+                </a:prstClr>
+              </a:outerShdw>
+            </a:effectLst>
+          </p:spPr>
+          <p:style>
+            <a:lnRef idx="2">
+              <a:schemeClr val="accent1">
+                <a:shade val="50000"/>
+              </a:schemeClr>
+            </a:lnRef>
+            <a:fillRef idx="1">
+              <a:schemeClr val="accent1"/>
+            </a:fillRef>
+            <a:effectRef idx="0">
+              <a:schemeClr val="accent1"/>
+            </a:effectRef>
+            <a:fontRef idx="minor">
+              <a:schemeClr val="lt1"/>
+            </a:fontRef>
+          </p:style>
+          <p:txBody>
+            <a:bodyPr rtlCol="0" anchor="ctr"/>
+            <a:lstStyle/>
+            <a:p>
+              <a:pPr algn="ctr"/>
+              <a:endParaRPr lang="ko-KR" altLang="en-US" sz="2400"/>
+            </a:p>
+          </p:txBody>
+        </p:sp>
+        <p:sp>
+          <p:nvSpPr>
+            <p:cNvPr id="42" name="자유형 41"/>
+            <p:cNvSpPr/>
+            <p:nvPr/>
+          </p:nvSpPr>
+          <p:spPr>
+            <a:xfrm>
+              <a:off x="586490" y="739768"/>
+              <a:ext cx="1017302" cy="4991063"/>
+            </a:xfrm>
+            <a:custGeom>
+              <a:avLst/>
+              <a:gdLst>
+                <a:gd name="connsiteX0" fmla="*/ 194310 w 388620"/>
+                <a:gd name="connsiteY0" fmla="*/ 0 h 2927235"/>
+                <a:gd name="connsiteX1" fmla="*/ 388620 w 388620"/>
+                <a:gd name="connsiteY1" fmla="*/ 194310 h 2927235"/>
+                <a:gd name="connsiteX2" fmla="*/ 388620 w 388620"/>
+                <a:gd name="connsiteY2" fmla="*/ 2927235 h 2927235"/>
+                <a:gd name="connsiteX3" fmla="*/ 379599 w 388620"/>
+                <a:gd name="connsiteY3" fmla="*/ 2898175 h 2927235"/>
+                <a:gd name="connsiteX4" fmla="*/ 194310 w 388620"/>
+                <a:gd name="connsiteY4" fmla="*/ 2775357 h 2927235"/>
+                <a:gd name="connsiteX5" fmla="*/ 9021 w 388620"/>
+                <a:gd name="connsiteY5" fmla="*/ 2898175 h 2927235"/>
+                <a:gd name="connsiteX6" fmla="*/ 0 w 388620"/>
+                <a:gd name="connsiteY6" fmla="*/ 2927235 h 2927235"/>
+                <a:gd name="connsiteX7" fmla="*/ 0 w 388620"/>
+                <a:gd name="connsiteY7" fmla="*/ 194310 h 2927235"/>
+                <a:gd name="connsiteX8" fmla="*/ 194310 w 388620"/>
+                <a:gd name="connsiteY8" fmla="*/ 0 h 2927235"/>
+              </a:gdLst>
+              <a:ahLst/>
+              <a:cxnLst>
+                <a:cxn ang="0">
+                  <a:pos x="connsiteX0" y="connsiteY0"/>
+                </a:cxn>
+                <a:cxn ang="0">
+                  <a:pos x="connsiteX1" y="connsiteY1"/>
+                </a:cxn>
+                <a:cxn ang="0">
+                  <a:pos x="connsiteX2" y="connsiteY2"/>
+                </a:cxn>
+                <a:cxn ang="0">
+                  <a:pos x="connsiteX3" y="connsiteY3"/>
+                </a:cxn>
+                <a:cxn ang="0">
+                  <a:pos x="connsiteX4" y="connsiteY4"/>
+                </a:cxn>
+                <a:cxn ang="0">
+                  <a:pos x="connsiteX5" y="connsiteY5"/>
+                </a:cxn>
+                <a:cxn ang="0">
+                  <a:pos x="connsiteX6" y="connsiteY6"/>
+                </a:cxn>
+                <a:cxn ang="0">
+                  <a:pos x="connsiteX7" y="connsiteY7"/>
+                </a:cxn>
+                <a:cxn ang="0">
+                  <a:pos x="connsiteX8" y="connsiteY8"/>
+                </a:cxn>
+              </a:cxnLst>
+              <a:rect l="l" t="t" r="r" b="b"/>
+              <a:pathLst>
+                <a:path w="388620" h="2927235">
+                  <a:moveTo>
+                    <a:pt x="194310" y="0"/>
+                  </a:moveTo>
+                  <a:cubicBezTo>
+                    <a:pt x="301624" y="0"/>
+                    <a:pt x="388620" y="86996"/>
+                    <a:pt x="388620" y="194310"/>
+                  </a:cubicBezTo>
+                  <a:lnTo>
+                    <a:pt x="388620" y="2927235"/>
+                  </a:lnTo>
+                  <a:lnTo>
+                    <a:pt x="379599" y="2898175"/>
+                  </a:lnTo>
+                  <a:cubicBezTo>
+                    <a:pt x="349072" y="2826000"/>
+                    <a:pt x="277605" y="2775357"/>
+                    <a:pt x="194310" y="2775357"/>
+                  </a:cubicBezTo>
+                  <a:cubicBezTo>
+                    <a:pt x="111015" y="2775357"/>
+                    <a:pt x="39548" y="2826000"/>
+                    <a:pt x="9021" y="2898175"/>
+                  </a:cubicBezTo>
+                  <a:lnTo>
+                    <a:pt x="0" y="2927235"/>
+                  </a:lnTo>
+                  <a:lnTo>
+                    <a:pt x="0" y="194310"/>
+                  </a:lnTo>
+                  <a:cubicBezTo>
+                    <a:pt x="0" y="86996"/>
+                    <a:pt x="86996" y="0"/>
+                    <a:pt x="194310" y="0"/>
+                  </a:cubicBezTo>
+                  <a:close/>
+                </a:path>
+              </a:pathLst>
+            </a:custGeom>
+            <a:gradFill flip="none" rotWithShape="1">
+              <a:gsLst>
+                <a:gs pos="0">
+                  <a:schemeClr val="bg1">
+                    <a:shade val="67500"/>
+                    <a:satMod val="115000"/>
+                  </a:schemeClr>
+                </a:gs>
+                <a:gs pos="100000">
+                  <a:schemeClr val="bg1">
+                    <a:shade val="100000"/>
+                    <a:satMod val="115000"/>
+                  </a:schemeClr>
+                </a:gs>
+              </a:gsLst>
+              <a:lin ang="10800000" scaled="1"/>
+              <a:tileRect/>
+            </a:gradFill>
+            <a:ln>
+              <a:noFill/>
+            </a:ln>
+            <a:effectLst>
+              <a:outerShdw blurRad="88900" dist="139700" dir="5400000" sx="98000" sy="98000" algn="t" rotWithShape="0">
+                <a:prstClr val="black">
+                  <a:alpha val="40000"/>
+                </a:prstClr>
+              </a:outerShdw>
+            </a:effectLst>
+          </p:spPr>
+          <p:style>
+            <a:lnRef idx="2">
+              <a:schemeClr val="accent1">
+                <a:shade val="50000"/>
+              </a:schemeClr>
+            </a:lnRef>
+            <a:fillRef idx="1">
+              <a:schemeClr val="accent1"/>
+            </a:fillRef>
+            <a:effectRef idx="0">
+              <a:schemeClr val="accent1"/>
+            </a:effectRef>
+            <a:fontRef idx="minor">
+              <a:schemeClr val="lt1"/>
+            </a:fontRef>
+          </p:style>
+          <p:txBody>
+            <a:bodyPr rtlCol="0" anchor="ctr"/>
+            <a:lstStyle/>
+            <a:p>
+              <a:pPr algn="ctr"/>
+              <a:endParaRPr lang="ko-KR" altLang="en-US" sz="2400"/>
+            </a:p>
+          </p:txBody>
+        </p:sp>
+      </p:grpSp>
+      <p:sp>
+        <p:nvSpPr>
+          <p:cNvPr id="43" name="직사각형 42"/>
+          <p:cNvSpPr/>
+          <p:nvPr/>
+        </p:nvSpPr>
+        <p:spPr>
+          <a:xfrm>
+            <a:off x="1121067" y="522708"/>
+            <a:ext cx="8789911" cy="646331"/>
+          </a:xfrm>
+          <a:prstGeom prst="rect">
+            <a:avLst/>
+          </a:prstGeom>
+        </p:spPr>
+        <p:txBody>
+          <a:bodyPr wrap="square" lIns="91440" tIns="45720" rIns="91440" bIns="45720">
+            <a:spAutoFit/>
+          </a:bodyPr>
+          <a:lstStyle/>
+          <a:p>
+            <a:pPr>
+              <a:lnSpc>
+                <a:spcPct val="150000"/>
+              </a:lnSpc>
+            </a:pPr>
+            <a:r>
+              <a:rPr lang="en-US" altLang="ko-KR" sz="2400" b="1" dirty="0">
+                <a:solidFill>
+                  <a:schemeClr val="tx1">
+                    <a:lumMod val="75000"/>
+                    <a:lumOff val="25000"/>
+                  </a:schemeClr>
+                </a:solidFill>
+                <a:latin typeface="+mj-ea"/>
+                <a:ea typeface="+mj-ea"/>
+              </a:rPr>
+              <a:t>[ </a:t>
+            </a:r>
+            <a:r>
+              <a:rPr lang="ko-KR" altLang="en-US" sz="2400" b="1" dirty="0">
+                <a:solidFill>
+                  <a:schemeClr val="tx1">
+                    <a:lumMod val="75000"/>
+                    <a:lumOff val="25000"/>
+                  </a:schemeClr>
+                </a:solidFill>
+                <a:latin typeface="+mj-ea"/>
+                <a:ea typeface="+mj-ea"/>
+              </a:rPr>
+              <a:t>화면설계 </a:t>
+            </a:r>
+            <a:r>
+              <a:rPr lang="en-US" altLang="ko-KR" sz="2400" b="1" dirty="0">
+                <a:solidFill>
+                  <a:schemeClr val="tx1">
+                    <a:lumMod val="75000"/>
+                    <a:lumOff val="25000"/>
+                  </a:schemeClr>
+                </a:solidFill>
+                <a:latin typeface="+mj-ea"/>
+                <a:ea typeface="+mj-ea"/>
+              </a:rPr>
+              <a:t>] </a:t>
+            </a:r>
+            <a:r>
+              <a:rPr lang="ko-KR" altLang="en-US" sz="2400" b="1" dirty="0">
+                <a:solidFill>
+                  <a:schemeClr val="tx1">
+                    <a:lumMod val="75000"/>
+                    <a:lumOff val="25000"/>
+                  </a:schemeClr>
+                </a:solidFill>
+                <a:latin typeface="+mj-ea"/>
+                <a:ea typeface="+mj-ea"/>
+              </a:rPr>
+              <a:t>사용자 </a:t>
+            </a:r>
+            <a:r>
+              <a:rPr lang="en-US" altLang="ko-KR" sz="2400" b="1" dirty="0">
+                <a:solidFill>
+                  <a:schemeClr val="tx1">
+                    <a:lumMod val="75000"/>
+                    <a:lumOff val="25000"/>
+                  </a:schemeClr>
+                </a:solidFill>
+                <a:latin typeface="+mj-ea"/>
+                <a:ea typeface="+mj-ea"/>
+              </a:rPr>
+              <a:t>- </a:t>
+            </a:r>
+            <a:r>
+              <a:rPr lang="ko-KR" altLang="en-US" sz="2400" b="1" dirty="0">
+                <a:solidFill>
+                  <a:schemeClr val="tx1">
+                    <a:lumMod val="75000"/>
+                    <a:lumOff val="25000"/>
+                  </a:schemeClr>
+                </a:solidFill>
+                <a:latin typeface="+mj-ea"/>
+                <a:ea typeface="+mj-ea"/>
+              </a:rPr>
+              <a:t>웹 </a:t>
+            </a:r>
+            <a:r>
+              <a:rPr lang="en-US" altLang="ko-KR" sz="2400" b="1" dirty="0" smtClean="0">
+                <a:solidFill>
+                  <a:schemeClr val="tx1">
+                    <a:lumMod val="75000"/>
+                    <a:lumOff val="25000"/>
+                  </a:schemeClr>
+                </a:solidFill>
+                <a:latin typeface="+mj-ea"/>
+                <a:ea typeface="+mj-ea"/>
+              </a:rPr>
+              <a:t>– </a:t>
+            </a:r>
+            <a:r>
+              <a:rPr lang="ko-KR" altLang="en-US" sz="2400" b="1" dirty="0" err="1" smtClean="0">
+                <a:solidFill>
+                  <a:schemeClr val="tx1">
+                    <a:lumMod val="75000"/>
+                    <a:lumOff val="25000"/>
+                  </a:schemeClr>
+                </a:solidFill>
+                <a:latin typeface="+mj-ea"/>
+                <a:ea typeface="+mj-ea"/>
+              </a:rPr>
+              <a:t>리워드</a:t>
+            </a:r>
+            <a:r>
+              <a:rPr lang="ko-KR" altLang="en-US" sz="2400" b="1" dirty="0" smtClean="0">
+                <a:solidFill>
+                  <a:schemeClr val="tx1">
+                    <a:lumMod val="75000"/>
+                    <a:lumOff val="25000"/>
+                  </a:schemeClr>
+                </a:solidFill>
+                <a:latin typeface="+mj-ea"/>
+                <a:ea typeface="+mj-ea"/>
+              </a:rPr>
+              <a:t> 스토어 </a:t>
+            </a:r>
+            <a:r>
+              <a:rPr lang="en-US" altLang="ko-KR" sz="2400" b="1" dirty="0" smtClean="0">
+                <a:solidFill>
+                  <a:schemeClr val="tx1">
+                    <a:lumMod val="75000"/>
+                    <a:lumOff val="25000"/>
+                  </a:schemeClr>
+                </a:solidFill>
+                <a:latin typeface="+mj-ea"/>
+                <a:ea typeface="+mj-ea"/>
+              </a:rPr>
+              <a:t>– </a:t>
+            </a:r>
+            <a:r>
+              <a:rPr lang="ko-KR" altLang="en-US" sz="2400" b="1" dirty="0" smtClean="0">
+                <a:solidFill>
+                  <a:schemeClr val="tx1">
+                    <a:lumMod val="75000"/>
+                    <a:lumOff val="25000"/>
+                  </a:schemeClr>
+                </a:solidFill>
+                <a:latin typeface="+mj-ea"/>
+                <a:ea typeface="+mj-ea"/>
+              </a:rPr>
+              <a:t>상품주문</a:t>
+            </a:r>
+            <a:endParaRPr lang="ko-KR" altLang="en-US" sz="2400" b="1" dirty="0">
+              <a:solidFill>
+                <a:schemeClr val="tx1">
+                  <a:lumMod val="75000"/>
+                  <a:lumOff val="25000"/>
+                </a:schemeClr>
+              </a:solidFill>
+              <a:latin typeface="+mj-ea"/>
+              <a:ea typeface="+mj-ea"/>
+            </a:endParaRPr>
+          </a:p>
+        </p:txBody>
+      </p:sp>
+      <p:graphicFrame>
+        <p:nvGraphicFramePr>
+          <p:cNvPr id="4" name="표 3"/>
+          <p:cNvGraphicFramePr>
+            <a:graphicFrameLocks noGrp="1"/>
+          </p:cNvGraphicFramePr>
+          <p:nvPr>
+            <p:extLst/>
+          </p:nvPr>
+        </p:nvGraphicFramePr>
+        <p:xfrm>
+          <a:off x="9168341" y="1433634"/>
+          <a:ext cx="2688299" cy="915066"/>
+        </p:xfrm>
+        <a:graphic>
+          <a:graphicData uri="http://schemas.openxmlformats.org/drawingml/2006/table">
+            <a:tbl>
+              <a:tblPr firstRow="1" bandRow="1"/>
+              <a:tblGrid>
+                <a:gridCol w="2688299"/>
+              </a:tblGrid>
+              <a:tr h="424495">
+                <a:tc>
+                  <a:txBody>
+                    <a:bodyPr/>
+                    <a:lstStyle/>
+                    <a:p>
+                      <a:pPr algn="ctr" latinLnBrk="1"/>
+                      <a:r>
+                        <a:rPr lang="ko-KR" altLang="en-US" sz="1200" b="1" dirty="0" smtClean="0">
+                          <a:solidFill>
+                            <a:schemeClr val="tx1"/>
+                          </a:solidFill>
+                          <a:latin typeface="+mj-ea"/>
+                          <a:ea typeface="+mj-ea"/>
+                        </a:rPr>
+                        <a:t>화면코드</a:t>
+                      </a:r>
+                      <a:endParaRPr lang="ko-KR" altLang="en-US" sz="1200" b="1" dirty="0">
+                        <a:solidFill>
+                          <a:schemeClr val="tx1"/>
+                        </a:solidFill>
+                        <a:latin typeface="+mj-ea"/>
+                        <a:ea typeface="+mj-ea"/>
+                      </a:endParaRPr>
+                    </a:p>
+                  </a:txBody>
+                  <a:tcPr marL="121920" marR="121920" marT="60960" marB="60960" anchor="ctr">
+                    <a:solidFill>
+                      <a:srgbClr val="FF9E00"/>
+                    </a:solidFill>
+                  </a:tcPr>
+                </a:tc>
+              </a:tr>
+              <a:tr h="490571">
+                <a:tc>
+                  <a:txBody>
+                    <a:bodyPr/>
+                    <a:lstStyle/>
+                    <a:p>
+                      <a:pPr algn="ctr" latinLnBrk="1"/>
+                      <a:r>
+                        <a:rPr lang="en-US" altLang="ko-KR" sz="1500" smtClean="0">
+                          <a:latin typeface="+mj-ea"/>
+                          <a:ea typeface="+mj-ea"/>
+                        </a:rPr>
+                        <a:t>Kb_w_user_StorePay</a:t>
+                      </a:r>
+                      <a:endParaRPr lang="ko-KR" altLang="en-US" sz="1500" dirty="0">
+                        <a:latin typeface="+mj-ea"/>
+                        <a:ea typeface="+mj-ea"/>
+                      </a:endParaRPr>
+                    </a:p>
+                  </a:txBody>
+                  <a:tcPr marL="121920" marR="121920" marT="60960" marB="60960" anchor="ctr"/>
+                </a:tc>
+              </a:tr>
+            </a:tbl>
+          </a:graphicData>
+        </a:graphic>
+      </p:graphicFrame>
+      <p:sp>
+        <p:nvSpPr>
+          <p:cNvPr id="19" name="직사각형 18"/>
+          <p:cNvSpPr/>
+          <p:nvPr/>
+        </p:nvSpPr>
+        <p:spPr>
+          <a:xfrm>
+            <a:off x="1081171" y="1433634"/>
+            <a:ext cx="7895148" cy="4875687"/>
+          </a:xfrm>
+          <a:prstGeom prst="rect">
+            <a:avLst/>
+          </a:prstGeom>
+          <a:noFill/>
+          <a:ln w="9525">
+            <a:solidFill>
+              <a:schemeClr val="tx1"/>
+            </a:solidFill>
+          </a:ln>
+        </p:spPr>
+        <p:style>
+          <a:lnRef idx="2">
+            <a:schemeClr val="accent1">
+              <a:shade val="50000"/>
+            </a:schemeClr>
+          </a:lnRef>
+          <a:fillRef idx="1">
+            <a:schemeClr val="accent1"/>
+          </a:fillRef>
+          <a:effectRef idx="0">
+            <a:schemeClr val="accent1"/>
+          </a:effectRef>
+          <a:fontRef idx="minor">
+            <a:schemeClr val="lt1"/>
+          </a:fontRef>
+        </p:style>
+        <p:txBody>
+          <a:bodyPr rtlCol="0" anchor="ctr"/>
+          <a:lstStyle/>
+          <a:p>
+            <a:pPr algn="ctr"/>
+            <a:endParaRPr lang="ko-KR" altLang="en-US" sz="2400">
+              <a:noFill/>
+            </a:endParaRPr>
+          </a:p>
+        </p:txBody>
+      </p:sp>
+      <p:graphicFrame>
+        <p:nvGraphicFramePr>
+          <p:cNvPr id="6" name="표 5"/>
+          <p:cNvGraphicFramePr>
+            <a:graphicFrameLocks noGrp="1"/>
+          </p:cNvGraphicFramePr>
+          <p:nvPr>
+            <p:extLst/>
+          </p:nvPr>
+        </p:nvGraphicFramePr>
+        <p:xfrm>
+          <a:off x="9168341" y="2479152"/>
+          <a:ext cx="2688299" cy="3570331"/>
+        </p:xfrm>
+        <a:graphic>
+          <a:graphicData uri="http://schemas.openxmlformats.org/drawingml/2006/table">
+            <a:tbl>
+              <a:tblPr firstRow="1" bandRow="1"/>
+              <a:tblGrid>
+                <a:gridCol w="280507"/>
+                <a:gridCol w="2407792"/>
+              </a:tblGrid>
+              <a:tr h="469796">
+                <a:tc>
+                  <a:txBody>
+                    <a:bodyPr/>
+                    <a:lstStyle/>
+                    <a:p>
+                      <a:pPr algn="ctr" latinLnBrk="1"/>
+                      <a:r>
+                        <a:rPr lang="en-US" altLang="ko-KR" sz="1200" b="1" dirty="0" smtClean="0">
+                          <a:latin typeface="+mj-ea"/>
+                          <a:ea typeface="+mj-ea"/>
+                        </a:rPr>
+                        <a:t>#</a:t>
+                      </a:r>
+                      <a:endParaRPr lang="ko-KR" altLang="en-US" sz="1200" b="1" dirty="0">
+                        <a:latin typeface="+mj-ea"/>
+                        <a:ea typeface="+mj-ea"/>
+                      </a:endParaRPr>
+                    </a:p>
+                  </a:txBody>
+                  <a:tcPr marL="121920" marR="121920" marT="60960" marB="60960" anchor="ctr">
+                    <a:solidFill>
+                      <a:srgbClr val="FF9E00"/>
+                    </a:solidFill>
+                  </a:tcPr>
+                </a:tc>
+                <a:tc>
+                  <a:txBody>
+                    <a:bodyPr/>
+                    <a:lstStyle/>
+                    <a:p>
+                      <a:pPr algn="ctr" latinLnBrk="1"/>
+                      <a:r>
+                        <a:rPr lang="ko-KR" altLang="en-US" sz="1200" b="1" dirty="0" smtClean="0">
+                          <a:latin typeface="+mj-ea"/>
+                          <a:ea typeface="+mj-ea"/>
+                        </a:rPr>
+                        <a:t>기능</a:t>
+                      </a:r>
+                      <a:endParaRPr lang="ko-KR" altLang="en-US" sz="1200" b="1" dirty="0">
+                        <a:latin typeface="+mj-ea"/>
+                        <a:ea typeface="+mj-ea"/>
+                      </a:endParaRPr>
+                    </a:p>
+                  </a:txBody>
+                  <a:tcPr marL="121920" marR="121920" marT="60960" marB="60960" anchor="ctr">
+                    <a:solidFill>
+                      <a:srgbClr val="FF9E00"/>
+                    </a:solidFill>
+                  </a:tcPr>
+                </a:tc>
+              </a:tr>
+              <a:tr h="620107">
+                <a:tc>
+                  <a:txBody>
+                    <a:bodyPr/>
+                    <a:lstStyle/>
+                    <a:p>
+                      <a:pPr algn="ctr" latinLnBrk="1"/>
+                      <a:r>
+                        <a:rPr lang="en-US" altLang="ko-KR" sz="1300" dirty="0" smtClean="0">
+                          <a:latin typeface="+mj-ea"/>
+                          <a:ea typeface="+mj-ea"/>
+                        </a:rPr>
+                        <a:t>1</a:t>
+                      </a:r>
+                      <a:endParaRPr lang="ko-KR" altLang="en-US" sz="1300" dirty="0">
+                        <a:latin typeface="+mj-ea"/>
+                        <a:ea typeface="+mj-ea"/>
+                      </a:endParaRPr>
+                    </a:p>
+                  </a:txBody>
+                  <a:tcPr marL="121920" marR="121920" marT="60960" marB="60960" anchor="ctr"/>
+                </a:tc>
+                <a:tc>
+                  <a:txBody>
+                    <a:bodyPr/>
+                    <a:lstStyle/>
+                    <a:p>
+                      <a:pPr algn="l" latinLnBrk="1">
+                        <a:lnSpc>
+                          <a:spcPts val="1300"/>
+                        </a:lnSpc>
+                      </a:pPr>
+                      <a:r>
+                        <a:rPr lang="ko-KR" altLang="en-US" sz="1200" smtClean="0">
+                          <a:latin typeface="+mj-ea"/>
+                          <a:ea typeface="+mj-ea"/>
+                        </a:rPr>
+                        <a:t>사용자 기본 정보 보여주게됨</a:t>
+                      </a:r>
+                      <a:endParaRPr lang="ko-KR" altLang="en-US" sz="1200" dirty="0">
+                        <a:latin typeface="+mj-ea"/>
+                        <a:ea typeface="+mj-ea"/>
+                      </a:endParaRPr>
+                    </a:p>
+                  </a:txBody>
+                  <a:tcPr marL="121920" marR="121920" marT="60960" marB="60960"/>
+                </a:tc>
+              </a:tr>
+              <a:tr h="620107">
+                <a:tc>
+                  <a:txBody>
+                    <a:bodyPr/>
+                    <a:lstStyle/>
+                    <a:p>
+                      <a:pPr algn="ctr" latinLnBrk="1"/>
+                      <a:r>
+                        <a:rPr lang="en-US" altLang="ko-KR" sz="1300" dirty="0" smtClean="0">
+                          <a:latin typeface="+mj-ea"/>
+                          <a:ea typeface="+mj-ea"/>
+                        </a:rPr>
+                        <a:t>2</a:t>
+                      </a:r>
+                      <a:endParaRPr lang="ko-KR" altLang="en-US" sz="1300" dirty="0">
+                        <a:latin typeface="+mj-ea"/>
+                        <a:ea typeface="+mj-ea"/>
+                      </a:endParaRPr>
+                    </a:p>
+                  </a:txBody>
+                  <a:tcPr marL="121920" marR="121920" marT="60960" marB="60960" anchor="ctr"/>
+                </a:tc>
+                <a:tc>
+                  <a:txBody>
+                    <a:bodyPr/>
+                    <a:lstStyle/>
+                    <a:p>
+                      <a:pPr algn="l" latinLnBrk="1">
+                        <a:lnSpc>
+                          <a:spcPts val="1300"/>
+                        </a:lnSpc>
+                      </a:pPr>
+                      <a:r>
+                        <a:rPr lang="ko-KR" altLang="en-US" sz="1200" b="1" i="0" u="none" strike="noStrike" cap="none" smtClean="0">
+                          <a:solidFill>
+                            <a:srgbClr val="000000"/>
+                          </a:solidFill>
+                          <a:latin typeface="+mj-ea"/>
+                          <a:ea typeface="Arial"/>
+                          <a:cs typeface="Arial"/>
+                          <a:sym typeface="Arial"/>
+                        </a:rPr>
+                        <a:t>배송지 정보</a:t>
+                      </a:r>
+                      <a:r>
+                        <a:rPr lang="ko-KR" altLang="en-US" sz="1200" b="1" i="0" u="none" strike="noStrike" cap="none" baseline="0" smtClean="0">
+                          <a:solidFill>
+                            <a:srgbClr val="000000"/>
+                          </a:solidFill>
+                          <a:latin typeface="+mj-ea"/>
+                          <a:ea typeface="Arial"/>
+                          <a:cs typeface="Arial"/>
+                          <a:sym typeface="Arial"/>
+                        </a:rPr>
+                        <a:t> 입력</a:t>
+                      </a:r>
+                      <a:endParaRPr lang="ko-KR" altLang="en-US" sz="1200" b="0" i="0" u="none" strike="noStrike" cap="none" dirty="0" smtClean="0">
+                        <a:solidFill>
+                          <a:srgbClr val="000000"/>
+                        </a:solidFill>
+                        <a:latin typeface="+mj-ea"/>
+                        <a:ea typeface="Arial"/>
+                        <a:cs typeface="Arial"/>
+                        <a:sym typeface="Arial"/>
+                      </a:endParaRPr>
+                    </a:p>
+                  </a:txBody>
+                  <a:tcPr marL="121920" marR="121920" marT="60960" marB="60960"/>
+                </a:tc>
+              </a:tr>
+              <a:tr h="620107">
+                <a:tc>
+                  <a:txBody>
+                    <a:bodyPr/>
+                    <a:lstStyle/>
+                    <a:p>
+                      <a:pPr algn="ctr" latinLnBrk="1"/>
+                      <a:r>
+                        <a:rPr lang="en-US" altLang="ko-KR" sz="1300" dirty="0" smtClean="0">
+                          <a:latin typeface="+mj-ea"/>
+                          <a:ea typeface="+mj-ea"/>
+                        </a:rPr>
+                        <a:t>3</a:t>
+                      </a:r>
+                      <a:endParaRPr lang="ko-KR" altLang="en-US" sz="1300" dirty="0">
+                        <a:latin typeface="+mj-ea"/>
+                        <a:ea typeface="+mj-ea"/>
+                      </a:endParaRPr>
+                    </a:p>
+                  </a:txBody>
+                  <a:tcPr marL="121920" marR="121920" marT="60960" marB="60960" anchor="ctr"/>
+                </a:tc>
+                <a:tc>
+                  <a:txBody>
+                    <a:bodyPr/>
+                    <a:lstStyle/>
+                    <a:p>
+                      <a:pPr algn="l" latinLnBrk="1">
+                        <a:lnSpc>
+                          <a:spcPts val="1300"/>
+                        </a:lnSpc>
+                      </a:pPr>
+                      <a:r>
+                        <a:rPr lang="ko-KR" altLang="en-US" sz="1200" smtClean="0">
+                          <a:latin typeface="+mj-ea"/>
+                          <a:ea typeface="+mj-ea"/>
+                        </a:rPr>
+                        <a:t>상품정보 보여줌</a:t>
+                      </a:r>
+                      <a:endParaRPr lang="ko-KR" altLang="en-US" sz="1200" dirty="0">
+                        <a:latin typeface="+mj-ea"/>
+                        <a:ea typeface="+mj-ea"/>
+                      </a:endParaRPr>
+                    </a:p>
+                  </a:txBody>
+                  <a:tcPr marL="121920" marR="121920" marT="60960" marB="60960"/>
+                </a:tc>
+              </a:tr>
+              <a:tr h="620107">
+                <a:tc>
+                  <a:txBody>
+                    <a:bodyPr/>
+                    <a:lstStyle/>
+                    <a:p>
+                      <a:pPr algn="ctr" latinLnBrk="1"/>
+                      <a:r>
+                        <a:rPr lang="en-US" altLang="ko-KR" sz="1300" dirty="0" smtClean="0">
+                          <a:latin typeface="+mj-ea"/>
+                          <a:ea typeface="+mj-ea"/>
+                        </a:rPr>
+                        <a:t>4</a:t>
+                      </a:r>
+                      <a:endParaRPr lang="ko-KR" altLang="en-US" sz="1300" dirty="0">
+                        <a:latin typeface="+mj-ea"/>
+                        <a:ea typeface="+mj-ea"/>
+                      </a:endParaRPr>
+                    </a:p>
+                  </a:txBody>
+                  <a:tcPr marL="121920" marR="121920" marT="60960" marB="60960" anchor="ctr"/>
+                </a:tc>
+                <a:tc>
+                  <a:txBody>
+                    <a:bodyPr/>
+                    <a:lstStyle/>
+                    <a:p>
+                      <a:pPr algn="l" latinLnBrk="1">
+                        <a:lnSpc>
+                          <a:spcPts val="1300"/>
+                        </a:lnSpc>
+                      </a:pPr>
+                      <a:endParaRPr lang="ko-KR" altLang="en-US" sz="1200" dirty="0">
+                        <a:latin typeface="+mj-ea"/>
+                        <a:ea typeface="+mj-ea"/>
+                      </a:endParaRPr>
+                    </a:p>
+                  </a:txBody>
+                  <a:tcPr marL="121920" marR="121920" marT="60960" marB="60960"/>
+                </a:tc>
+              </a:tr>
+              <a:tr h="620107">
+                <a:tc>
+                  <a:txBody>
+                    <a:bodyPr/>
+                    <a:lstStyle/>
+                    <a:p>
+                      <a:pPr algn="ctr" latinLnBrk="1"/>
+                      <a:r>
+                        <a:rPr lang="en-US" altLang="ko-KR" sz="1300" dirty="0" smtClean="0">
+                          <a:latin typeface="+mj-ea"/>
+                          <a:ea typeface="+mj-ea"/>
+                        </a:rPr>
+                        <a:t>5</a:t>
+                      </a:r>
+                      <a:endParaRPr lang="ko-KR" altLang="en-US" sz="1300" dirty="0">
+                        <a:latin typeface="+mj-ea"/>
+                        <a:ea typeface="+mj-ea"/>
+                      </a:endParaRPr>
+                    </a:p>
+                  </a:txBody>
+                  <a:tcPr marL="121920" marR="121920" marT="60960" marB="60960" anchor="ctr"/>
+                </a:tc>
+                <a:tc>
+                  <a:txBody>
+                    <a:bodyPr/>
+                    <a:lstStyle/>
+                    <a:p>
+                      <a:pPr algn="l" latinLnBrk="1">
+                        <a:lnSpc>
+                          <a:spcPts val="1300"/>
+                        </a:lnSpc>
+                      </a:pPr>
+                      <a:endParaRPr lang="ko-KR" altLang="en-US" sz="1200" dirty="0">
+                        <a:latin typeface="+mj-ea"/>
+                        <a:ea typeface="+mj-ea"/>
+                      </a:endParaRPr>
+                    </a:p>
+                  </a:txBody>
+                  <a:tcPr marL="121920" marR="121920" marT="60960" marB="60960"/>
+                </a:tc>
+              </a:tr>
+            </a:tbl>
+          </a:graphicData>
+        </a:graphic>
+      </p:graphicFrame>
+      <p:pic>
+        <p:nvPicPr>
+          <p:cNvPr id="1027" name="Picture 3"/>
+          <p:cNvPicPr>
+            <a:picLocks noChangeAspect="1" noChangeArrowheads="1"/>
+          </p:cNvPicPr>
+          <p:nvPr/>
+        </p:nvPicPr>
+        <p:blipFill>
+          <a:blip r:embed="rId2"/>
+          <a:srcRect/>
+          <a:stretch>
+            <a:fillRect/>
+          </a:stretch>
+        </p:blipFill>
+        <p:spPr bwMode="auto">
+          <a:xfrm>
+            <a:off x="1410915" y="1532239"/>
+            <a:ext cx="7233666" cy="2866766"/>
+          </a:xfrm>
+          <a:prstGeom prst="rect">
+            <a:avLst/>
+          </a:prstGeom>
+          <a:noFill/>
+          <a:ln w="9525">
+            <a:noFill/>
+            <a:miter lim="800000"/>
+            <a:headEnd/>
+            <a:tailEnd/>
+          </a:ln>
+          <a:effectLst/>
+        </p:spPr>
+      </p:pic>
+      <p:pic>
+        <p:nvPicPr>
+          <p:cNvPr id="1028" name="Picture 4"/>
+          <p:cNvPicPr>
+            <a:picLocks noChangeAspect="1" noChangeArrowheads="1"/>
+          </p:cNvPicPr>
+          <p:nvPr/>
+        </p:nvPicPr>
+        <p:blipFill>
+          <a:blip r:embed="rId3"/>
+          <a:srcRect/>
+          <a:stretch>
+            <a:fillRect/>
+          </a:stretch>
+        </p:blipFill>
+        <p:spPr bwMode="auto">
+          <a:xfrm>
+            <a:off x="1434543" y="4514979"/>
+            <a:ext cx="7173998" cy="1057275"/>
+          </a:xfrm>
+          <a:prstGeom prst="rect">
+            <a:avLst/>
+          </a:prstGeom>
+          <a:noFill/>
+          <a:ln w="9525">
+            <a:noFill/>
+            <a:miter lim="800000"/>
+            <a:headEnd/>
+            <a:tailEnd/>
+          </a:ln>
+          <a:effectLst/>
+        </p:spPr>
+      </p:pic>
+    </p:spTree>
+    <p:extLst>
+      <p:ext uri="{BB962C8B-B14F-4D97-AF65-F5344CB8AC3E}">
+        <p14:creationId xmlns:p14="http://schemas.microsoft.com/office/powerpoint/2010/main" val="1983698494"/>
+      </p:ext>
+    </p:extLst>
+  </p:cSld>
+  <p:clrMapOvr>
+    <a:masterClrMapping/>
+  </p:clrMapOvr>
+  <p:timing>
+    <p:tnLst>
+      <p:par>
+        <p:cTn id="1" dur="indefinite" restart="never" nodeType="tmRoot"/>
+      </p:par>
+    </p:tnLst>
+  </p:timing>
+</p:sld>
+</file>
+
+<file path=ppt/slides/slide7.xml><?xml version="1.0" encoding="utf-8"?>
+<p:sld xmlns:a="http://schemas.openxmlformats.org/drawingml/2006/main" xmlns:r="http://schemas.openxmlformats.org/officeDocument/2006/relationships" xmlns:p="http://schemas.openxmlformats.org/presentationml/2006/main">
+  <p:cSld>
+    <p:spTree>
+      <p:nvGrpSpPr>
+        <p:cNvPr id="1" name=""/>
+        <p:cNvGrpSpPr/>
+        <p:nvPr/>
+      </p:nvGrpSpPr>
+      <p:grpSpPr>
+        <a:xfrm>
+          <a:off x="0" y="0"/>
+          <a:ext cx="0" cy="0"/>
+          <a:chOff x="0" y="0"/>
+          <a:chExt cx="0" cy="0"/>
+        </a:xfrm>
+      </p:grpSpPr>
+      <p:sp>
+        <p:nvSpPr>
+          <p:cNvPr id="18" name="직사각형 17"/>
+          <p:cNvSpPr/>
+          <p:nvPr/>
+        </p:nvSpPr>
+        <p:spPr>
+          <a:xfrm rot="21409477">
+            <a:off x="832974" y="128931"/>
+            <a:ext cx="9282799" cy="6218171"/>
+          </a:xfrm>
+          <a:prstGeom prst="rect">
+            <a:avLst/>
+          </a:prstGeom>
+          <a:solidFill>
+            <a:schemeClr val="bg1">
+              <a:lumMod val="95000"/>
+            </a:schemeClr>
+          </a:solidFill>
+          <a:ln>
+            <a:noFill/>
+          </a:ln>
+        </p:spPr>
+        <p:style>
+          <a:lnRef idx="2">
+            <a:schemeClr val="accent1">
+              <a:shade val="50000"/>
+            </a:schemeClr>
+          </a:lnRef>
+          <a:fillRef idx="1">
+            <a:schemeClr val="accent1"/>
+          </a:fillRef>
+          <a:effectRef idx="0">
+            <a:schemeClr val="accent1"/>
+          </a:effectRef>
+          <a:fontRef idx="minor">
+            <a:schemeClr val="lt1"/>
+          </a:fontRef>
+        </p:style>
+        <p:txBody>
+          <a:bodyPr lIns="91440" tIns="45720" rIns="91440" bIns="45720" rtlCol="0" anchor="ctr"/>
+          <a:lstStyle/>
+          <a:p>
+            <a:pPr algn="ctr"/>
+            <a:endParaRPr lang="ko-KR" altLang="en-US" sz="2400"/>
+          </a:p>
+        </p:txBody>
+      </p:sp>
+      <p:sp>
+        <p:nvSpPr>
+          <p:cNvPr id="5" name="직사각형 4"/>
+          <p:cNvSpPr/>
+          <p:nvPr/>
+        </p:nvSpPr>
+        <p:spPr>
+          <a:xfrm>
+            <a:off x="526742" y="227697"/>
+            <a:ext cx="11425909" cy="6392929"/>
+          </a:xfrm>
+          <a:prstGeom prst="rect">
+            <a:avLst/>
+          </a:prstGeom>
+          <a:gradFill flip="none" rotWithShape="1">
+            <a:gsLst>
+              <a:gs pos="100000">
+                <a:schemeClr val="bg1">
+                  <a:shade val="67500"/>
+                  <a:satMod val="115000"/>
+                </a:schemeClr>
+              </a:gs>
+              <a:gs pos="64000">
+                <a:schemeClr val="bg1">
+                  <a:shade val="100000"/>
+                  <a:satMod val="115000"/>
+                </a:schemeClr>
+              </a:gs>
+            </a:gsLst>
+            <a:lin ang="10800000" scaled="1"/>
+            <a:tileRect/>
+          </a:gradFill>
+          <a:ln>
+            <a:noFill/>
+          </a:ln>
+          <a:effectLst>
+            <a:outerShdw blurRad="228600" dist="76200" dir="16200000" rotWithShape="0">
+              <a:prstClr val="black">
+                <a:alpha val="40000"/>
+              </a:prstClr>
+            </a:outerShdw>
+          </a:effectLst>
+        </p:spPr>
+        <p:style>
+          <a:lnRef idx="2">
+            <a:schemeClr val="accent1">
+              <a:shade val="50000"/>
+            </a:schemeClr>
+          </a:lnRef>
+          <a:fillRef idx="1">
+            <a:schemeClr val="accent1"/>
+          </a:fillRef>
+          <a:effectRef idx="0">
+            <a:schemeClr val="accent1"/>
+          </a:effectRef>
+          <a:fontRef idx="minor">
+            <a:schemeClr val="lt1"/>
+          </a:fontRef>
+        </p:style>
+        <p:txBody>
+          <a:bodyPr lIns="91440" tIns="45720" rIns="91440" bIns="45720" rtlCol="0" anchor="ctr"/>
+          <a:lstStyle/>
+          <a:p>
+            <a:pPr algn="ctr"/>
+            <a:endParaRPr lang="ko-KR" altLang="en-US" sz="2400"/>
+          </a:p>
+        </p:txBody>
+      </p:sp>
+      <p:grpSp>
+        <p:nvGrpSpPr>
+          <p:cNvPr id="2" name="그룹 1"/>
+          <p:cNvGrpSpPr/>
+          <p:nvPr/>
+        </p:nvGrpSpPr>
+        <p:grpSpPr>
+          <a:xfrm>
+            <a:off x="143104" y="68627"/>
+            <a:ext cx="768321" cy="6704028"/>
+            <a:chOff x="586490" y="739768"/>
+            <a:chExt cx="1017302" cy="5420168"/>
+          </a:xfrm>
+        </p:grpSpPr>
+        <p:sp>
+          <p:nvSpPr>
+            <p:cNvPr id="39" name="자유형 38"/>
+            <p:cNvSpPr/>
+            <p:nvPr/>
+          </p:nvSpPr>
+          <p:spPr>
+            <a:xfrm rot="10800000">
+              <a:off x="586490" y="1041378"/>
+              <a:ext cx="1017302" cy="4991063"/>
+            </a:xfrm>
+            <a:custGeom>
+              <a:avLst/>
+              <a:gdLst>
+                <a:gd name="connsiteX0" fmla="*/ 194310 w 388620"/>
+                <a:gd name="connsiteY0" fmla="*/ 0 h 2927235"/>
+                <a:gd name="connsiteX1" fmla="*/ 388620 w 388620"/>
+                <a:gd name="connsiteY1" fmla="*/ 194310 h 2927235"/>
+                <a:gd name="connsiteX2" fmla="*/ 388620 w 388620"/>
+                <a:gd name="connsiteY2" fmla="*/ 2927235 h 2927235"/>
+                <a:gd name="connsiteX3" fmla="*/ 379599 w 388620"/>
+                <a:gd name="connsiteY3" fmla="*/ 2898175 h 2927235"/>
+                <a:gd name="connsiteX4" fmla="*/ 194310 w 388620"/>
+                <a:gd name="connsiteY4" fmla="*/ 2775357 h 2927235"/>
+                <a:gd name="connsiteX5" fmla="*/ 9021 w 388620"/>
+                <a:gd name="connsiteY5" fmla="*/ 2898175 h 2927235"/>
+                <a:gd name="connsiteX6" fmla="*/ 0 w 388620"/>
+                <a:gd name="connsiteY6" fmla="*/ 2927235 h 2927235"/>
+                <a:gd name="connsiteX7" fmla="*/ 0 w 388620"/>
+                <a:gd name="connsiteY7" fmla="*/ 194310 h 2927235"/>
+                <a:gd name="connsiteX8" fmla="*/ 194310 w 388620"/>
+                <a:gd name="connsiteY8" fmla="*/ 0 h 2927235"/>
+              </a:gdLst>
+              <a:ahLst/>
+              <a:cxnLst>
+                <a:cxn ang="0">
+                  <a:pos x="connsiteX0" y="connsiteY0"/>
+                </a:cxn>
+                <a:cxn ang="0">
+                  <a:pos x="connsiteX1" y="connsiteY1"/>
+                </a:cxn>
+                <a:cxn ang="0">
+                  <a:pos x="connsiteX2" y="connsiteY2"/>
+                </a:cxn>
+                <a:cxn ang="0">
+                  <a:pos x="connsiteX3" y="connsiteY3"/>
+                </a:cxn>
+                <a:cxn ang="0">
+                  <a:pos x="connsiteX4" y="connsiteY4"/>
+                </a:cxn>
+                <a:cxn ang="0">
+                  <a:pos x="connsiteX5" y="connsiteY5"/>
+                </a:cxn>
+                <a:cxn ang="0">
+                  <a:pos x="connsiteX6" y="connsiteY6"/>
+                </a:cxn>
+                <a:cxn ang="0">
+                  <a:pos x="connsiteX7" y="connsiteY7"/>
+                </a:cxn>
+                <a:cxn ang="0">
+                  <a:pos x="connsiteX8" y="connsiteY8"/>
+                </a:cxn>
+              </a:cxnLst>
+              <a:rect l="l" t="t" r="r" b="b"/>
+              <a:pathLst>
+                <a:path w="388620" h="2927235">
+                  <a:moveTo>
+                    <a:pt x="194310" y="0"/>
+                  </a:moveTo>
+                  <a:cubicBezTo>
+                    <a:pt x="301624" y="0"/>
+                    <a:pt x="388620" y="86996"/>
+                    <a:pt x="388620" y="194310"/>
+                  </a:cubicBezTo>
+                  <a:lnTo>
+                    <a:pt x="388620" y="2927235"/>
+                  </a:lnTo>
+                  <a:lnTo>
+                    <a:pt x="379599" y="2898175"/>
+                  </a:lnTo>
+                  <a:cubicBezTo>
+                    <a:pt x="349072" y="2826000"/>
+                    <a:pt x="277605" y="2775357"/>
+                    <a:pt x="194310" y="2775357"/>
+                  </a:cubicBezTo>
+                  <a:cubicBezTo>
+                    <a:pt x="111015" y="2775357"/>
+                    <a:pt x="39548" y="2826000"/>
+                    <a:pt x="9021" y="2898175"/>
+                  </a:cubicBezTo>
+                  <a:lnTo>
+                    <a:pt x="0" y="2927235"/>
+                  </a:lnTo>
+                  <a:lnTo>
+                    <a:pt x="0" y="194310"/>
+                  </a:lnTo>
+                  <a:cubicBezTo>
+                    <a:pt x="0" y="86996"/>
+                    <a:pt x="86996" y="0"/>
+                    <a:pt x="194310" y="0"/>
+                  </a:cubicBezTo>
+                  <a:close/>
+                </a:path>
+              </a:pathLst>
+            </a:custGeom>
+            <a:gradFill flip="none" rotWithShape="1">
+              <a:gsLst>
+                <a:gs pos="0">
+                  <a:schemeClr val="bg1">
+                    <a:shade val="67500"/>
+                    <a:satMod val="115000"/>
+                  </a:schemeClr>
+                </a:gs>
+                <a:gs pos="100000">
+                  <a:schemeClr val="bg1">
+                    <a:shade val="100000"/>
+                    <a:satMod val="115000"/>
+                  </a:schemeClr>
+                </a:gs>
+              </a:gsLst>
+              <a:lin ang="10800000" scaled="1"/>
+              <a:tileRect/>
+            </a:gradFill>
+            <a:ln>
+              <a:noFill/>
+            </a:ln>
+            <a:effectLst>
+              <a:outerShdw blurRad="88900" dist="139700" dir="5400000" sx="98000" sy="98000" algn="t" rotWithShape="0">
+                <a:prstClr val="black">
+                  <a:alpha val="40000"/>
+                </a:prstClr>
+              </a:outerShdw>
+            </a:effectLst>
+          </p:spPr>
+          <p:style>
+            <a:lnRef idx="2">
+              <a:schemeClr val="accent1">
+                <a:shade val="50000"/>
+              </a:schemeClr>
+            </a:lnRef>
+            <a:fillRef idx="1">
+              <a:schemeClr val="accent1"/>
+            </a:fillRef>
+            <a:effectRef idx="0">
+              <a:schemeClr val="accent1"/>
+            </a:effectRef>
+            <a:fontRef idx="minor">
+              <a:schemeClr val="lt1"/>
+            </a:fontRef>
+          </p:style>
+          <p:txBody>
+            <a:bodyPr rtlCol="0" anchor="ctr"/>
+            <a:lstStyle/>
+            <a:p>
+              <a:pPr algn="ctr"/>
+              <a:endParaRPr lang="ko-KR" altLang="en-US" sz="2400"/>
+            </a:p>
+          </p:txBody>
+        </p:sp>
+        <p:sp>
+          <p:nvSpPr>
+            <p:cNvPr id="40" name="자유형 39"/>
+            <p:cNvSpPr/>
+            <p:nvPr/>
+          </p:nvSpPr>
+          <p:spPr>
+            <a:xfrm rot="10800000">
+              <a:off x="754421" y="2816677"/>
+              <a:ext cx="681439" cy="3343259"/>
+            </a:xfrm>
+            <a:custGeom>
+              <a:avLst/>
+              <a:gdLst>
+                <a:gd name="connsiteX0" fmla="*/ 194310 w 388620"/>
+                <a:gd name="connsiteY0" fmla="*/ 0 h 2927235"/>
+                <a:gd name="connsiteX1" fmla="*/ 388620 w 388620"/>
+                <a:gd name="connsiteY1" fmla="*/ 194310 h 2927235"/>
+                <a:gd name="connsiteX2" fmla="*/ 388620 w 388620"/>
+                <a:gd name="connsiteY2" fmla="*/ 2927235 h 2927235"/>
+                <a:gd name="connsiteX3" fmla="*/ 379599 w 388620"/>
+                <a:gd name="connsiteY3" fmla="*/ 2898175 h 2927235"/>
+                <a:gd name="connsiteX4" fmla="*/ 194310 w 388620"/>
+                <a:gd name="connsiteY4" fmla="*/ 2775357 h 2927235"/>
+                <a:gd name="connsiteX5" fmla="*/ 9021 w 388620"/>
+                <a:gd name="connsiteY5" fmla="*/ 2898175 h 2927235"/>
+                <a:gd name="connsiteX6" fmla="*/ 0 w 388620"/>
+                <a:gd name="connsiteY6" fmla="*/ 2927235 h 2927235"/>
+                <a:gd name="connsiteX7" fmla="*/ 0 w 388620"/>
+                <a:gd name="connsiteY7" fmla="*/ 194310 h 2927235"/>
+                <a:gd name="connsiteX8" fmla="*/ 194310 w 388620"/>
+                <a:gd name="connsiteY8" fmla="*/ 0 h 2927235"/>
+              </a:gdLst>
+              <a:ahLst/>
+              <a:cxnLst>
+                <a:cxn ang="0">
+                  <a:pos x="connsiteX0" y="connsiteY0"/>
+                </a:cxn>
+                <a:cxn ang="0">
+                  <a:pos x="connsiteX1" y="connsiteY1"/>
+                </a:cxn>
+                <a:cxn ang="0">
+                  <a:pos x="connsiteX2" y="connsiteY2"/>
+                </a:cxn>
+                <a:cxn ang="0">
+                  <a:pos x="connsiteX3" y="connsiteY3"/>
+                </a:cxn>
+                <a:cxn ang="0">
+                  <a:pos x="connsiteX4" y="connsiteY4"/>
+                </a:cxn>
+                <a:cxn ang="0">
+                  <a:pos x="connsiteX5" y="connsiteY5"/>
+                </a:cxn>
+                <a:cxn ang="0">
+                  <a:pos x="connsiteX6" y="connsiteY6"/>
+                </a:cxn>
+                <a:cxn ang="0">
+                  <a:pos x="connsiteX7" y="connsiteY7"/>
+                </a:cxn>
+                <a:cxn ang="0">
+                  <a:pos x="connsiteX8" y="connsiteY8"/>
+                </a:cxn>
+              </a:cxnLst>
+              <a:rect l="l" t="t" r="r" b="b"/>
+              <a:pathLst>
+                <a:path w="388620" h="2927235">
+                  <a:moveTo>
+                    <a:pt x="194310" y="0"/>
+                  </a:moveTo>
+                  <a:cubicBezTo>
+                    <a:pt x="301624" y="0"/>
+                    <a:pt x="388620" y="86996"/>
+                    <a:pt x="388620" y="194310"/>
+                  </a:cubicBezTo>
+                  <a:lnTo>
+                    <a:pt x="388620" y="2927235"/>
+                  </a:lnTo>
+                  <a:lnTo>
+                    <a:pt x="379599" y="2898175"/>
+                  </a:lnTo>
+                  <a:cubicBezTo>
+                    <a:pt x="349072" y="2826000"/>
+                    <a:pt x="277605" y="2775357"/>
+                    <a:pt x="194310" y="2775357"/>
+                  </a:cubicBezTo>
+                  <a:cubicBezTo>
+                    <a:pt x="111015" y="2775357"/>
+                    <a:pt x="39548" y="2826000"/>
+                    <a:pt x="9021" y="2898175"/>
+                  </a:cubicBezTo>
+                  <a:lnTo>
+                    <a:pt x="0" y="2927235"/>
+                  </a:lnTo>
+                  <a:lnTo>
+                    <a:pt x="0" y="194310"/>
+                  </a:lnTo>
+                  <a:cubicBezTo>
+                    <a:pt x="0" y="86996"/>
+                    <a:pt x="86996" y="0"/>
+                    <a:pt x="194310" y="0"/>
+                  </a:cubicBezTo>
+                  <a:close/>
+                </a:path>
+              </a:pathLst>
+            </a:custGeom>
+            <a:gradFill flip="none" rotWithShape="1">
+              <a:gsLst>
+                <a:gs pos="0">
+                  <a:schemeClr val="bg1">
+                    <a:shade val="67500"/>
+                    <a:satMod val="115000"/>
+                  </a:schemeClr>
+                </a:gs>
+                <a:gs pos="100000">
+                  <a:schemeClr val="bg1">
+                    <a:shade val="100000"/>
+                    <a:satMod val="115000"/>
+                  </a:schemeClr>
+                </a:gs>
+              </a:gsLst>
+              <a:lin ang="10800000" scaled="1"/>
+              <a:tileRect/>
+            </a:gradFill>
+            <a:ln>
+              <a:noFill/>
+            </a:ln>
+            <a:effectLst>
+              <a:outerShdw blurRad="88900" dist="139700" dir="5400000" sx="98000" sy="98000" algn="t" rotWithShape="0">
+                <a:prstClr val="black">
+                  <a:alpha val="40000"/>
+                </a:prstClr>
+              </a:outerShdw>
+            </a:effectLst>
+          </p:spPr>
+          <p:style>
+            <a:lnRef idx="2">
+              <a:schemeClr val="accent1">
+                <a:shade val="50000"/>
+              </a:schemeClr>
+            </a:lnRef>
+            <a:fillRef idx="1">
+              <a:schemeClr val="accent1"/>
+            </a:fillRef>
+            <a:effectRef idx="0">
+              <a:schemeClr val="accent1"/>
+            </a:effectRef>
+            <a:fontRef idx="minor">
+              <a:schemeClr val="lt1"/>
+            </a:fontRef>
+          </p:style>
+          <p:txBody>
+            <a:bodyPr rtlCol="0" anchor="ctr"/>
+            <a:lstStyle/>
+            <a:p>
+              <a:pPr algn="ctr"/>
+              <a:endParaRPr lang="ko-KR" altLang="en-US" sz="2400"/>
+            </a:p>
+          </p:txBody>
+        </p:sp>
+        <p:sp>
+          <p:nvSpPr>
+            <p:cNvPr id="41" name="자유형 40"/>
+            <p:cNvSpPr/>
+            <p:nvPr/>
+          </p:nvSpPr>
+          <p:spPr>
+            <a:xfrm>
+              <a:off x="754421" y="2614644"/>
+              <a:ext cx="681439" cy="3343259"/>
+            </a:xfrm>
+            <a:custGeom>
+              <a:avLst/>
+              <a:gdLst>
+                <a:gd name="connsiteX0" fmla="*/ 194310 w 388620"/>
+                <a:gd name="connsiteY0" fmla="*/ 0 h 2927235"/>
+                <a:gd name="connsiteX1" fmla="*/ 388620 w 388620"/>
+                <a:gd name="connsiteY1" fmla="*/ 194310 h 2927235"/>
+                <a:gd name="connsiteX2" fmla="*/ 388620 w 388620"/>
+                <a:gd name="connsiteY2" fmla="*/ 2927235 h 2927235"/>
+                <a:gd name="connsiteX3" fmla="*/ 379599 w 388620"/>
+                <a:gd name="connsiteY3" fmla="*/ 2898175 h 2927235"/>
+                <a:gd name="connsiteX4" fmla="*/ 194310 w 388620"/>
+                <a:gd name="connsiteY4" fmla="*/ 2775357 h 2927235"/>
+                <a:gd name="connsiteX5" fmla="*/ 9021 w 388620"/>
+                <a:gd name="connsiteY5" fmla="*/ 2898175 h 2927235"/>
+                <a:gd name="connsiteX6" fmla="*/ 0 w 388620"/>
+                <a:gd name="connsiteY6" fmla="*/ 2927235 h 2927235"/>
+                <a:gd name="connsiteX7" fmla="*/ 0 w 388620"/>
+                <a:gd name="connsiteY7" fmla="*/ 194310 h 2927235"/>
+                <a:gd name="connsiteX8" fmla="*/ 194310 w 388620"/>
+                <a:gd name="connsiteY8" fmla="*/ 0 h 2927235"/>
+              </a:gdLst>
+              <a:ahLst/>
+              <a:cxnLst>
+                <a:cxn ang="0">
+                  <a:pos x="connsiteX0" y="connsiteY0"/>
+                </a:cxn>
+                <a:cxn ang="0">
+                  <a:pos x="connsiteX1" y="connsiteY1"/>
+                </a:cxn>
+                <a:cxn ang="0">
+                  <a:pos x="connsiteX2" y="connsiteY2"/>
+                </a:cxn>
+                <a:cxn ang="0">
+                  <a:pos x="connsiteX3" y="connsiteY3"/>
+                </a:cxn>
+                <a:cxn ang="0">
+                  <a:pos x="connsiteX4" y="connsiteY4"/>
+                </a:cxn>
+                <a:cxn ang="0">
+                  <a:pos x="connsiteX5" y="connsiteY5"/>
+                </a:cxn>
+                <a:cxn ang="0">
+                  <a:pos x="connsiteX6" y="connsiteY6"/>
+                </a:cxn>
+                <a:cxn ang="0">
+                  <a:pos x="connsiteX7" y="connsiteY7"/>
+                </a:cxn>
+                <a:cxn ang="0">
+                  <a:pos x="connsiteX8" y="connsiteY8"/>
+                </a:cxn>
+              </a:cxnLst>
+              <a:rect l="l" t="t" r="r" b="b"/>
+              <a:pathLst>
+                <a:path w="388620" h="2927235">
+                  <a:moveTo>
+                    <a:pt x="194310" y="0"/>
+                  </a:moveTo>
+                  <a:cubicBezTo>
+                    <a:pt x="301624" y="0"/>
+                    <a:pt x="388620" y="86996"/>
+                    <a:pt x="388620" y="194310"/>
+                  </a:cubicBezTo>
+                  <a:lnTo>
+                    <a:pt x="388620" y="2927235"/>
+                  </a:lnTo>
+                  <a:lnTo>
+                    <a:pt x="379599" y="2898175"/>
+                  </a:lnTo>
+                  <a:cubicBezTo>
+                    <a:pt x="349072" y="2826000"/>
+                    <a:pt x="277605" y="2775357"/>
+                    <a:pt x="194310" y="2775357"/>
+                  </a:cubicBezTo>
+                  <a:cubicBezTo>
+                    <a:pt x="111015" y="2775357"/>
+                    <a:pt x="39548" y="2826000"/>
+                    <a:pt x="9021" y="2898175"/>
+                  </a:cubicBezTo>
+                  <a:lnTo>
+                    <a:pt x="0" y="2927235"/>
+                  </a:lnTo>
+                  <a:lnTo>
+                    <a:pt x="0" y="194310"/>
+                  </a:lnTo>
+                  <a:cubicBezTo>
+                    <a:pt x="0" y="86996"/>
+                    <a:pt x="86996" y="0"/>
+                    <a:pt x="194310" y="0"/>
+                  </a:cubicBezTo>
+                  <a:close/>
+                </a:path>
+              </a:pathLst>
+            </a:custGeom>
+            <a:gradFill flip="none" rotWithShape="1">
+              <a:gsLst>
+                <a:gs pos="0">
+                  <a:schemeClr val="bg1">
+                    <a:shade val="67500"/>
+                    <a:satMod val="115000"/>
+                  </a:schemeClr>
+                </a:gs>
+                <a:gs pos="100000">
+                  <a:schemeClr val="bg1">
+                    <a:shade val="100000"/>
+                    <a:satMod val="115000"/>
+                  </a:schemeClr>
+                </a:gs>
+              </a:gsLst>
+              <a:lin ang="10800000" scaled="1"/>
+              <a:tileRect/>
+            </a:gradFill>
+            <a:ln>
+              <a:noFill/>
+            </a:ln>
+            <a:effectLst>
+              <a:outerShdw blurRad="88900" dist="139700" dir="5400000" sx="98000" sy="98000" algn="t" rotWithShape="0">
+                <a:prstClr val="black">
+                  <a:alpha val="40000"/>
+                </a:prstClr>
+              </a:outerShdw>
+            </a:effectLst>
+          </p:spPr>
+          <p:style>
+            <a:lnRef idx="2">
+              <a:schemeClr val="accent1">
+                <a:shade val="50000"/>
+              </a:schemeClr>
+            </a:lnRef>
+            <a:fillRef idx="1">
+              <a:schemeClr val="accent1"/>
+            </a:fillRef>
+            <a:effectRef idx="0">
+              <a:schemeClr val="accent1"/>
+            </a:effectRef>
+            <a:fontRef idx="minor">
+              <a:schemeClr val="lt1"/>
+            </a:fontRef>
+          </p:style>
+          <p:txBody>
+            <a:bodyPr rtlCol="0" anchor="ctr"/>
+            <a:lstStyle/>
+            <a:p>
+              <a:pPr algn="ctr"/>
+              <a:endParaRPr lang="ko-KR" altLang="en-US" sz="2400"/>
+            </a:p>
+          </p:txBody>
+        </p:sp>
+        <p:sp>
+          <p:nvSpPr>
+            <p:cNvPr id="42" name="자유형 41"/>
+            <p:cNvSpPr/>
+            <p:nvPr/>
+          </p:nvSpPr>
+          <p:spPr>
+            <a:xfrm>
+              <a:off x="586490" y="739768"/>
+              <a:ext cx="1017302" cy="4991063"/>
+            </a:xfrm>
+            <a:custGeom>
+              <a:avLst/>
+              <a:gdLst>
+                <a:gd name="connsiteX0" fmla="*/ 194310 w 388620"/>
+                <a:gd name="connsiteY0" fmla="*/ 0 h 2927235"/>
+                <a:gd name="connsiteX1" fmla="*/ 388620 w 388620"/>
+                <a:gd name="connsiteY1" fmla="*/ 194310 h 2927235"/>
+                <a:gd name="connsiteX2" fmla="*/ 388620 w 388620"/>
+                <a:gd name="connsiteY2" fmla="*/ 2927235 h 2927235"/>
+                <a:gd name="connsiteX3" fmla="*/ 379599 w 388620"/>
+                <a:gd name="connsiteY3" fmla="*/ 2898175 h 2927235"/>
+                <a:gd name="connsiteX4" fmla="*/ 194310 w 388620"/>
+                <a:gd name="connsiteY4" fmla="*/ 2775357 h 2927235"/>
+                <a:gd name="connsiteX5" fmla="*/ 9021 w 388620"/>
+                <a:gd name="connsiteY5" fmla="*/ 2898175 h 2927235"/>
+                <a:gd name="connsiteX6" fmla="*/ 0 w 388620"/>
+                <a:gd name="connsiteY6" fmla="*/ 2927235 h 2927235"/>
+                <a:gd name="connsiteX7" fmla="*/ 0 w 388620"/>
+                <a:gd name="connsiteY7" fmla="*/ 194310 h 2927235"/>
+                <a:gd name="connsiteX8" fmla="*/ 194310 w 388620"/>
+                <a:gd name="connsiteY8" fmla="*/ 0 h 2927235"/>
+              </a:gdLst>
+              <a:ahLst/>
+              <a:cxnLst>
+                <a:cxn ang="0">
+                  <a:pos x="connsiteX0" y="connsiteY0"/>
+                </a:cxn>
+                <a:cxn ang="0">
+                  <a:pos x="connsiteX1" y="connsiteY1"/>
+                </a:cxn>
+                <a:cxn ang="0">
+                  <a:pos x="connsiteX2" y="connsiteY2"/>
+                </a:cxn>
+                <a:cxn ang="0">
+                  <a:pos x="connsiteX3" y="connsiteY3"/>
+                </a:cxn>
+                <a:cxn ang="0">
+                  <a:pos x="connsiteX4" y="connsiteY4"/>
+                </a:cxn>
+                <a:cxn ang="0">
+                  <a:pos x="connsiteX5" y="connsiteY5"/>
+                </a:cxn>
+                <a:cxn ang="0">
+                  <a:pos x="connsiteX6" y="connsiteY6"/>
+                </a:cxn>
+                <a:cxn ang="0">
+                  <a:pos x="connsiteX7" y="connsiteY7"/>
+                </a:cxn>
+                <a:cxn ang="0">
+                  <a:pos x="connsiteX8" y="connsiteY8"/>
+                </a:cxn>
+              </a:cxnLst>
+              <a:rect l="l" t="t" r="r" b="b"/>
+              <a:pathLst>
+                <a:path w="388620" h="2927235">
+                  <a:moveTo>
+                    <a:pt x="194310" y="0"/>
+                  </a:moveTo>
+                  <a:cubicBezTo>
+                    <a:pt x="301624" y="0"/>
+                    <a:pt x="388620" y="86996"/>
+                    <a:pt x="388620" y="194310"/>
+                  </a:cubicBezTo>
+                  <a:lnTo>
+                    <a:pt x="388620" y="2927235"/>
+                  </a:lnTo>
+                  <a:lnTo>
+                    <a:pt x="379599" y="2898175"/>
+                  </a:lnTo>
+                  <a:cubicBezTo>
+                    <a:pt x="349072" y="2826000"/>
+                    <a:pt x="277605" y="2775357"/>
+                    <a:pt x="194310" y="2775357"/>
+                  </a:cubicBezTo>
+                  <a:cubicBezTo>
+                    <a:pt x="111015" y="2775357"/>
+                    <a:pt x="39548" y="2826000"/>
+                    <a:pt x="9021" y="2898175"/>
+                  </a:cubicBezTo>
+                  <a:lnTo>
+                    <a:pt x="0" y="2927235"/>
+                  </a:lnTo>
+                  <a:lnTo>
+                    <a:pt x="0" y="194310"/>
+                  </a:lnTo>
+                  <a:cubicBezTo>
+                    <a:pt x="0" y="86996"/>
+                    <a:pt x="86996" y="0"/>
+                    <a:pt x="194310" y="0"/>
+                  </a:cubicBezTo>
+                  <a:close/>
+                </a:path>
+              </a:pathLst>
+            </a:custGeom>
+            <a:gradFill flip="none" rotWithShape="1">
+              <a:gsLst>
+                <a:gs pos="0">
+                  <a:schemeClr val="bg1">
+                    <a:shade val="67500"/>
+                    <a:satMod val="115000"/>
+                  </a:schemeClr>
+                </a:gs>
+                <a:gs pos="100000">
+                  <a:schemeClr val="bg1">
+                    <a:shade val="100000"/>
+                    <a:satMod val="115000"/>
+                  </a:schemeClr>
+                </a:gs>
+              </a:gsLst>
+              <a:lin ang="10800000" scaled="1"/>
+              <a:tileRect/>
+            </a:gradFill>
+            <a:ln>
+              <a:noFill/>
+            </a:ln>
+            <a:effectLst>
+              <a:outerShdw blurRad="88900" dist="139700" dir="5400000" sx="98000" sy="98000" algn="t" rotWithShape="0">
+                <a:prstClr val="black">
+                  <a:alpha val="40000"/>
+                </a:prstClr>
+              </a:outerShdw>
+            </a:effectLst>
+          </p:spPr>
+          <p:style>
+            <a:lnRef idx="2">
+              <a:schemeClr val="accent1">
+                <a:shade val="50000"/>
+              </a:schemeClr>
+            </a:lnRef>
+            <a:fillRef idx="1">
+              <a:schemeClr val="accent1"/>
+            </a:fillRef>
+            <a:effectRef idx="0">
+              <a:schemeClr val="accent1"/>
+            </a:effectRef>
+            <a:fontRef idx="minor">
+              <a:schemeClr val="lt1"/>
+            </a:fontRef>
+          </p:style>
+          <p:txBody>
+            <a:bodyPr rtlCol="0" anchor="ctr"/>
+            <a:lstStyle/>
+            <a:p>
+              <a:pPr algn="ctr"/>
+              <a:endParaRPr lang="ko-KR" altLang="en-US" sz="2400"/>
+            </a:p>
+          </p:txBody>
+        </p:sp>
+      </p:grpSp>
+      <p:sp>
+        <p:nvSpPr>
+          <p:cNvPr id="43" name="직사각형 42"/>
+          <p:cNvSpPr/>
+          <p:nvPr/>
+        </p:nvSpPr>
+        <p:spPr>
+          <a:xfrm>
+            <a:off x="1121067" y="522708"/>
+            <a:ext cx="8789911" cy="646331"/>
+          </a:xfrm>
+          <a:prstGeom prst="rect">
+            <a:avLst/>
+          </a:prstGeom>
+        </p:spPr>
+        <p:txBody>
+          <a:bodyPr wrap="square" lIns="91440" tIns="45720" rIns="91440" bIns="45720">
+            <a:spAutoFit/>
+          </a:bodyPr>
+          <a:lstStyle/>
+          <a:p>
+            <a:pPr>
+              <a:lnSpc>
+                <a:spcPct val="150000"/>
+              </a:lnSpc>
+            </a:pPr>
+            <a:r>
+              <a:rPr lang="en-US" altLang="ko-KR" sz="2400" b="1" dirty="0">
+                <a:solidFill>
+                  <a:schemeClr val="tx1">
+                    <a:lumMod val="75000"/>
+                    <a:lumOff val="25000"/>
+                  </a:schemeClr>
+                </a:solidFill>
+                <a:latin typeface="+mj-ea"/>
+                <a:ea typeface="+mj-ea"/>
+              </a:rPr>
+              <a:t>[ </a:t>
+            </a:r>
+            <a:r>
+              <a:rPr lang="ko-KR" altLang="en-US" sz="2400" b="1" dirty="0">
+                <a:solidFill>
+                  <a:schemeClr val="tx1">
+                    <a:lumMod val="75000"/>
+                    <a:lumOff val="25000"/>
+                  </a:schemeClr>
+                </a:solidFill>
+                <a:latin typeface="+mj-ea"/>
+                <a:ea typeface="+mj-ea"/>
+              </a:rPr>
+              <a:t>화면설계 </a:t>
+            </a:r>
+            <a:r>
+              <a:rPr lang="en-US" altLang="ko-KR" sz="2400" b="1" dirty="0">
+                <a:solidFill>
+                  <a:schemeClr val="tx1">
+                    <a:lumMod val="75000"/>
+                    <a:lumOff val="25000"/>
+                  </a:schemeClr>
+                </a:solidFill>
+                <a:latin typeface="+mj-ea"/>
+                <a:ea typeface="+mj-ea"/>
+              </a:rPr>
+              <a:t>] </a:t>
+            </a:r>
+            <a:r>
+              <a:rPr lang="ko-KR" altLang="en-US" sz="2400" b="1" dirty="0">
+                <a:solidFill>
+                  <a:schemeClr val="tx1">
+                    <a:lumMod val="75000"/>
+                    <a:lumOff val="25000"/>
+                  </a:schemeClr>
+                </a:solidFill>
+                <a:latin typeface="+mj-ea"/>
+                <a:ea typeface="+mj-ea"/>
+              </a:rPr>
+              <a:t>사용자 </a:t>
+            </a:r>
+            <a:r>
+              <a:rPr lang="en-US" altLang="ko-KR" sz="2400" b="1" dirty="0">
+                <a:solidFill>
+                  <a:schemeClr val="tx1">
+                    <a:lumMod val="75000"/>
+                    <a:lumOff val="25000"/>
+                  </a:schemeClr>
+                </a:solidFill>
+                <a:latin typeface="+mj-ea"/>
+                <a:ea typeface="+mj-ea"/>
+              </a:rPr>
+              <a:t>- </a:t>
+            </a:r>
+            <a:r>
+              <a:rPr lang="ko-KR" altLang="en-US" sz="2400" b="1" dirty="0">
+                <a:solidFill>
+                  <a:schemeClr val="tx1">
+                    <a:lumMod val="75000"/>
+                    <a:lumOff val="25000"/>
+                  </a:schemeClr>
+                </a:solidFill>
+                <a:latin typeface="+mj-ea"/>
+                <a:ea typeface="+mj-ea"/>
+              </a:rPr>
+              <a:t>웹 </a:t>
+            </a:r>
+            <a:r>
+              <a:rPr lang="en-US" altLang="ko-KR" sz="2400" b="1" dirty="0" smtClean="0">
+                <a:solidFill>
+                  <a:schemeClr val="tx1">
+                    <a:lumMod val="75000"/>
+                    <a:lumOff val="25000"/>
+                  </a:schemeClr>
+                </a:solidFill>
+                <a:latin typeface="+mj-ea"/>
+                <a:ea typeface="+mj-ea"/>
+              </a:rPr>
+              <a:t>– </a:t>
+            </a:r>
+            <a:r>
+              <a:rPr lang="ko-KR" altLang="en-US" sz="2400" b="1" dirty="0" err="1" smtClean="0">
+                <a:solidFill>
+                  <a:schemeClr val="tx1">
+                    <a:lumMod val="75000"/>
+                    <a:lumOff val="25000"/>
+                  </a:schemeClr>
+                </a:solidFill>
+                <a:latin typeface="+mj-ea"/>
+                <a:ea typeface="+mj-ea"/>
+              </a:rPr>
+              <a:t>리워드</a:t>
+            </a:r>
+            <a:r>
+              <a:rPr lang="ko-KR" altLang="en-US" sz="2400" b="1" dirty="0" smtClean="0">
+                <a:solidFill>
+                  <a:schemeClr val="tx1">
+                    <a:lumMod val="75000"/>
+                    <a:lumOff val="25000"/>
+                  </a:schemeClr>
+                </a:solidFill>
+                <a:latin typeface="+mj-ea"/>
+                <a:ea typeface="+mj-ea"/>
+              </a:rPr>
+              <a:t> 스토어 </a:t>
+            </a:r>
+            <a:r>
+              <a:rPr lang="en-US" altLang="ko-KR" sz="2400" b="1" dirty="0" smtClean="0">
+                <a:solidFill>
+                  <a:schemeClr val="tx1">
+                    <a:lumMod val="75000"/>
+                    <a:lumOff val="25000"/>
+                  </a:schemeClr>
+                </a:solidFill>
+                <a:latin typeface="+mj-ea"/>
+                <a:ea typeface="+mj-ea"/>
+              </a:rPr>
+              <a:t>– </a:t>
+            </a:r>
+            <a:r>
+              <a:rPr lang="ko-KR" altLang="en-US" sz="2400" b="1" dirty="0" smtClean="0">
+                <a:solidFill>
+                  <a:schemeClr val="tx1">
+                    <a:lumMod val="75000"/>
+                    <a:lumOff val="25000"/>
+                  </a:schemeClr>
+                </a:solidFill>
+                <a:latin typeface="+mj-ea"/>
+                <a:ea typeface="+mj-ea"/>
+              </a:rPr>
+              <a:t>상품주문</a:t>
+            </a:r>
+            <a:endParaRPr lang="ko-KR" altLang="en-US" sz="2400" b="1" dirty="0">
+              <a:solidFill>
+                <a:schemeClr val="tx1">
+                  <a:lumMod val="75000"/>
+                  <a:lumOff val="25000"/>
+                </a:schemeClr>
+              </a:solidFill>
+              <a:latin typeface="+mj-ea"/>
+              <a:ea typeface="+mj-ea"/>
+            </a:endParaRPr>
+          </a:p>
+        </p:txBody>
+      </p:sp>
+      <p:graphicFrame>
+        <p:nvGraphicFramePr>
+          <p:cNvPr id="4" name="표 3"/>
+          <p:cNvGraphicFramePr>
+            <a:graphicFrameLocks noGrp="1"/>
+          </p:cNvGraphicFramePr>
+          <p:nvPr>
+            <p:extLst/>
+          </p:nvPr>
+        </p:nvGraphicFramePr>
+        <p:xfrm>
+          <a:off x="9168341" y="1433634"/>
+          <a:ext cx="2688299" cy="915066"/>
+        </p:xfrm>
+        <a:graphic>
+          <a:graphicData uri="http://schemas.openxmlformats.org/drawingml/2006/table">
+            <a:tbl>
+              <a:tblPr firstRow="1" bandRow="1"/>
+              <a:tblGrid>
+                <a:gridCol w="2688299"/>
+              </a:tblGrid>
+              <a:tr h="424495">
+                <a:tc>
+                  <a:txBody>
+                    <a:bodyPr/>
+                    <a:lstStyle/>
+                    <a:p>
+                      <a:pPr algn="ctr" latinLnBrk="1"/>
+                      <a:r>
+                        <a:rPr lang="ko-KR" altLang="en-US" sz="1200" b="1" dirty="0" smtClean="0">
+                          <a:solidFill>
+                            <a:schemeClr val="tx1"/>
+                          </a:solidFill>
+                          <a:latin typeface="+mj-ea"/>
+                          <a:ea typeface="+mj-ea"/>
+                        </a:rPr>
+                        <a:t>화면코드</a:t>
+                      </a:r>
+                      <a:endParaRPr lang="ko-KR" altLang="en-US" sz="1200" b="1" dirty="0">
+                        <a:solidFill>
+                          <a:schemeClr val="tx1"/>
+                        </a:solidFill>
+                        <a:latin typeface="+mj-ea"/>
+                        <a:ea typeface="+mj-ea"/>
+                      </a:endParaRPr>
+                    </a:p>
+                  </a:txBody>
+                  <a:tcPr marL="121920" marR="121920" marT="60960" marB="60960" anchor="ctr">
+                    <a:solidFill>
+                      <a:srgbClr val="FF9E00"/>
+                    </a:solidFill>
+                  </a:tcPr>
+                </a:tc>
+              </a:tr>
+              <a:tr h="490571">
+                <a:tc>
+                  <a:txBody>
+                    <a:bodyPr/>
+                    <a:lstStyle/>
+                    <a:p>
+                      <a:pPr algn="ctr" latinLnBrk="1"/>
+                      <a:r>
+                        <a:rPr lang="en-US" altLang="ko-KR" sz="1500" smtClean="0">
+                          <a:latin typeface="+mj-ea"/>
+                          <a:ea typeface="+mj-ea"/>
+                        </a:rPr>
+                        <a:t>Kb_w_user_StorePay</a:t>
+                      </a:r>
+                      <a:endParaRPr lang="ko-KR" altLang="en-US" sz="1500" dirty="0">
+                        <a:latin typeface="+mj-ea"/>
+                        <a:ea typeface="+mj-ea"/>
+                      </a:endParaRPr>
+                    </a:p>
+                  </a:txBody>
+                  <a:tcPr marL="121920" marR="121920" marT="60960" marB="60960" anchor="ctr"/>
+                </a:tc>
+              </a:tr>
+            </a:tbl>
+          </a:graphicData>
+        </a:graphic>
+      </p:graphicFrame>
+      <p:sp>
+        <p:nvSpPr>
+          <p:cNvPr id="19" name="직사각형 18"/>
+          <p:cNvSpPr/>
+          <p:nvPr/>
+        </p:nvSpPr>
+        <p:spPr>
+          <a:xfrm>
+            <a:off x="1081171" y="1433634"/>
+            <a:ext cx="7895148" cy="4875687"/>
+          </a:xfrm>
+          <a:prstGeom prst="rect">
+            <a:avLst/>
+          </a:prstGeom>
+          <a:noFill/>
+          <a:ln w="9525">
+            <a:solidFill>
+              <a:schemeClr val="tx1"/>
+            </a:solidFill>
+          </a:ln>
+        </p:spPr>
+        <p:style>
+          <a:lnRef idx="2">
+            <a:schemeClr val="accent1">
+              <a:shade val="50000"/>
+            </a:schemeClr>
+          </a:lnRef>
+          <a:fillRef idx="1">
+            <a:schemeClr val="accent1"/>
+          </a:fillRef>
+          <a:effectRef idx="0">
+            <a:schemeClr val="accent1"/>
+          </a:effectRef>
+          <a:fontRef idx="minor">
+            <a:schemeClr val="lt1"/>
+          </a:fontRef>
+        </p:style>
+        <p:txBody>
+          <a:bodyPr rtlCol="0" anchor="ctr"/>
+          <a:lstStyle/>
+          <a:p>
+            <a:pPr algn="ctr"/>
+            <a:endParaRPr lang="ko-KR" altLang="en-US" sz="2400">
+              <a:noFill/>
+            </a:endParaRPr>
+          </a:p>
+        </p:txBody>
+      </p:sp>
+      <p:graphicFrame>
+        <p:nvGraphicFramePr>
+          <p:cNvPr id="6" name="표 5"/>
+          <p:cNvGraphicFramePr>
+            <a:graphicFrameLocks noGrp="1"/>
+          </p:cNvGraphicFramePr>
+          <p:nvPr>
+            <p:extLst/>
+          </p:nvPr>
+        </p:nvGraphicFramePr>
+        <p:xfrm>
+          <a:off x="9168341" y="2479152"/>
+          <a:ext cx="2688299" cy="3570331"/>
+        </p:xfrm>
+        <a:graphic>
+          <a:graphicData uri="http://schemas.openxmlformats.org/drawingml/2006/table">
+            <a:tbl>
+              <a:tblPr firstRow="1" bandRow="1"/>
+              <a:tblGrid>
+                <a:gridCol w="280507"/>
+                <a:gridCol w="2407792"/>
+              </a:tblGrid>
+              <a:tr h="469796">
+                <a:tc>
+                  <a:txBody>
+                    <a:bodyPr/>
+                    <a:lstStyle/>
+                    <a:p>
+                      <a:pPr algn="ctr" latinLnBrk="1"/>
+                      <a:r>
+                        <a:rPr lang="en-US" altLang="ko-KR" sz="1200" b="1" dirty="0" smtClean="0">
+                          <a:latin typeface="+mj-ea"/>
+                          <a:ea typeface="+mj-ea"/>
+                        </a:rPr>
+                        <a:t>#</a:t>
+                      </a:r>
+                      <a:endParaRPr lang="ko-KR" altLang="en-US" sz="1200" b="1" dirty="0">
+                        <a:latin typeface="+mj-ea"/>
+                        <a:ea typeface="+mj-ea"/>
+                      </a:endParaRPr>
+                    </a:p>
+                  </a:txBody>
+                  <a:tcPr marL="121920" marR="121920" marT="60960" marB="60960" anchor="ctr">
+                    <a:solidFill>
+                      <a:srgbClr val="FF9E00"/>
+                    </a:solidFill>
+                  </a:tcPr>
+                </a:tc>
+                <a:tc>
+                  <a:txBody>
+                    <a:bodyPr/>
+                    <a:lstStyle/>
+                    <a:p>
+                      <a:pPr algn="ctr" latinLnBrk="1"/>
+                      <a:r>
+                        <a:rPr lang="ko-KR" altLang="en-US" sz="1200" b="1" dirty="0" smtClean="0">
+                          <a:latin typeface="+mj-ea"/>
+                          <a:ea typeface="+mj-ea"/>
+                        </a:rPr>
+                        <a:t>기능</a:t>
+                      </a:r>
+                      <a:endParaRPr lang="ko-KR" altLang="en-US" sz="1200" b="1" dirty="0">
+                        <a:latin typeface="+mj-ea"/>
+                        <a:ea typeface="+mj-ea"/>
+                      </a:endParaRPr>
+                    </a:p>
+                  </a:txBody>
+                  <a:tcPr marL="121920" marR="121920" marT="60960" marB="60960" anchor="ctr">
+                    <a:solidFill>
+                      <a:srgbClr val="FF9E00"/>
+                    </a:solidFill>
+                  </a:tcPr>
+                </a:tc>
+              </a:tr>
+              <a:tr h="620107">
+                <a:tc>
+                  <a:txBody>
+                    <a:bodyPr/>
+                    <a:lstStyle/>
+                    <a:p>
+                      <a:pPr algn="ctr" latinLnBrk="1"/>
+                      <a:r>
+                        <a:rPr lang="en-US" altLang="ko-KR" sz="1300" smtClean="0">
+                          <a:latin typeface="+mj-ea"/>
+                          <a:ea typeface="+mj-ea"/>
+                        </a:rPr>
+                        <a:t>1</a:t>
+                      </a:r>
+                      <a:endParaRPr lang="ko-KR" altLang="en-US" sz="1300" dirty="0">
+                        <a:latin typeface="+mj-ea"/>
+                        <a:ea typeface="+mj-ea"/>
+                      </a:endParaRPr>
+                    </a:p>
+                  </a:txBody>
+                  <a:tcPr marL="121920" marR="121920" marT="60960" marB="60960" anchor="ctr"/>
+                </a:tc>
+                <a:tc>
+                  <a:txBody>
+                    <a:bodyPr/>
+                    <a:lstStyle/>
+                    <a:p>
+                      <a:pPr algn="l" latinLnBrk="1">
+                        <a:lnSpc>
+                          <a:spcPts val="1300"/>
+                        </a:lnSpc>
+                      </a:pPr>
+                      <a:r>
+                        <a:rPr lang="ko-KR" altLang="en-US" sz="1200" smtClean="0">
+                          <a:latin typeface="+mj-ea"/>
+                          <a:ea typeface="+mj-ea"/>
+                        </a:rPr>
+                        <a:t>결제방법을 통해서 결제 할수 있다</a:t>
+                      </a:r>
+                      <a:endParaRPr lang="ko-KR" altLang="en-US" sz="1200" dirty="0">
+                        <a:latin typeface="+mj-ea"/>
+                        <a:ea typeface="+mj-ea"/>
+                      </a:endParaRPr>
+                    </a:p>
+                  </a:txBody>
+                  <a:tcPr marL="121920" marR="121920" marT="60960" marB="60960"/>
+                </a:tc>
+              </a:tr>
+              <a:tr h="620107">
+                <a:tc>
+                  <a:txBody>
+                    <a:bodyPr/>
+                    <a:lstStyle/>
+                    <a:p>
+                      <a:pPr algn="ctr" latinLnBrk="1"/>
+                      <a:r>
+                        <a:rPr lang="en-US" altLang="ko-KR" sz="1300" dirty="0" smtClean="0">
+                          <a:latin typeface="+mj-ea"/>
+                          <a:ea typeface="+mj-ea"/>
+                        </a:rPr>
+                        <a:t>2</a:t>
+                      </a:r>
+                      <a:endParaRPr lang="ko-KR" altLang="en-US" sz="1300" dirty="0">
+                        <a:latin typeface="+mj-ea"/>
+                        <a:ea typeface="+mj-ea"/>
+                      </a:endParaRPr>
+                    </a:p>
+                  </a:txBody>
+                  <a:tcPr marL="121920" marR="121920" marT="60960" marB="60960" anchor="ctr"/>
+                </a:tc>
+                <a:tc>
+                  <a:txBody>
+                    <a:bodyPr/>
+                    <a:lstStyle/>
+                    <a:p>
+                      <a:pPr algn="l" latinLnBrk="1">
+                        <a:lnSpc>
+                          <a:spcPts val="1300"/>
+                        </a:lnSpc>
+                      </a:pPr>
+                      <a:r>
+                        <a:rPr lang="ko-KR" altLang="en-US" sz="1200" b="1" i="0" u="none" strike="noStrike" cap="none" smtClean="0">
+                          <a:solidFill>
+                            <a:srgbClr val="000000"/>
+                          </a:solidFill>
+                          <a:latin typeface="+mj-ea"/>
+                          <a:ea typeface="Arial"/>
+                          <a:cs typeface="Arial"/>
+                          <a:sym typeface="Arial"/>
+                        </a:rPr>
+                        <a:t>결제가 완료되면</a:t>
+                      </a:r>
+                      <a:r>
+                        <a:rPr lang="ko-KR" altLang="en-US" sz="1200" b="1" i="0" u="none" strike="noStrike" cap="none" baseline="0" smtClean="0">
+                          <a:solidFill>
+                            <a:srgbClr val="000000"/>
+                          </a:solidFill>
+                          <a:latin typeface="+mj-ea"/>
+                          <a:ea typeface="Arial"/>
+                          <a:cs typeface="Arial"/>
+                          <a:sym typeface="Arial"/>
+                        </a:rPr>
+                        <a:t> 완료 페이지로 이동</a:t>
+                      </a:r>
+                      <a:endParaRPr lang="ko-KR" altLang="en-US" sz="1200" b="0" i="0" u="none" strike="noStrike" cap="none" dirty="0" smtClean="0">
+                        <a:solidFill>
+                          <a:srgbClr val="000000"/>
+                        </a:solidFill>
+                        <a:latin typeface="+mj-ea"/>
+                        <a:ea typeface="Arial"/>
+                        <a:cs typeface="Arial"/>
+                        <a:sym typeface="Arial"/>
+                      </a:endParaRPr>
+                    </a:p>
+                  </a:txBody>
+                  <a:tcPr marL="121920" marR="121920" marT="60960" marB="60960"/>
+                </a:tc>
+              </a:tr>
+              <a:tr h="620107">
+                <a:tc>
+                  <a:txBody>
+                    <a:bodyPr/>
+                    <a:lstStyle/>
+                    <a:p>
+                      <a:pPr algn="ctr" latinLnBrk="1"/>
+                      <a:r>
+                        <a:rPr lang="en-US" altLang="ko-KR" sz="1300" dirty="0" smtClean="0">
+                          <a:latin typeface="+mj-ea"/>
+                          <a:ea typeface="+mj-ea"/>
+                        </a:rPr>
+                        <a:t>3</a:t>
+                      </a:r>
+                      <a:endParaRPr lang="ko-KR" altLang="en-US" sz="1300" dirty="0">
+                        <a:latin typeface="+mj-ea"/>
+                        <a:ea typeface="+mj-ea"/>
+                      </a:endParaRPr>
+                    </a:p>
+                  </a:txBody>
+                  <a:tcPr marL="121920" marR="121920" marT="60960" marB="60960" anchor="ctr"/>
+                </a:tc>
+                <a:tc>
+                  <a:txBody>
+                    <a:bodyPr/>
+                    <a:lstStyle/>
+                    <a:p>
+                      <a:pPr algn="l" latinLnBrk="1">
+                        <a:lnSpc>
+                          <a:spcPts val="1300"/>
+                        </a:lnSpc>
+                      </a:pPr>
+                      <a:endParaRPr lang="ko-KR" altLang="en-US" sz="1200" dirty="0">
+                        <a:latin typeface="+mj-ea"/>
+                        <a:ea typeface="+mj-ea"/>
+                      </a:endParaRPr>
+                    </a:p>
+                  </a:txBody>
+                  <a:tcPr marL="121920" marR="121920" marT="60960" marB="60960"/>
+                </a:tc>
+              </a:tr>
+              <a:tr h="620107">
+                <a:tc>
+                  <a:txBody>
+                    <a:bodyPr/>
+                    <a:lstStyle/>
+                    <a:p>
+                      <a:pPr algn="ctr" latinLnBrk="1"/>
+                      <a:r>
+                        <a:rPr lang="en-US" altLang="ko-KR" sz="1300" dirty="0" smtClean="0">
+                          <a:latin typeface="+mj-ea"/>
+                          <a:ea typeface="+mj-ea"/>
+                        </a:rPr>
+                        <a:t>4</a:t>
+                      </a:r>
+                      <a:endParaRPr lang="ko-KR" altLang="en-US" sz="1300" dirty="0">
+                        <a:latin typeface="+mj-ea"/>
+                        <a:ea typeface="+mj-ea"/>
+                      </a:endParaRPr>
+                    </a:p>
+                  </a:txBody>
+                  <a:tcPr marL="121920" marR="121920" marT="60960" marB="60960" anchor="ctr"/>
+                </a:tc>
+                <a:tc>
+                  <a:txBody>
+                    <a:bodyPr/>
+                    <a:lstStyle/>
+                    <a:p>
+                      <a:pPr algn="l" latinLnBrk="1">
+                        <a:lnSpc>
+                          <a:spcPts val="1300"/>
+                        </a:lnSpc>
+                      </a:pPr>
+                      <a:endParaRPr lang="ko-KR" altLang="en-US" sz="1200" dirty="0">
+                        <a:latin typeface="+mj-ea"/>
+                        <a:ea typeface="+mj-ea"/>
+                      </a:endParaRPr>
+                    </a:p>
+                  </a:txBody>
+                  <a:tcPr marL="121920" marR="121920" marT="60960" marB="60960"/>
+                </a:tc>
+              </a:tr>
+              <a:tr h="620107">
+                <a:tc>
+                  <a:txBody>
+                    <a:bodyPr/>
+                    <a:lstStyle/>
+                    <a:p>
+                      <a:pPr algn="ctr" latinLnBrk="1"/>
+                      <a:r>
+                        <a:rPr lang="en-US" altLang="ko-KR" sz="1300" dirty="0" smtClean="0">
+                          <a:latin typeface="+mj-ea"/>
+                          <a:ea typeface="+mj-ea"/>
+                        </a:rPr>
+                        <a:t>5</a:t>
+                      </a:r>
+                      <a:endParaRPr lang="ko-KR" altLang="en-US" sz="1300" dirty="0">
+                        <a:latin typeface="+mj-ea"/>
+                        <a:ea typeface="+mj-ea"/>
+                      </a:endParaRPr>
+                    </a:p>
+                  </a:txBody>
+                  <a:tcPr marL="121920" marR="121920" marT="60960" marB="60960" anchor="ctr"/>
+                </a:tc>
+                <a:tc>
+                  <a:txBody>
+                    <a:bodyPr/>
+                    <a:lstStyle/>
+                    <a:p>
+                      <a:pPr algn="l" latinLnBrk="1">
+                        <a:lnSpc>
+                          <a:spcPts val="1300"/>
+                        </a:lnSpc>
+                      </a:pPr>
+                      <a:endParaRPr lang="ko-KR" altLang="en-US" sz="1200" dirty="0">
+                        <a:latin typeface="+mj-ea"/>
+                        <a:ea typeface="+mj-ea"/>
+                      </a:endParaRPr>
+                    </a:p>
+                  </a:txBody>
+                  <a:tcPr marL="121920" marR="121920" marT="60960" marB="60960"/>
+                </a:tc>
+              </a:tr>
+            </a:tbl>
+          </a:graphicData>
+        </a:graphic>
+      </p:graphicFrame>
+      <p:pic>
+        <p:nvPicPr>
+          <p:cNvPr id="2050" name="Picture 2"/>
+          <p:cNvPicPr>
+            <a:picLocks noChangeAspect="1" noChangeArrowheads="1"/>
+          </p:cNvPicPr>
+          <p:nvPr/>
+        </p:nvPicPr>
+        <p:blipFill>
+          <a:blip r:embed="rId2"/>
+          <a:srcRect/>
+          <a:stretch>
+            <a:fillRect/>
+          </a:stretch>
+        </p:blipFill>
+        <p:spPr bwMode="auto">
+          <a:xfrm>
+            <a:off x="1265151" y="1730076"/>
+            <a:ext cx="7442244" cy="333375"/>
+          </a:xfrm>
+          <a:prstGeom prst="rect">
+            <a:avLst/>
+          </a:prstGeom>
+          <a:noFill/>
+          <a:ln w="9525">
+            <a:noFill/>
+            <a:miter lim="800000"/>
+            <a:headEnd/>
+            <a:tailEnd/>
+          </a:ln>
+          <a:effectLst/>
+        </p:spPr>
+      </p:pic>
+      <p:pic>
+        <p:nvPicPr>
+          <p:cNvPr id="2051" name="Picture 3"/>
+          <p:cNvPicPr>
+            <a:picLocks noChangeAspect="1" noChangeArrowheads="1"/>
+          </p:cNvPicPr>
+          <p:nvPr/>
+        </p:nvPicPr>
+        <p:blipFill>
+          <a:blip r:embed="rId3"/>
+          <a:srcRect/>
+          <a:stretch>
+            <a:fillRect/>
+          </a:stretch>
+        </p:blipFill>
+        <p:spPr bwMode="auto">
+          <a:xfrm>
+            <a:off x="1266053" y="2062678"/>
+            <a:ext cx="7499006" cy="409575"/>
+          </a:xfrm>
+          <a:prstGeom prst="rect">
+            <a:avLst/>
+          </a:prstGeom>
+          <a:noFill/>
+          <a:ln w="9525">
+            <a:noFill/>
+            <a:miter lim="800000"/>
+            <a:headEnd/>
+            <a:tailEnd/>
+          </a:ln>
+          <a:effectLst/>
+        </p:spPr>
+      </p:pic>
+      <p:sp>
+        <p:nvSpPr>
+          <p:cNvPr id="20" name="직사각형 19"/>
+          <p:cNvSpPr/>
+          <p:nvPr/>
+        </p:nvSpPr>
+        <p:spPr>
+          <a:xfrm>
+            <a:off x="3046910" y="3342528"/>
+            <a:ext cx="3995351" cy="609600"/>
+          </a:xfrm>
+          <a:prstGeom prst="rect">
+            <a:avLst/>
+          </a:prstGeom>
+          <a:solidFill>
+            <a:srgbClr val="FF9E00"/>
+          </a:solidFill>
+          <a:ln>
+            <a:noFill/>
+          </a:ln>
+        </p:spPr>
+        <p:style>
+          <a:lnRef idx="2">
+            <a:schemeClr val="accent1">
+              <a:shade val="50000"/>
+            </a:schemeClr>
+          </a:lnRef>
+          <a:fillRef idx="1">
+            <a:schemeClr val="accent1"/>
+          </a:fillRef>
+          <a:effectRef idx="0">
+            <a:schemeClr val="accent1"/>
+          </a:effectRef>
+          <a:fontRef idx="minor">
+            <a:schemeClr val="lt1"/>
+          </a:fontRef>
+        </p:style>
+        <p:txBody>
+          <a:bodyPr rtlCol="0" anchor="ctr"/>
+          <a:lstStyle/>
+          <a:p>
+            <a:pPr algn="ctr"/>
+            <a:r>
+              <a:rPr lang="ko-KR" altLang="en-US" dirty="0" smtClean="0"/>
+              <a:t>결제하기</a:t>
+            </a:r>
+            <a:endParaRPr lang="ko-KR" altLang="en-US" dirty="0"/>
+          </a:p>
+        </p:txBody>
+      </p:sp>
+      <p:pic>
+        <p:nvPicPr>
+          <p:cNvPr id="3" name="그림 2"/>
+          <p:cNvPicPr>
+            <a:picLocks noChangeAspect="1"/>
+          </p:cNvPicPr>
+          <p:nvPr/>
+        </p:nvPicPr>
+        <p:blipFill>
+          <a:blip r:embed="rId4"/>
+          <a:stretch>
+            <a:fillRect/>
+          </a:stretch>
+        </p:blipFill>
+        <p:spPr>
+          <a:xfrm>
+            <a:off x="1259359" y="2479152"/>
+            <a:ext cx="7505700" cy="447675"/>
+          </a:xfrm>
+          <a:prstGeom prst="rect">
+            <a:avLst/>
+          </a:prstGeom>
+        </p:spPr>
+      </p:pic>
+    </p:spTree>
+    <p:extLst>
+      <p:ext uri="{BB962C8B-B14F-4D97-AF65-F5344CB8AC3E}">
+        <p14:creationId xmlns:p14="http://schemas.microsoft.com/office/powerpoint/2010/main" val="1166443046"/>
       </p:ext>
     </p:extLst>
   </p:cSld>
